--- a/materials/slides/ch05.pptx
+++ b/materials/slides/ch05.pptx
@@ -56,7 +56,7 @@
   <p:notesSz cx="6858000" cy="9144000"/>
   <p:embeddedFontLst>
     <p:embeddedFont>
-      <p:font typeface="隶书" panose="02010509060101010101" pitchFamily="49" charset="-122"/>
+      <p:font typeface="隶书" panose="02010600030101010101" pitchFamily="49" charset="-122"/>
       <p:regular r:id="rId50"/>
     </p:embeddedFont>
     <p:embeddedFont>
@@ -1907,8 +1907,8 @@
           <a:lstStyle>
             <a:lvl1pPr>
               <a:defRPr sz="5000" b="1">
-                <a:latin typeface="隶书" panose="02010509060101010101" pitchFamily="49" charset="-122"/>
-                <a:ea typeface="隶书" panose="02010509060101010101" pitchFamily="49" charset="-122"/>
+                <a:latin typeface="隶书" panose="02010600030101010101" pitchFamily="49" charset="-122"/>
+                <a:ea typeface="隶书" panose="02010600030101010101" pitchFamily="49" charset="-122"/>
               </a:defRPr>
             </a:lvl1pPr>
           </a:lstStyle>
@@ -2143,8 +2143,8 @@
           <a:lstStyle>
             <a:lvl1pPr>
               <a:defRPr sz="5000" b="1">
-                <a:latin typeface="隶书" panose="02010509060101010101" pitchFamily="49" charset="-122"/>
-                <a:ea typeface="隶书" panose="02010509060101010101" pitchFamily="49" charset="-122"/>
+                <a:latin typeface="隶书" panose="02010600030101010101" pitchFamily="49" charset="-122"/>
+                <a:ea typeface="隶书" panose="02010600030101010101" pitchFamily="49" charset="-122"/>
               </a:defRPr>
             </a:lvl1pPr>
           </a:lstStyle>
@@ -2379,8 +2379,8 @@
           <a:lstStyle>
             <a:lvl1pPr>
               <a:defRPr sz="5000" b="1">
-                <a:latin typeface="隶书" panose="02010509060101010101" pitchFamily="49" charset="-122"/>
-                <a:ea typeface="隶书" panose="02010509060101010101" pitchFamily="49" charset="-122"/>
+                <a:latin typeface="隶书" panose="02010600030101010101" pitchFamily="49" charset="-122"/>
+                <a:ea typeface="隶书" panose="02010600030101010101" pitchFamily="49" charset="-122"/>
               </a:defRPr>
             </a:lvl1pPr>
           </a:lstStyle>
@@ -2615,8 +2615,8 @@
           <a:lstStyle>
             <a:lvl1pPr>
               <a:defRPr sz="5000" b="1">
-                <a:latin typeface="隶书" panose="02010509060101010101" pitchFamily="49" charset="-122"/>
-                <a:ea typeface="隶书" panose="02010509060101010101" pitchFamily="49" charset="-122"/>
+                <a:latin typeface="隶书" panose="02010600030101010101" pitchFamily="49" charset="-122"/>
+                <a:ea typeface="隶书" panose="02010600030101010101" pitchFamily="49" charset="-122"/>
               </a:defRPr>
             </a:lvl1pPr>
           </a:lstStyle>
@@ -2851,8 +2851,8 @@
           <a:lstStyle>
             <a:lvl1pPr>
               <a:defRPr sz="5000" b="1">
-                <a:latin typeface="隶书" panose="02010509060101010101" pitchFamily="49" charset="-122"/>
-                <a:ea typeface="隶书" panose="02010509060101010101" pitchFamily="49" charset="-122"/>
+                <a:latin typeface="隶书" panose="02010600030101010101" pitchFamily="49" charset="-122"/>
+                <a:ea typeface="隶书" panose="02010600030101010101" pitchFamily="49" charset="-122"/>
               </a:defRPr>
             </a:lvl1pPr>
           </a:lstStyle>
@@ -3087,8 +3087,8 @@
           <a:lstStyle>
             <a:lvl1pPr>
               <a:defRPr sz="5000" b="1">
-                <a:latin typeface="隶书" panose="02010509060101010101" pitchFamily="49" charset="-122"/>
-                <a:ea typeface="隶书" panose="02010509060101010101" pitchFamily="49" charset="-122"/>
+                <a:latin typeface="隶书" panose="02010600030101010101" pitchFamily="49" charset="-122"/>
+                <a:ea typeface="隶书" panose="02010600030101010101" pitchFamily="49" charset="-122"/>
               </a:defRPr>
             </a:lvl1pPr>
           </a:lstStyle>
@@ -3323,8 +3323,8 @@
           <a:lstStyle>
             <a:lvl1pPr>
               <a:defRPr sz="5000" b="1">
-                <a:latin typeface="隶书" panose="02010509060101010101" pitchFamily="49" charset="-122"/>
-                <a:ea typeface="隶书" panose="02010509060101010101" pitchFamily="49" charset="-122"/>
+                <a:latin typeface="隶书" panose="02010600030101010101" pitchFamily="49" charset="-122"/>
+                <a:ea typeface="隶书" panose="02010600030101010101" pitchFamily="49" charset="-122"/>
               </a:defRPr>
             </a:lvl1pPr>
           </a:lstStyle>
@@ -3559,8 +3559,8 @@
           <a:lstStyle>
             <a:lvl1pPr>
               <a:defRPr sz="5000" b="1">
-                <a:latin typeface="隶书" panose="02010509060101010101" pitchFamily="49" charset="-122"/>
-                <a:ea typeface="隶书" panose="02010509060101010101" pitchFamily="49" charset="-122"/>
+                <a:latin typeface="隶书" panose="02010600030101010101" pitchFamily="49" charset="-122"/>
+                <a:ea typeface="隶书" panose="02010600030101010101" pitchFamily="49" charset="-122"/>
               </a:defRPr>
             </a:lvl1pPr>
           </a:lstStyle>
@@ -3820,8 +3820,8 @@
           <a:lstStyle>
             <a:lvl1pPr>
               <a:defRPr sz="5000" b="1">
-                <a:latin typeface="隶书" panose="02010509060101010101" pitchFamily="49" charset="-122"/>
-                <a:ea typeface="隶书" panose="02010509060101010101" pitchFamily="49" charset="-122"/>
+                <a:latin typeface="隶书" panose="02010600030101010101" pitchFamily="49" charset="-122"/>
+                <a:ea typeface="隶书" panose="02010600030101010101" pitchFamily="49" charset="-122"/>
               </a:defRPr>
             </a:lvl1pPr>
           </a:lstStyle>
@@ -4056,8 +4056,8 @@
           <a:lstStyle>
             <a:lvl1pPr>
               <a:defRPr sz="5000" b="1">
-                <a:latin typeface="隶书" panose="02010509060101010101" pitchFamily="49" charset="-122"/>
-                <a:ea typeface="隶书" panose="02010509060101010101" pitchFamily="49" charset="-122"/>
+                <a:latin typeface="隶书" panose="02010600030101010101" pitchFamily="49" charset="-122"/>
+                <a:ea typeface="隶书" panose="02010600030101010101" pitchFamily="49" charset="-122"/>
               </a:defRPr>
             </a:lvl1pPr>
           </a:lstStyle>
@@ -4292,8 +4292,8 @@
           <a:lstStyle>
             <a:lvl1pPr>
               <a:defRPr sz="5000" b="1">
-                <a:latin typeface="隶书" panose="02010509060101010101" pitchFamily="49" charset="-122"/>
-                <a:ea typeface="隶书" panose="02010509060101010101" pitchFamily="49" charset="-122"/>
+                <a:latin typeface="隶书" panose="02010600030101010101" pitchFamily="49" charset="-122"/>
+                <a:ea typeface="隶书" panose="02010600030101010101" pitchFamily="49" charset="-122"/>
               </a:defRPr>
             </a:lvl1pPr>
           </a:lstStyle>
@@ -4528,8 +4528,8 @@
           <a:lstStyle>
             <a:lvl1pPr>
               <a:defRPr sz="5000" b="1">
-                <a:latin typeface="隶书" panose="02010509060101010101" pitchFamily="49" charset="-122"/>
-                <a:ea typeface="隶书" panose="02010509060101010101" pitchFamily="49" charset="-122"/>
+                <a:latin typeface="隶书" panose="02010600030101010101" pitchFamily="49" charset="-122"/>
+                <a:ea typeface="隶书" panose="02010600030101010101" pitchFamily="49" charset="-122"/>
               </a:defRPr>
             </a:lvl1pPr>
           </a:lstStyle>
@@ -4764,8 +4764,8 @@
           <a:lstStyle>
             <a:lvl1pPr>
               <a:defRPr sz="5000" b="1">
-                <a:latin typeface="隶书" panose="02010509060101010101" pitchFamily="49" charset="-122"/>
-                <a:ea typeface="隶书" panose="02010509060101010101" pitchFamily="49" charset="-122"/>
+                <a:latin typeface="隶书" panose="02010600030101010101" pitchFamily="49" charset="-122"/>
+                <a:ea typeface="隶书" panose="02010600030101010101" pitchFamily="49" charset="-122"/>
               </a:defRPr>
             </a:lvl1pPr>
           </a:lstStyle>
@@ -5000,8 +5000,8 @@
           <a:lstStyle>
             <a:lvl1pPr>
               <a:defRPr sz="5000" b="1">
-                <a:latin typeface="隶书" panose="02010509060101010101" pitchFamily="49" charset="-122"/>
-                <a:ea typeface="隶书" panose="02010509060101010101" pitchFamily="49" charset="-122"/>
+                <a:latin typeface="隶书" panose="02010600030101010101" pitchFamily="49" charset="-122"/>
+                <a:ea typeface="隶书" panose="02010600030101010101" pitchFamily="49" charset="-122"/>
               </a:defRPr>
             </a:lvl1pPr>
           </a:lstStyle>
@@ -5236,8 +5236,8 @@
           <a:lstStyle>
             <a:lvl1pPr>
               <a:defRPr sz="5000" b="1">
-                <a:latin typeface="隶书" panose="02010509060101010101" pitchFamily="49" charset="-122"/>
-                <a:ea typeface="隶书" panose="02010509060101010101" pitchFamily="49" charset="-122"/>
+                <a:latin typeface="隶书" panose="02010600030101010101" pitchFamily="49" charset="-122"/>
+                <a:ea typeface="隶书" panose="02010600030101010101" pitchFamily="49" charset="-122"/>
               </a:defRPr>
             </a:lvl1pPr>
           </a:lstStyle>
@@ -5472,8 +5472,8 @@
           <a:lstStyle>
             <a:lvl1pPr>
               <a:defRPr sz="5000" b="1">
-                <a:latin typeface="隶书" panose="02010509060101010101" pitchFamily="49" charset="-122"/>
-                <a:ea typeface="隶书" panose="02010509060101010101" pitchFamily="49" charset="-122"/>
+                <a:latin typeface="隶书" panose="02010600030101010101" pitchFamily="49" charset="-122"/>
+                <a:ea typeface="隶书" panose="02010600030101010101" pitchFamily="49" charset="-122"/>
               </a:defRPr>
             </a:lvl1pPr>
           </a:lstStyle>
@@ -5708,8 +5708,8 @@
           <a:lstStyle>
             <a:lvl1pPr>
               <a:defRPr sz="5000" b="1">
-                <a:latin typeface="隶书" panose="02010509060101010101" pitchFamily="49" charset="-122"/>
-                <a:ea typeface="隶书" panose="02010509060101010101" pitchFamily="49" charset="-122"/>
+                <a:latin typeface="隶书" panose="02010600030101010101" pitchFamily="49" charset="-122"/>
+                <a:ea typeface="隶书" panose="02010600030101010101" pitchFamily="49" charset="-122"/>
               </a:defRPr>
             </a:lvl1pPr>
           </a:lstStyle>
@@ -5944,8 +5944,8 @@
           <a:lstStyle>
             <a:lvl1pPr>
               <a:defRPr sz="5000" b="1">
-                <a:latin typeface="隶书" panose="02010509060101010101" pitchFamily="49" charset="-122"/>
-                <a:ea typeface="隶书" panose="02010509060101010101" pitchFamily="49" charset="-122"/>
+                <a:latin typeface="隶书" panose="02010600030101010101" pitchFamily="49" charset="-122"/>
+                <a:ea typeface="隶书" panose="02010600030101010101" pitchFamily="49" charset="-122"/>
               </a:defRPr>
             </a:lvl1pPr>
           </a:lstStyle>
@@ -6205,8 +6205,8 @@
           <a:lstStyle>
             <a:lvl1pPr>
               <a:defRPr sz="5000" b="1">
-                <a:latin typeface="隶书" panose="02010509060101010101" pitchFamily="49" charset="-122"/>
-                <a:ea typeface="隶书" panose="02010509060101010101" pitchFamily="49" charset="-122"/>
+                <a:latin typeface="隶书" panose="02010600030101010101" pitchFamily="49" charset="-122"/>
+                <a:ea typeface="隶书" panose="02010600030101010101" pitchFamily="49" charset="-122"/>
               </a:defRPr>
             </a:lvl1pPr>
           </a:lstStyle>
@@ -6441,8 +6441,8 @@
           <a:lstStyle>
             <a:lvl1pPr>
               <a:defRPr sz="5000" b="1">
-                <a:latin typeface="隶书" panose="02010509060101010101" pitchFamily="49" charset="-122"/>
-                <a:ea typeface="隶书" panose="02010509060101010101" pitchFamily="49" charset="-122"/>
+                <a:latin typeface="隶书" panose="02010600030101010101" pitchFamily="49" charset="-122"/>
+                <a:ea typeface="隶书" panose="02010600030101010101" pitchFamily="49" charset="-122"/>
               </a:defRPr>
             </a:lvl1pPr>
           </a:lstStyle>
@@ -6677,8 +6677,8 @@
           <a:lstStyle>
             <a:lvl1pPr>
               <a:defRPr sz="5000" b="1">
-                <a:latin typeface="隶书" panose="02010509060101010101" pitchFamily="49" charset="-122"/>
-                <a:ea typeface="隶书" panose="02010509060101010101" pitchFamily="49" charset="-122"/>
+                <a:latin typeface="隶书" panose="02010600030101010101" pitchFamily="49" charset="-122"/>
+                <a:ea typeface="隶书" panose="02010600030101010101" pitchFamily="49" charset="-122"/>
               </a:defRPr>
             </a:lvl1pPr>
           </a:lstStyle>
@@ -6913,8 +6913,8 @@
           <a:lstStyle>
             <a:lvl1pPr>
               <a:defRPr sz="5000" b="1">
-                <a:latin typeface="隶书" panose="02010509060101010101" pitchFamily="49" charset="-122"/>
-                <a:ea typeface="隶书" panose="02010509060101010101" pitchFamily="49" charset="-122"/>
+                <a:latin typeface="隶书" panose="02010600030101010101" pitchFamily="49" charset="-122"/>
+                <a:ea typeface="隶书" panose="02010600030101010101" pitchFamily="49" charset="-122"/>
               </a:defRPr>
             </a:lvl1pPr>
           </a:lstStyle>
@@ -7149,8 +7149,8 @@
           <a:lstStyle>
             <a:lvl1pPr>
               <a:defRPr sz="5000" b="1">
-                <a:latin typeface="隶书" panose="02010509060101010101" pitchFamily="49" charset="-122"/>
-                <a:ea typeface="隶书" panose="02010509060101010101" pitchFamily="49" charset="-122"/>
+                <a:latin typeface="隶书" panose="02010600030101010101" pitchFamily="49" charset="-122"/>
+                <a:ea typeface="隶书" panose="02010600030101010101" pitchFamily="49" charset="-122"/>
               </a:defRPr>
             </a:lvl1pPr>
           </a:lstStyle>
@@ -7385,8 +7385,8 @@
           <a:lstStyle>
             <a:lvl1pPr>
               <a:defRPr sz="5000" b="1">
-                <a:latin typeface="隶书" panose="02010509060101010101" pitchFamily="49" charset="-122"/>
-                <a:ea typeface="隶书" panose="02010509060101010101" pitchFamily="49" charset="-122"/>
+                <a:latin typeface="隶书" panose="02010600030101010101" pitchFamily="49" charset="-122"/>
+                <a:ea typeface="隶书" panose="02010600030101010101" pitchFamily="49" charset="-122"/>
               </a:defRPr>
             </a:lvl1pPr>
           </a:lstStyle>
@@ -7621,8 +7621,8 @@
           <a:lstStyle>
             <a:lvl1pPr>
               <a:defRPr sz="5000" b="1">
-                <a:latin typeface="隶书" panose="02010509060101010101" pitchFamily="49" charset="-122"/>
-                <a:ea typeface="隶书" panose="02010509060101010101" pitchFamily="49" charset="-122"/>
+                <a:latin typeface="隶书" panose="02010600030101010101" pitchFamily="49" charset="-122"/>
+                <a:ea typeface="隶书" panose="02010600030101010101" pitchFamily="49" charset="-122"/>
               </a:defRPr>
             </a:lvl1pPr>
           </a:lstStyle>
@@ -7857,8 +7857,8 @@
           <a:lstStyle>
             <a:lvl1pPr>
               <a:defRPr sz="5000" b="1">
-                <a:latin typeface="隶书" panose="02010509060101010101" pitchFamily="49" charset="-122"/>
-                <a:ea typeface="隶书" panose="02010509060101010101" pitchFamily="49" charset="-122"/>
+                <a:latin typeface="隶书" panose="02010600030101010101" pitchFamily="49" charset="-122"/>
+                <a:ea typeface="隶书" panose="02010600030101010101" pitchFamily="49" charset="-122"/>
               </a:defRPr>
             </a:lvl1pPr>
           </a:lstStyle>
@@ -8093,8 +8093,8 @@
           <a:lstStyle>
             <a:lvl1pPr>
               <a:defRPr sz="5000" b="1">
-                <a:latin typeface="隶书" panose="02010509060101010101" pitchFamily="49" charset="-122"/>
-                <a:ea typeface="隶书" panose="02010509060101010101" pitchFamily="49" charset="-122"/>
+                <a:latin typeface="隶书" panose="02010600030101010101" pitchFamily="49" charset="-122"/>
+                <a:ea typeface="隶书" panose="02010600030101010101" pitchFamily="49" charset="-122"/>
               </a:defRPr>
             </a:lvl1pPr>
           </a:lstStyle>
@@ -8329,8 +8329,8 @@
           <a:lstStyle>
             <a:lvl1pPr>
               <a:defRPr sz="5000" b="1">
-                <a:latin typeface="隶书" panose="02010509060101010101" pitchFamily="49" charset="-122"/>
-                <a:ea typeface="隶书" panose="02010509060101010101" pitchFamily="49" charset="-122"/>
+                <a:latin typeface="隶书" panose="02010600030101010101" pitchFamily="49" charset="-122"/>
+                <a:ea typeface="隶书" panose="02010600030101010101" pitchFamily="49" charset="-122"/>
               </a:defRPr>
             </a:lvl1pPr>
           </a:lstStyle>
@@ -8590,8 +8590,8 @@
           <a:lstStyle>
             <a:lvl1pPr>
               <a:defRPr sz="5000" b="1">
-                <a:latin typeface="隶书" panose="02010509060101010101" pitchFamily="49" charset="-122"/>
-                <a:ea typeface="隶书" panose="02010509060101010101" pitchFamily="49" charset="-122"/>
+                <a:latin typeface="隶书" panose="02010600030101010101" pitchFamily="49" charset="-122"/>
+                <a:ea typeface="隶书" panose="02010600030101010101" pitchFamily="49" charset="-122"/>
               </a:defRPr>
             </a:lvl1pPr>
           </a:lstStyle>
@@ -8826,8 +8826,8 @@
           <a:lstStyle>
             <a:lvl1pPr>
               <a:defRPr sz="5000" b="1">
-                <a:latin typeface="隶书" panose="02010509060101010101" pitchFamily="49" charset="-122"/>
-                <a:ea typeface="隶书" panose="02010509060101010101" pitchFamily="49" charset="-122"/>
+                <a:latin typeface="隶书" panose="02010600030101010101" pitchFamily="49" charset="-122"/>
+                <a:ea typeface="隶书" panose="02010600030101010101" pitchFamily="49" charset="-122"/>
               </a:defRPr>
             </a:lvl1pPr>
           </a:lstStyle>
@@ -9062,8 +9062,8 @@
           <a:lstStyle>
             <a:lvl1pPr>
               <a:defRPr sz="5000" b="1">
-                <a:latin typeface="隶书" panose="02010509060101010101" pitchFamily="49" charset="-122"/>
-                <a:ea typeface="隶书" panose="02010509060101010101" pitchFamily="49" charset="-122"/>
+                <a:latin typeface="隶书" panose="02010600030101010101" pitchFamily="49" charset="-122"/>
+                <a:ea typeface="隶书" panose="02010600030101010101" pitchFamily="49" charset="-122"/>
               </a:defRPr>
             </a:lvl1pPr>
           </a:lstStyle>
@@ -19342,7 +19342,7 @@
         <p:spPr>
           <a:xfrm>
             <a:off x="274320" y="449590"/>
-            <a:ext cx="3057247" cy="584775"/>
+            <a:ext cx="6685280" cy="583565"/>
           </a:xfrm>
           <a:prstGeom prst="rect">
             <a:avLst/>
@@ -19363,7 +19363,7 @@
                 <a:latin typeface="微软雅黑" panose="020B0503020204020204" pitchFamily="34" charset="-122"/>
                 <a:ea typeface="微软雅黑" panose="020B0503020204020204" pitchFamily="34" charset="-122"/>
               </a:rPr>
-              <a:t>我们需要一座桥</a:t>
+              <a:t>我们需要一座桥（连接分析与设计）</a:t>
             </a:r>
             <a:endParaRPr lang="zh-CN" altLang="en-US" sz="3200" b="1" dirty="0">
               <a:solidFill>
@@ -19419,7 +19419,7 @@
         </p:nvGrpSpPr>
         <p:grpSpPr>
           <a:xfrm>
-            <a:off x="3331567" y="637832"/>
+            <a:off x="6791047" y="637832"/>
             <a:ext cx="491490" cy="318085"/>
             <a:chOff x="3017520" y="601990"/>
             <a:chExt cx="491490" cy="414010"/>
@@ -23030,8 +23030,8 @@
         </p:blipFill>
         <p:spPr bwMode="auto">
           <a:xfrm>
-            <a:off x="3441010" y="2328858"/>
-            <a:ext cx="5309979" cy="3000396"/>
+            <a:off x="2816225" y="2199640"/>
+            <a:ext cx="6544310" cy="3697605"/>
           </a:xfrm>
           <a:prstGeom prst="rect">
             <a:avLst/>
@@ -27951,7 +27951,7 @@
         <p:spPr>
           <a:xfrm>
             <a:off x="274320" y="449590"/>
-            <a:ext cx="4698722" cy="584775"/>
+            <a:ext cx="4653280" cy="583565"/>
           </a:xfrm>
           <a:prstGeom prst="rect">
             <a:avLst/>
@@ -27972,7 +27972,7 @@
                 <a:latin typeface="微软雅黑" panose="020B0503020204020204" pitchFamily="34" charset="-122"/>
                 <a:ea typeface="微软雅黑" panose="020B0503020204020204" pitchFamily="34" charset="-122"/>
               </a:rPr>
-              <a:t>健壮性分析中的基本概念</a:t>
+              <a:t>健壮性分析中的注意事项</a:t>
             </a:r>
             <a:endParaRPr lang="zh-CN" altLang="en-US" sz="3200" b="1" dirty="0">
               <a:solidFill>
@@ -44090,7 +44090,7 @@
         <p:spPr>
           <a:xfrm>
             <a:off x="274320" y="449590"/>
-            <a:ext cx="7257115" cy="584775"/>
+            <a:ext cx="6936105" cy="583565"/>
           </a:xfrm>
           <a:prstGeom prst="rect">
             <a:avLst/>
@@ -44121,7 +44121,7 @@
                 <a:latin typeface="微软雅黑" panose="020B0503020204020204" pitchFamily="34" charset="-122"/>
                 <a:ea typeface="微软雅黑" panose="020B0503020204020204" pitchFamily="34" charset="-122"/>
               </a:rPr>
-              <a:t>10</a:t>
+              <a:t>9</a:t>
             </a:r>
             <a:r>
               <a:rPr lang="zh-CN" altLang="en-US" sz="3200" b="1" dirty="0">
@@ -46077,62 +46077,6 @@
       </p:grpSp>
       <p:sp>
         <p:nvSpPr>
-          <p:cNvPr id="37" name="AutoShape 35"/>
-          <p:cNvSpPr/>
-          <p:nvPr/>
-        </p:nvSpPr>
-        <p:spPr bwMode="auto">
-          <a:xfrm>
-            <a:off x="2238349" y="1837363"/>
-            <a:ext cx="2697187" cy="547687"/>
-          </a:xfrm>
-          <a:prstGeom prst="accentCallout2">
-            <a:avLst>
-              <a:gd name="adj1" fmla="val 18750"/>
-              <a:gd name="adj2" fmla="val 104532"/>
-              <a:gd name="adj3" fmla="val 18750"/>
-              <a:gd name="adj4" fmla="val 118509"/>
-              <a:gd name="adj5" fmla="val 46093"/>
-              <a:gd name="adj6" fmla="val 133051"/>
-            </a:avLst>
-          </a:prstGeom>
-          <a:noFill/>
-          <a:ln w="9525">
-            <a:solidFill>
-              <a:schemeClr val="tx1"/>
-            </a:solidFill>
-            <a:miter lim="800000"/>
-          </a:ln>
-          <a:effectLst/>
-        </p:spPr>
-        <p:txBody>
-          <a:bodyPr anchor="ctr"/>
-          <a:lstStyle/>
-          <a:p>
-            <a:pPr marL="514350" indent="-514350"/>
-            <a:r>
-              <a:rPr lang="en-US" altLang="zh-CN" dirty="0">
-                <a:latin typeface="微软雅黑" panose="020B0503020204020204" pitchFamily="34" charset="-122"/>
-                <a:ea typeface="微软雅黑" panose="020B0503020204020204" pitchFamily="34" charset="-122"/>
-              </a:rPr>
-              <a:t>6.</a:t>
-            </a:r>
-            <a:r>
-              <a:rPr lang="zh-CN" altLang="en-US" dirty="0">
-                <a:latin typeface="微软雅黑" panose="020B0503020204020204" pitchFamily="34" charset="-122"/>
-                <a:ea typeface="微软雅黑" panose="020B0503020204020204" pitchFamily="34" charset="-122"/>
-              </a:rPr>
-              <a:t>健壮性分析时不要太多关注箭头的指向。</a:t>
-            </a:r>
-            <a:endParaRPr lang="en-US" altLang="zh-CN" dirty="0">
-              <a:latin typeface="微软雅黑" panose="020B0503020204020204" pitchFamily="34" charset="-122"/>
-              <a:ea typeface="微软雅黑" panose="020B0503020204020204" pitchFamily="34" charset="-122"/>
-            </a:endParaRPr>
-          </a:p>
-        </p:txBody>
-      </p:sp>
-      <p:sp>
-        <p:nvSpPr>
           <p:cNvPr id="38" name="AutoShape 36"/>
           <p:cNvSpPr/>
           <p:nvPr/>
@@ -46173,7 +46117,7 @@
                 <a:latin typeface="微软雅黑" panose="020B0503020204020204" pitchFamily="34" charset="-122"/>
                 <a:ea typeface="微软雅黑" panose="020B0503020204020204" pitchFamily="34" charset="-122"/>
               </a:rPr>
-              <a:t>7.</a:t>
+              <a:t>6.</a:t>
             </a:r>
             <a:r>
               <a:rPr lang="zh-CN" altLang="en-US" dirty="0">
@@ -46237,7 +46181,7 @@
                 <a:latin typeface="微软雅黑" panose="020B0503020204020204" pitchFamily="34" charset="-122"/>
                 <a:ea typeface="微软雅黑" panose="020B0503020204020204" pitchFamily="34" charset="-122"/>
               </a:rPr>
-              <a:t>8.</a:t>
+              <a:t>7.</a:t>
             </a:r>
             <a:r>
               <a:rPr lang="zh-CN" altLang="en-US" dirty="0">
@@ -46301,7 +46245,7 @@
                 <a:latin typeface="微软雅黑" panose="020B0503020204020204" pitchFamily="34" charset="-122"/>
                 <a:ea typeface="微软雅黑" panose="020B0503020204020204" pitchFamily="34" charset="-122"/>
               </a:rPr>
-              <a:t>9.</a:t>
+              <a:t>8.</a:t>
             </a:r>
             <a:r>
               <a:rPr lang="zh-CN" altLang="en-US" dirty="0">
@@ -46311,7 +46255,7 @@
                 <a:latin typeface="微软雅黑" panose="020B0503020204020204" pitchFamily="34" charset="-122"/>
                 <a:ea typeface="微软雅黑" panose="020B0503020204020204" pitchFamily="34" charset="-122"/>
               </a:rPr>
-              <a:t>健壮性图上的边界对象和实体对象会转化为时序图中的对象实例，而控制器对象会转化为消息。</a:t>
+              <a:t>健壮性图上的边界对象和实体对象会转化为时序图中的对象实例，而控制器对象会转化为消息或控制器实例。</a:t>
             </a:r>
             <a:endParaRPr lang="en-US" altLang="zh-CN" dirty="0">
               <a:solidFill>
@@ -46365,7 +46309,7 @@
                 <a:latin typeface="微软雅黑" panose="020B0503020204020204" pitchFamily="34" charset="-122"/>
                 <a:ea typeface="微软雅黑" panose="020B0503020204020204" pitchFamily="34" charset="-122"/>
               </a:rPr>
-              <a:t>10.</a:t>
+              <a:t>9.</a:t>
             </a:r>
             <a:r>
               <a:rPr lang="zh-CN" altLang="en-US" dirty="0">
@@ -46396,7 +46340,7 @@
         <p:spPr>
           <a:xfrm>
             <a:off x="274320" y="449590"/>
-            <a:ext cx="7257115" cy="584775"/>
+            <a:ext cx="6936105" cy="583565"/>
           </a:xfrm>
           <a:prstGeom prst="rect">
             <a:avLst/>
@@ -46427,7 +46371,7 @@
                 <a:latin typeface="微软雅黑" panose="020B0503020204020204" pitchFamily="34" charset="-122"/>
                 <a:ea typeface="微软雅黑" panose="020B0503020204020204" pitchFamily="34" charset="-122"/>
               </a:rPr>
-              <a:t>10</a:t>
+              <a:t>9</a:t>
             </a:r>
             <a:r>
               <a:rPr lang="zh-CN" altLang="en-US" sz="3200" b="1" dirty="0">

--- a/materials/slides/ch05.pptx
+++ b/materials/slides/ch05.pptx
@@ -24,56 +24,57 @@
     <p:sldId id="507" r:id="rId17"/>
     <p:sldId id="505" r:id="rId18"/>
     <p:sldId id="506" r:id="rId19"/>
-    <p:sldId id="508" r:id="rId20"/>
-    <p:sldId id="509" r:id="rId21"/>
-    <p:sldId id="510" r:id="rId22"/>
-    <p:sldId id="511" r:id="rId23"/>
-    <p:sldId id="512" r:id="rId24"/>
-    <p:sldId id="425" r:id="rId25"/>
-    <p:sldId id="513" r:id="rId26"/>
-    <p:sldId id="514" r:id="rId27"/>
-    <p:sldId id="515" r:id="rId28"/>
-    <p:sldId id="516" r:id="rId29"/>
-    <p:sldId id="517" r:id="rId30"/>
-    <p:sldId id="518" r:id="rId31"/>
-    <p:sldId id="519" r:id="rId32"/>
-    <p:sldId id="436" r:id="rId33"/>
-    <p:sldId id="520" r:id="rId34"/>
-    <p:sldId id="521" r:id="rId35"/>
-    <p:sldId id="522" r:id="rId36"/>
-    <p:sldId id="523" r:id="rId37"/>
-    <p:sldId id="524" r:id="rId38"/>
-    <p:sldId id="525" r:id="rId39"/>
-    <p:sldId id="440" r:id="rId40"/>
-    <p:sldId id="526" r:id="rId41"/>
-    <p:sldId id="527" r:id="rId42"/>
-    <p:sldId id="528" r:id="rId43"/>
-    <p:sldId id="529" r:id="rId44"/>
-    <p:sldId id="530" r:id="rId45"/>
-    <p:sldId id="379" r:id="rId46"/>
+    <p:sldId id="575" r:id="rId20"/>
+    <p:sldId id="508" r:id="rId21"/>
+    <p:sldId id="509" r:id="rId22"/>
+    <p:sldId id="510" r:id="rId23"/>
+    <p:sldId id="511" r:id="rId24"/>
+    <p:sldId id="512" r:id="rId25"/>
+    <p:sldId id="425" r:id="rId26"/>
+    <p:sldId id="513" r:id="rId27"/>
+    <p:sldId id="514" r:id="rId28"/>
+    <p:sldId id="515" r:id="rId29"/>
+    <p:sldId id="516" r:id="rId30"/>
+    <p:sldId id="517" r:id="rId31"/>
+    <p:sldId id="518" r:id="rId32"/>
+    <p:sldId id="519" r:id="rId33"/>
+    <p:sldId id="436" r:id="rId34"/>
+    <p:sldId id="520" r:id="rId35"/>
+    <p:sldId id="521" r:id="rId36"/>
+    <p:sldId id="522" r:id="rId37"/>
+    <p:sldId id="523" r:id="rId38"/>
+    <p:sldId id="524" r:id="rId39"/>
+    <p:sldId id="525" r:id="rId40"/>
+    <p:sldId id="440" r:id="rId41"/>
+    <p:sldId id="526" r:id="rId42"/>
+    <p:sldId id="527" r:id="rId43"/>
+    <p:sldId id="528" r:id="rId44"/>
+    <p:sldId id="529" r:id="rId45"/>
+    <p:sldId id="530" r:id="rId46"/>
+    <p:sldId id="379" r:id="rId47"/>
   </p:sldIdLst>
   <p:sldSz cx="12192000" cy="6858000"/>
   <p:notesSz cx="6858000" cy="9144000"/>
   <p:embeddedFontLst>
     <p:embeddedFont>
       <p:font typeface="隶书" panose="02010600030101010101" pitchFamily="49" charset="-122"/>
-      <p:regular r:id="rId50"/>
+      <p:regular r:id="rId51"/>
     </p:embeddedFont>
     <p:embeddedFont>
       <p:font typeface="微软雅黑" panose="020B0503020204020204" pitchFamily="34" charset="-122"/>
-      <p:regular r:id="rId51"/>
+      <p:regular r:id="rId52"/>
     </p:embeddedFont>
     <p:embeddedFont>
       <p:font typeface="Calibri" panose="020F0502020204030204" charset="0"/>
-      <p:regular r:id="rId52"/>
-      <p:bold r:id="rId53"/>
-      <p:italic r:id="rId54"/>
-      <p:boldItalic r:id="rId55"/>
+      <p:regular r:id="rId53"/>
+      <p:bold r:id="rId54"/>
+      <p:italic r:id="rId55"/>
+      <p:boldItalic r:id="rId56"/>
     </p:embeddedFont>
     <p:embeddedFont>
       <p:font typeface="Calibri Light" panose="020F0302020204030204" charset="0"/>
-      <p:regular r:id="rId56"/>
-      <p:italic r:id="rId57"/>
+      <p:regular r:id="rId57"/>
+      <p:italic r:id="rId58"/>
     </p:embeddedFont>
   </p:embeddedFontLst>
   <p:defaultTextStyle>
@@ -929,9 +930,6 @@
           </a:bodyPr>
           <a:lstStyle/>
           <a:p>
-            <a:br>
-              <a:rPr lang="en-US" altLang="zh-CN" sz="1200" dirty="0"/>
-            </a:br>
             <a:endParaRPr lang="zh-CN" altLang="en-US" dirty="0"/>
           </a:p>
         </p:txBody>
@@ -1012,6 +1010,89 @@
           </a:bodyPr>
           <a:lstStyle/>
           <a:p>
+            <a:br>
+              <a:rPr lang="en-US" altLang="zh-CN" sz="1200" dirty="0"/>
+            </a:br>
+            <a:endParaRPr lang="zh-CN" altLang="en-US" dirty="0"/>
+          </a:p>
+        </p:txBody>
+      </p:sp>
+      <p:sp>
+        <p:nvSpPr>
+          <p:cNvPr id="4" name="灯片编号占位符 3"/>
+          <p:cNvSpPr>
+            <a:spLocks noGrp="1"/>
+          </p:cNvSpPr>
+          <p:nvPr>
+            <p:ph type="sldNum" sz="quarter" idx="10"/>
+          </p:nvPr>
+        </p:nvSpPr>
+        <p:spPr/>
+        <p:txBody>
+          <a:bodyPr/>
+          <a:lstStyle/>
+          <a:p>
+            <a:fld id="{FDDB9895-7A6E-44E3-810E-C8FBEE467FCB}" type="slidenum">
+              <a:rPr lang="zh-CN" altLang="en-US" smtClean="0"/>
+            </a:fld>
+            <a:endParaRPr lang="zh-CN" altLang="en-US"/>
+          </a:p>
+        </p:txBody>
+      </p:sp>
+    </p:spTree>
+  </p:cSld>
+  <p:clrMapOvr>
+    <a:masterClrMapping/>
+  </p:clrMapOvr>
+</p:notes>
+</file>
+
+<file path=ppt/notesSlides/notesSlide7.xml><?xml version="1.0" encoding="utf-8"?>
+<p:notes xmlns:a="http://schemas.openxmlformats.org/drawingml/2006/main" xmlns:r="http://schemas.openxmlformats.org/officeDocument/2006/relationships" xmlns:p="http://schemas.openxmlformats.org/presentationml/2006/main">
+  <p:cSld>
+    <p:spTree>
+      <p:nvGrpSpPr>
+        <p:cNvPr id="1" name=""/>
+        <p:cNvGrpSpPr/>
+        <p:nvPr/>
+      </p:nvGrpSpPr>
+      <p:grpSpPr>
+        <a:xfrm>
+          <a:off x="0" y="0"/>
+          <a:ext cx="0" cy="0"/>
+          <a:chOff x="0" y="0"/>
+          <a:chExt cx="0" cy="0"/>
+        </a:xfrm>
+      </p:grpSpPr>
+      <p:sp>
+        <p:nvSpPr>
+          <p:cNvPr id="2" name="幻灯片图像占位符 1"/>
+          <p:cNvSpPr>
+            <a:spLocks noGrp="1" noRot="1" noChangeAspect="1"/>
+          </p:cNvSpPr>
+          <p:nvPr>
+            <p:ph type="sldImg"/>
+          </p:nvPr>
+        </p:nvSpPr>
+        <p:spPr/>
+      </p:sp>
+      <p:sp>
+        <p:nvSpPr>
+          <p:cNvPr id="3" name="备注占位符 2"/>
+          <p:cNvSpPr>
+            <a:spLocks noGrp="1"/>
+          </p:cNvSpPr>
+          <p:nvPr>
+            <p:ph type="body" idx="1"/>
+          </p:nvPr>
+        </p:nvSpPr>
+        <p:spPr/>
+        <p:txBody>
+          <a:bodyPr>
+            <a:normAutofit/>
+          </a:bodyPr>
+          <a:lstStyle/>
+          <a:p>
             <a:pPr marL="0" marR="0" indent="0" algn="l" defTabSz="914400" rtl="0" eaLnBrk="1" fontAlgn="auto" latinLnBrk="0" hangingPunct="1">
               <a:lnSpc>
                 <a:spcPct val="100000"/>
@@ -1069,7 +1150,7 @@
 </p:notes>
 </file>
 
-<file path=ppt/notesSlides/notesSlide7.xml><?xml version="1.0" encoding="utf-8"?>
+<file path=ppt/notesSlides/notesSlide8.xml><?xml version="1.0" encoding="utf-8"?>
 <p:notes xmlns:a="http://schemas.openxmlformats.org/drawingml/2006/main" xmlns:r="http://schemas.openxmlformats.org/officeDocument/2006/relationships" xmlns:p="http://schemas.openxmlformats.org/presentationml/2006/main">
   <p:cSld>
     <p:spTree>
@@ -21361,139 +21442,6 @@
       </p:grpSpPr>
       <p:sp>
         <p:nvSpPr>
-          <p:cNvPr id="3" name="内容占位符 2"/>
-          <p:cNvSpPr>
-            <a:spLocks noGrp="1"/>
-          </p:cNvSpPr>
-          <p:nvPr>
-            <p:ph idx="1"/>
-          </p:nvPr>
-        </p:nvSpPr>
-        <p:spPr>
-          <a:xfrm>
-            <a:off x="701040" y="1130935"/>
-            <a:ext cx="10789920" cy="5227320"/>
-          </a:xfrm>
-        </p:spPr>
-        <p:txBody>
-          <a:bodyPr/>
-          <a:lstStyle/>
-          <a:p>
-            <a:pPr>
-              <a:lnSpc>
-                <a:spcPct val="150000"/>
-              </a:lnSpc>
-            </a:pPr>
-            <a:r>
-              <a:rPr lang="zh-CN" altLang="en-US" dirty="0"/>
-              <a:t>健壮性分析中的三种元素：</a:t>
-            </a:r>
-            <a:endParaRPr lang="en-US" altLang="zh-CN" dirty="0"/>
-          </a:p>
-          <a:p>
-            <a:pPr lvl="1">
-              <a:lnSpc>
-                <a:spcPct val="150000"/>
-              </a:lnSpc>
-            </a:pPr>
-            <a:r>
-              <a:rPr lang="zh-CN" altLang="en-US" b="1" dirty="0">
-                <a:solidFill>
-                  <a:srgbClr val="FF0000"/>
-                </a:solidFill>
-              </a:rPr>
-              <a:t>边界类</a:t>
-            </a:r>
-            <a:r>
-              <a:rPr lang="en-US" altLang="zh-CN" b="1" dirty="0">
-                <a:solidFill>
-                  <a:srgbClr val="FF0000"/>
-                </a:solidFill>
-              </a:rPr>
-              <a:t>[Boundary objects]</a:t>
-            </a:r>
-            <a:r>
-              <a:rPr lang="zh-CN" altLang="en-US" dirty="0"/>
-              <a:t>与用户交互的对象，系统和外部世界的界面，如窗口，对话框等等。</a:t>
-            </a:r>
-            <a:endParaRPr lang="zh-CN" altLang="en-US" dirty="0"/>
-          </a:p>
-          <a:p>
-            <a:pPr lvl="1">
-              <a:lnSpc>
-                <a:spcPct val="150000"/>
-              </a:lnSpc>
-            </a:pPr>
-            <a:r>
-              <a:rPr lang="zh-CN" altLang="en-US" b="1" dirty="0">
-                <a:solidFill>
-                  <a:srgbClr val="FF0000"/>
-                </a:solidFill>
-              </a:rPr>
-              <a:t>实体类</a:t>
-            </a:r>
-            <a:r>
-              <a:rPr lang="en-US" altLang="zh-CN" b="1" dirty="0">
-                <a:solidFill>
-                  <a:srgbClr val="FF0000"/>
-                </a:solidFill>
-              </a:rPr>
-              <a:t>[Entity objects]</a:t>
-            </a:r>
-            <a:r>
-              <a:rPr lang="zh-CN" altLang="en-US" dirty="0"/>
-              <a:t>是现实世界存在的实体对象，域模型中的类，它常对应于数据库表和文件。有些实体对象是“临时”对象（如搜索结果），当用例结束后将消失。</a:t>
-            </a:r>
-            <a:endParaRPr lang="zh-CN" altLang="en-US" dirty="0"/>
-          </a:p>
-          <a:p>
-            <a:pPr lvl="1">
-              <a:lnSpc>
-                <a:spcPct val="150000"/>
-              </a:lnSpc>
-            </a:pPr>
-            <a:r>
-              <a:rPr lang="zh-CN" altLang="en-US" b="1" dirty="0">
-                <a:solidFill>
-                  <a:srgbClr val="FF0000"/>
-                </a:solidFill>
-              </a:rPr>
-              <a:t>控制器类</a:t>
-            </a:r>
-            <a:r>
-              <a:rPr lang="en-US" altLang="zh-CN" b="1" dirty="0">
-                <a:solidFill>
-                  <a:srgbClr val="FF0000"/>
-                </a:solidFill>
-              </a:rPr>
-              <a:t>[Controller objects]</a:t>
-            </a:r>
-            <a:r>
-              <a:rPr lang="zh-CN" altLang="en-US" dirty="0"/>
-              <a:t>边界和实体间的“粘合剂”</a:t>
-            </a:r>
-            <a:r>
-              <a:rPr lang="en-US" altLang="zh-CN" dirty="0"/>
-              <a:t>,</a:t>
-            </a:r>
-            <a:r>
-              <a:rPr lang="zh-CN" altLang="en-US" dirty="0"/>
-              <a:t>将边界对象和实体对象关联起来，它包含了大部分应用逻辑，它们在用户和对象之间架起一座桥梁。控制对象中包含经常修改的业务规则和策略。</a:t>
-            </a:r>
-            <a:endParaRPr lang="en-US" altLang="zh-CN" dirty="0"/>
-          </a:p>
-          <a:p>
-            <a:pPr lvl="1">
-              <a:lnSpc>
-                <a:spcPct val="150000"/>
-              </a:lnSpc>
-            </a:pPr>
-            <a:endParaRPr lang="zh-CN" altLang="en-US" dirty="0"/>
-          </a:p>
-        </p:txBody>
-      </p:sp>
-      <p:sp>
-        <p:nvSpPr>
           <p:cNvPr id="4" name="文本框 3"/>
           <p:cNvSpPr txBox="1"/>
           <p:nvPr/>
@@ -21501,7 +21449,7 @@
         <p:spPr>
           <a:xfrm>
             <a:off x="274320" y="449590"/>
-            <a:ext cx="4698722" cy="584775"/>
+            <a:ext cx="4246880" cy="583565"/>
           </a:xfrm>
           <a:prstGeom prst="rect">
             <a:avLst/>
@@ -21522,7 +21470,7 @@
                 <a:latin typeface="微软雅黑" panose="020B0503020204020204" pitchFamily="34" charset="-122"/>
                 <a:ea typeface="微软雅黑" panose="020B0503020204020204" pitchFamily="34" charset="-122"/>
               </a:rPr>
-              <a:t>健壮性分析中的基本概念</a:t>
+              <a:t>健壮性分析作用示意图</a:t>
             </a:r>
             <a:endParaRPr lang="zh-CN" altLang="en-US" sz="3200" b="1" dirty="0">
               <a:solidFill>
@@ -21578,7 +21526,7 @@
         </p:nvGrpSpPr>
         <p:grpSpPr>
           <a:xfrm>
-            <a:off x="4973042" y="637832"/>
+            <a:off x="4516636" y="637832"/>
             <a:ext cx="491490" cy="318085"/>
             <a:chOff x="3017520" y="601990"/>
             <a:chExt cx="491490" cy="414010"/>
@@ -21977,6 +21925,32 @@
           </a:p>
         </p:txBody>
       </p:sp>
+      <p:pic>
+        <p:nvPicPr>
+          <p:cNvPr id="2" name="内容占位符 1"/>
+          <p:cNvPicPr>
+            <a:picLocks noChangeAspect="1"/>
+          </p:cNvPicPr>
+          <p:nvPr>
+            <p:ph idx="1"/>
+          </p:nvPr>
+        </p:nvPicPr>
+        <p:blipFill>
+          <a:blip r:embed="rId1"/>
+          <a:stretch>
+            <a:fillRect/>
+          </a:stretch>
+        </p:blipFill>
+        <p:spPr>
+          <a:xfrm>
+            <a:off x="1911350" y="1282700"/>
+            <a:ext cx="8369300" cy="4896485"/>
+          </a:xfrm>
+          <a:prstGeom prst="rect">
+            <a:avLst/>
+          </a:prstGeom>
+        </p:spPr>
+      </p:pic>
     </p:spTree>
   </p:cSld>
   <p:clrMapOvr>
@@ -21986,6 +21960,649 @@
 </file>
 
 <file path=ppt/slides/slide18.xml><?xml version="1.0" encoding="utf-8"?>
+<p:sld xmlns:a="http://schemas.openxmlformats.org/drawingml/2006/main" xmlns:r="http://schemas.openxmlformats.org/officeDocument/2006/relationships" xmlns:p="http://schemas.openxmlformats.org/presentationml/2006/main">
+  <p:cSld>
+    <p:spTree>
+      <p:nvGrpSpPr>
+        <p:cNvPr id="1" name=""/>
+        <p:cNvGrpSpPr/>
+        <p:nvPr/>
+      </p:nvGrpSpPr>
+      <p:grpSpPr>
+        <a:xfrm>
+          <a:off x="0" y="0"/>
+          <a:ext cx="0" cy="0"/>
+          <a:chOff x="0" y="0"/>
+          <a:chExt cx="0" cy="0"/>
+        </a:xfrm>
+      </p:grpSpPr>
+      <p:sp>
+        <p:nvSpPr>
+          <p:cNvPr id="3" name="内容占位符 2"/>
+          <p:cNvSpPr>
+            <a:spLocks noGrp="1"/>
+          </p:cNvSpPr>
+          <p:nvPr>
+            <p:ph idx="1"/>
+          </p:nvPr>
+        </p:nvSpPr>
+        <p:spPr>
+          <a:xfrm>
+            <a:off x="701040" y="1130935"/>
+            <a:ext cx="10789920" cy="5227320"/>
+          </a:xfrm>
+        </p:spPr>
+        <p:txBody>
+          <a:bodyPr/>
+          <a:lstStyle/>
+          <a:p>
+            <a:pPr>
+              <a:lnSpc>
+                <a:spcPct val="150000"/>
+              </a:lnSpc>
+            </a:pPr>
+            <a:r>
+              <a:rPr lang="zh-CN" altLang="en-US" dirty="0"/>
+              <a:t>健壮性分析中的三种元素：</a:t>
+            </a:r>
+            <a:endParaRPr lang="en-US" altLang="zh-CN" dirty="0"/>
+          </a:p>
+          <a:p>
+            <a:pPr lvl="1">
+              <a:lnSpc>
+                <a:spcPct val="150000"/>
+              </a:lnSpc>
+            </a:pPr>
+            <a:r>
+              <a:rPr lang="zh-CN" altLang="en-US" b="1" dirty="0">
+                <a:solidFill>
+                  <a:srgbClr val="FF0000"/>
+                </a:solidFill>
+              </a:rPr>
+              <a:t>边界类</a:t>
+            </a:r>
+            <a:r>
+              <a:rPr lang="en-US" altLang="zh-CN" b="1" dirty="0">
+                <a:solidFill>
+                  <a:srgbClr val="FF0000"/>
+                </a:solidFill>
+              </a:rPr>
+              <a:t>[Boundary objects]</a:t>
+            </a:r>
+            <a:r>
+              <a:rPr lang="zh-CN" altLang="en-US" dirty="0"/>
+              <a:t>与用户交互的对象，系统和外部世界的界面，如窗口，对话框等等。</a:t>
+            </a:r>
+            <a:endParaRPr lang="zh-CN" altLang="en-US" dirty="0"/>
+          </a:p>
+          <a:p>
+            <a:pPr lvl="1">
+              <a:lnSpc>
+                <a:spcPct val="150000"/>
+              </a:lnSpc>
+            </a:pPr>
+            <a:r>
+              <a:rPr lang="zh-CN" altLang="en-US" b="1" dirty="0">
+                <a:solidFill>
+                  <a:srgbClr val="FF0000"/>
+                </a:solidFill>
+              </a:rPr>
+              <a:t>实体类</a:t>
+            </a:r>
+            <a:r>
+              <a:rPr lang="en-US" altLang="zh-CN" b="1" dirty="0">
+                <a:solidFill>
+                  <a:srgbClr val="FF0000"/>
+                </a:solidFill>
+              </a:rPr>
+              <a:t>[Entity objects]</a:t>
+            </a:r>
+            <a:r>
+              <a:rPr lang="zh-CN" altLang="en-US" dirty="0"/>
+              <a:t>是现实世界存在的实体对象，域模型中的类，它常对应于数据库表和文件。有些实体对象是“临时”对象（如搜索结果），当用例结束后将消失。</a:t>
+            </a:r>
+            <a:endParaRPr lang="zh-CN" altLang="en-US" dirty="0"/>
+          </a:p>
+          <a:p>
+            <a:pPr lvl="1">
+              <a:lnSpc>
+                <a:spcPct val="150000"/>
+              </a:lnSpc>
+            </a:pPr>
+            <a:r>
+              <a:rPr lang="zh-CN" altLang="en-US" b="1" dirty="0">
+                <a:solidFill>
+                  <a:srgbClr val="FF0000"/>
+                </a:solidFill>
+              </a:rPr>
+              <a:t>控制器类</a:t>
+            </a:r>
+            <a:r>
+              <a:rPr lang="en-US" altLang="zh-CN" b="1" dirty="0">
+                <a:solidFill>
+                  <a:srgbClr val="FF0000"/>
+                </a:solidFill>
+              </a:rPr>
+              <a:t>[Controller objects]</a:t>
+            </a:r>
+            <a:r>
+              <a:rPr lang="zh-CN" altLang="en-US" dirty="0"/>
+              <a:t>边界和实体间的“粘合剂”</a:t>
+            </a:r>
+            <a:r>
+              <a:rPr lang="en-US" altLang="zh-CN" dirty="0"/>
+              <a:t>,</a:t>
+            </a:r>
+            <a:r>
+              <a:rPr lang="zh-CN" altLang="en-US" dirty="0"/>
+              <a:t>将边界对象和实体对象关联起来，它包含了大部分应用逻辑，它们在用户和对象之间架起一座桥梁。控制对象中包含经常修改的业务规则和策略。</a:t>
+            </a:r>
+            <a:endParaRPr lang="en-US" altLang="zh-CN" dirty="0"/>
+          </a:p>
+          <a:p>
+            <a:pPr lvl="1">
+              <a:lnSpc>
+                <a:spcPct val="150000"/>
+              </a:lnSpc>
+            </a:pPr>
+            <a:endParaRPr lang="zh-CN" altLang="en-US" dirty="0"/>
+          </a:p>
+        </p:txBody>
+      </p:sp>
+      <p:sp>
+        <p:nvSpPr>
+          <p:cNvPr id="4" name="文本框 3"/>
+          <p:cNvSpPr txBox="1"/>
+          <p:nvPr/>
+        </p:nvSpPr>
+        <p:spPr>
+          <a:xfrm>
+            <a:off x="274320" y="449590"/>
+            <a:ext cx="4698722" cy="584775"/>
+          </a:xfrm>
+          <a:prstGeom prst="rect">
+            <a:avLst/>
+          </a:prstGeom>
+          <a:noFill/>
+        </p:spPr>
+        <p:txBody>
+          <a:bodyPr wrap="none" rtlCol="0">
+            <a:spAutoFit/>
+          </a:bodyPr>
+          <a:lstStyle/>
+          <a:p>
+            <a:r>
+              <a:rPr lang="zh-CN" altLang="en-US" sz="3200" b="1" dirty="0">
+                <a:solidFill>
+                  <a:srgbClr val="141316"/>
+                </a:solidFill>
+                <a:latin typeface="微软雅黑" panose="020B0503020204020204" pitchFamily="34" charset="-122"/>
+                <a:ea typeface="微软雅黑" panose="020B0503020204020204" pitchFamily="34" charset="-122"/>
+              </a:rPr>
+              <a:t>健壮性分析中的基本概念</a:t>
+            </a:r>
+            <a:endParaRPr lang="zh-CN" altLang="en-US" sz="3200" b="1" dirty="0">
+              <a:solidFill>
+                <a:srgbClr val="141316"/>
+              </a:solidFill>
+              <a:latin typeface="微软雅黑" panose="020B0503020204020204" pitchFamily="34" charset="-122"/>
+              <a:ea typeface="微软雅黑" panose="020B0503020204020204" pitchFamily="34" charset="-122"/>
+            </a:endParaRPr>
+          </a:p>
+        </p:txBody>
+      </p:sp>
+      <p:cxnSp>
+        <p:nvCxnSpPr>
+          <p:cNvPr id="5" name="直接连接符 4"/>
+          <p:cNvCxnSpPr/>
+          <p:nvPr/>
+        </p:nvCxnSpPr>
+        <p:spPr>
+          <a:xfrm>
+            <a:off x="0" y="1019125"/>
+            <a:ext cx="12192000" cy="0"/>
+          </a:xfrm>
+          <a:prstGeom prst="line">
+            <a:avLst/>
+          </a:prstGeom>
+          <a:ln>
+            <a:solidFill>
+              <a:srgbClr val="B82E24"/>
+            </a:solidFill>
+            <a:prstDash val="solid"/>
+          </a:ln>
+        </p:spPr>
+        <p:style>
+          <a:lnRef idx="1">
+            <a:schemeClr val="accent1"/>
+          </a:lnRef>
+          <a:fillRef idx="0">
+            <a:schemeClr val="accent1"/>
+          </a:fillRef>
+          <a:effectRef idx="0">
+            <a:schemeClr val="accent1"/>
+          </a:effectRef>
+          <a:fontRef idx="minor">
+            <a:schemeClr val="tx1"/>
+          </a:fontRef>
+        </p:style>
+      </p:cxnSp>
+      <p:grpSp>
+        <p:nvGrpSpPr>
+          <p:cNvPr id="6" name="组合 5"/>
+          <p:cNvGrpSpPr/>
+          <p:nvPr/>
+        </p:nvGrpSpPr>
+        <p:grpSpPr>
+          <a:xfrm>
+            <a:off x="4973042" y="637832"/>
+            <a:ext cx="491490" cy="318085"/>
+            <a:chOff x="3017520" y="601990"/>
+            <a:chExt cx="491490" cy="414010"/>
+          </a:xfrm>
+        </p:grpSpPr>
+        <p:sp>
+          <p:nvSpPr>
+            <p:cNvPr id="7" name="燕尾形 6"/>
+            <p:cNvSpPr/>
+            <p:nvPr/>
+          </p:nvSpPr>
+          <p:spPr>
+            <a:xfrm>
+              <a:off x="3017520" y="601990"/>
+              <a:ext cx="198120" cy="414010"/>
+            </a:xfrm>
+            <a:prstGeom prst="chevron">
+              <a:avLst/>
+            </a:prstGeom>
+            <a:solidFill>
+              <a:srgbClr val="F5715B"/>
+            </a:solidFill>
+            <a:ln>
+              <a:noFill/>
+            </a:ln>
+          </p:spPr>
+          <p:style>
+            <a:lnRef idx="2">
+              <a:schemeClr val="accent1">
+                <a:shade val="50000"/>
+              </a:schemeClr>
+            </a:lnRef>
+            <a:fillRef idx="1">
+              <a:schemeClr val="accent1"/>
+            </a:fillRef>
+            <a:effectRef idx="0">
+              <a:schemeClr val="accent1"/>
+            </a:effectRef>
+            <a:fontRef idx="minor">
+              <a:schemeClr val="lt1"/>
+            </a:fontRef>
+          </p:style>
+          <p:txBody>
+            <a:bodyPr rtlCol="0" anchor="ctr"/>
+            <a:lstStyle/>
+            <a:p>
+              <a:pPr algn="ctr"/>
+              <a:endParaRPr lang="zh-CN" altLang="en-US">
+                <a:solidFill>
+                  <a:schemeClr val="tx1"/>
+                </a:solidFill>
+              </a:endParaRPr>
+            </a:p>
+          </p:txBody>
+        </p:sp>
+        <p:sp>
+          <p:nvSpPr>
+            <p:cNvPr id="8" name="燕尾形 7"/>
+            <p:cNvSpPr/>
+            <p:nvPr/>
+          </p:nvSpPr>
+          <p:spPr>
+            <a:xfrm>
+              <a:off x="3164205" y="601990"/>
+              <a:ext cx="198120" cy="414010"/>
+            </a:xfrm>
+            <a:prstGeom prst="chevron">
+              <a:avLst/>
+            </a:prstGeom>
+            <a:solidFill>
+              <a:srgbClr val="F93D32"/>
+            </a:solidFill>
+            <a:ln>
+              <a:noFill/>
+            </a:ln>
+          </p:spPr>
+          <p:style>
+            <a:lnRef idx="2">
+              <a:schemeClr val="accent1">
+                <a:shade val="50000"/>
+              </a:schemeClr>
+            </a:lnRef>
+            <a:fillRef idx="1">
+              <a:schemeClr val="accent1"/>
+            </a:fillRef>
+            <a:effectRef idx="0">
+              <a:schemeClr val="accent1"/>
+            </a:effectRef>
+            <a:fontRef idx="minor">
+              <a:schemeClr val="lt1"/>
+            </a:fontRef>
+          </p:style>
+          <p:txBody>
+            <a:bodyPr rtlCol="0" anchor="ctr"/>
+            <a:lstStyle/>
+            <a:p>
+              <a:pPr algn="ctr"/>
+              <a:endParaRPr lang="zh-CN" altLang="en-US">
+                <a:solidFill>
+                  <a:schemeClr val="tx1"/>
+                </a:solidFill>
+              </a:endParaRPr>
+            </a:p>
+          </p:txBody>
+        </p:sp>
+        <p:sp>
+          <p:nvSpPr>
+            <p:cNvPr id="9" name="燕尾形 8"/>
+            <p:cNvSpPr/>
+            <p:nvPr/>
+          </p:nvSpPr>
+          <p:spPr>
+            <a:xfrm>
+              <a:off x="3310890" y="601990"/>
+              <a:ext cx="198120" cy="414010"/>
+            </a:xfrm>
+            <a:prstGeom prst="chevron">
+              <a:avLst/>
+            </a:prstGeom>
+            <a:solidFill>
+              <a:srgbClr val="B82E24"/>
+            </a:solidFill>
+            <a:ln>
+              <a:noFill/>
+            </a:ln>
+          </p:spPr>
+          <p:style>
+            <a:lnRef idx="2">
+              <a:schemeClr val="accent1">
+                <a:shade val="50000"/>
+              </a:schemeClr>
+            </a:lnRef>
+            <a:fillRef idx="1">
+              <a:schemeClr val="accent1"/>
+            </a:fillRef>
+            <a:effectRef idx="0">
+              <a:schemeClr val="accent1"/>
+            </a:effectRef>
+            <a:fontRef idx="minor">
+              <a:schemeClr val="lt1"/>
+            </a:fontRef>
+          </p:style>
+          <p:txBody>
+            <a:bodyPr rtlCol="0" anchor="ctr"/>
+            <a:lstStyle/>
+            <a:p>
+              <a:pPr algn="ctr"/>
+              <a:endParaRPr lang="zh-CN" altLang="en-US">
+                <a:solidFill>
+                  <a:schemeClr val="tx1"/>
+                </a:solidFill>
+              </a:endParaRPr>
+            </a:p>
+          </p:txBody>
+        </p:sp>
+      </p:grpSp>
+      <p:sp>
+        <p:nvSpPr>
+          <p:cNvPr id="10" name="矩形 9"/>
+          <p:cNvSpPr/>
+          <p:nvPr/>
+        </p:nvSpPr>
+        <p:spPr>
+          <a:xfrm>
+            <a:off x="7818120" y="912444"/>
+            <a:ext cx="944880" cy="103556"/>
+          </a:xfrm>
+          <a:prstGeom prst="rect">
+            <a:avLst/>
+          </a:prstGeom>
+          <a:solidFill>
+            <a:schemeClr val="tx1">
+              <a:lumMod val="65000"/>
+              <a:lumOff val="35000"/>
+            </a:schemeClr>
+          </a:solidFill>
+          <a:ln>
+            <a:noFill/>
+          </a:ln>
+        </p:spPr>
+        <p:style>
+          <a:lnRef idx="2">
+            <a:schemeClr val="accent1">
+              <a:shade val="50000"/>
+            </a:schemeClr>
+          </a:lnRef>
+          <a:fillRef idx="1">
+            <a:schemeClr val="accent1"/>
+          </a:fillRef>
+          <a:effectRef idx="0">
+            <a:schemeClr val="accent1"/>
+          </a:effectRef>
+          <a:fontRef idx="minor">
+            <a:schemeClr val="lt1"/>
+          </a:fontRef>
+        </p:style>
+        <p:txBody>
+          <a:bodyPr rtlCol="0" anchor="ctr"/>
+          <a:lstStyle/>
+          <a:p>
+            <a:pPr algn="ctr"/>
+            <a:endParaRPr lang="zh-CN" altLang="en-US"/>
+          </a:p>
+        </p:txBody>
+      </p:sp>
+      <p:sp>
+        <p:nvSpPr>
+          <p:cNvPr id="11" name="矩形 10"/>
+          <p:cNvSpPr/>
+          <p:nvPr/>
+        </p:nvSpPr>
+        <p:spPr>
+          <a:xfrm>
+            <a:off x="8885357" y="912444"/>
+            <a:ext cx="944880" cy="103556"/>
+          </a:xfrm>
+          <a:prstGeom prst="rect">
+            <a:avLst/>
+          </a:prstGeom>
+          <a:solidFill>
+            <a:schemeClr val="tx1">
+              <a:lumMod val="65000"/>
+              <a:lumOff val="35000"/>
+            </a:schemeClr>
+          </a:solidFill>
+          <a:ln>
+            <a:noFill/>
+          </a:ln>
+        </p:spPr>
+        <p:style>
+          <a:lnRef idx="2">
+            <a:schemeClr val="accent1">
+              <a:shade val="50000"/>
+            </a:schemeClr>
+          </a:lnRef>
+          <a:fillRef idx="1">
+            <a:schemeClr val="accent1"/>
+          </a:fillRef>
+          <a:effectRef idx="0">
+            <a:schemeClr val="accent1"/>
+          </a:effectRef>
+          <a:fontRef idx="minor">
+            <a:schemeClr val="lt1"/>
+          </a:fontRef>
+        </p:style>
+        <p:txBody>
+          <a:bodyPr rtlCol="0" anchor="ctr"/>
+          <a:lstStyle/>
+          <a:p>
+            <a:pPr algn="ctr"/>
+            <a:endParaRPr lang="zh-CN" altLang="en-US"/>
+          </a:p>
+        </p:txBody>
+      </p:sp>
+      <p:sp>
+        <p:nvSpPr>
+          <p:cNvPr id="12" name="矩形 11"/>
+          <p:cNvSpPr/>
+          <p:nvPr/>
+        </p:nvSpPr>
+        <p:spPr>
+          <a:xfrm>
+            <a:off x="9952594" y="912444"/>
+            <a:ext cx="944880" cy="103556"/>
+          </a:xfrm>
+          <a:prstGeom prst="rect">
+            <a:avLst/>
+          </a:prstGeom>
+          <a:solidFill>
+            <a:schemeClr val="tx1">
+              <a:lumMod val="65000"/>
+              <a:lumOff val="35000"/>
+            </a:schemeClr>
+          </a:solidFill>
+          <a:ln>
+            <a:noFill/>
+          </a:ln>
+        </p:spPr>
+        <p:style>
+          <a:lnRef idx="2">
+            <a:schemeClr val="accent1">
+              <a:shade val="50000"/>
+            </a:schemeClr>
+          </a:lnRef>
+          <a:fillRef idx="1">
+            <a:schemeClr val="accent1"/>
+          </a:fillRef>
+          <a:effectRef idx="0">
+            <a:schemeClr val="accent1"/>
+          </a:effectRef>
+          <a:fontRef idx="minor">
+            <a:schemeClr val="lt1"/>
+          </a:fontRef>
+        </p:style>
+        <p:txBody>
+          <a:bodyPr rtlCol="0" anchor="ctr"/>
+          <a:lstStyle/>
+          <a:p>
+            <a:pPr algn="ctr"/>
+            <a:endParaRPr lang="zh-CN" altLang="en-US"/>
+          </a:p>
+        </p:txBody>
+      </p:sp>
+      <p:sp>
+        <p:nvSpPr>
+          <p:cNvPr id="13" name="矩形 12"/>
+          <p:cNvSpPr/>
+          <p:nvPr/>
+        </p:nvSpPr>
+        <p:spPr>
+          <a:xfrm>
+            <a:off x="11019831" y="912444"/>
+            <a:ext cx="944880" cy="103556"/>
+          </a:xfrm>
+          <a:prstGeom prst="rect">
+            <a:avLst/>
+          </a:prstGeom>
+          <a:solidFill>
+            <a:schemeClr val="tx1">
+              <a:lumMod val="65000"/>
+              <a:lumOff val="35000"/>
+            </a:schemeClr>
+          </a:solidFill>
+          <a:ln>
+            <a:noFill/>
+          </a:ln>
+        </p:spPr>
+        <p:style>
+          <a:lnRef idx="2">
+            <a:schemeClr val="accent1">
+              <a:shade val="50000"/>
+            </a:schemeClr>
+          </a:lnRef>
+          <a:fillRef idx="1">
+            <a:schemeClr val="accent1"/>
+          </a:fillRef>
+          <a:effectRef idx="0">
+            <a:schemeClr val="accent1"/>
+          </a:effectRef>
+          <a:fontRef idx="minor">
+            <a:schemeClr val="lt1"/>
+          </a:fontRef>
+        </p:style>
+        <p:txBody>
+          <a:bodyPr rtlCol="0" anchor="ctr"/>
+          <a:lstStyle/>
+          <a:p>
+            <a:pPr algn="ctr"/>
+            <a:endParaRPr lang="zh-CN" altLang="en-US"/>
+          </a:p>
+        </p:txBody>
+      </p:sp>
+      <p:sp>
+        <p:nvSpPr>
+          <p:cNvPr id="14" name="矩形 13"/>
+          <p:cNvSpPr/>
+          <p:nvPr/>
+        </p:nvSpPr>
+        <p:spPr>
+          <a:xfrm>
+            <a:off x="7818120" y="796875"/>
+            <a:ext cx="944880" cy="220253"/>
+          </a:xfrm>
+          <a:prstGeom prst="rect">
+            <a:avLst/>
+          </a:prstGeom>
+          <a:solidFill>
+            <a:srgbClr val="BE1007"/>
+          </a:solidFill>
+          <a:ln>
+            <a:noFill/>
+          </a:ln>
+        </p:spPr>
+        <p:style>
+          <a:lnRef idx="2">
+            <a:schemeClr val="accent1">
+              <a:shade val="50000"/>
+            </a:schemeClr>
+          </a:lnRef>
+          <a:fillRef idx="1">
+            <a:schemeClr val="accent1"/>
+          </a:fillRef>
+          <a:effectRef idx="0">
+            <a:schemeClr val="accent1"/>
+          </a:effectRef>
+          <a:fontRef idx="minor">
+            <a:schemeClr val="lt1"/>
+          </a:fontRef>
+        </p:style>
+        <p:txBody>
+          <a:bodyPr rtlCol="0" anchor="ctr"/>
+          <a:lstStyle/>
+          <a:p>
+            <a:pPr algn="ctr"/>
+            <a:endParaRPr lang="zh-CN" altLang="en-US"/>
+          </a:p>
+        </p:txBody>
+      </p:sp>
+    </p:spTree>
+  </p:cSld>
+  <p:clrMapOvr>
+    <a:masterClrMapping/>
+  </p:clrMapOvr>
+</p:sld>
+</file>
+
+<file path=ppt/slides/slide19.xml><?xml version="1.0" encoding="utf-8"?>
 <p:sld xmlns:a="http://schemas.openxmlformats.org/drawingml/2006/main" xmlns:r="http://schemas.openxmlformats.org/officeDocument/2006/relationships" xmlns:p="http://schemas.openxmlformats.org/presentationml/2006/main">
   <p:cSld>
     <p:spTree>
@@ -22916,679 +23533,6 @@
                                         <p:cTn id="15" dur="2000"/>
                                         <p:tgtEl>
                                           <p:spTgt spid="7"/>
-                                        </p:tgtEl>
-                                      </p:cBhvr>
-                                    </p:animEffect>
-                                  </p:childTnLst>
-                                </p:cTn>
-                              </p:par>
-                            </p:childTnLst>
-                          </p:cTn>
-                        </p:par>
-                      </p:childTnLst>
-                    </p:cTn>
-                  </p:par>
-                </p:childTnLst>
-              </p:cTn>
-              <p:prevCondLst>
-                <p:cond evt="onPrev" delay="0">
-                  <p:tgtEl>
-                    <p:sldTgt/>
-                  </p:tgtEl>
-                </p:cond>
-              </p:prevCondLst>
-              <p:nextCondLst>
-                <p:cond evt="onNext" delay="0">
-                  <p:tgtEl>
-                    <p:sldTgt/>
-                  </p:tgtEl>
-                </p:cond>
-              </p:nextCondLst>
-            </p:seq>
-          </p:childTnLst>
-        </p:cTn>
-      </p:par>
-    </p:tnLst>
-  </p:timing>
-</p:sld>
-</file>
-
-<file path=ppt/slides/slide19.xml><?xml version="1.0" encoding="utf-8"?>
-<p:sld xmlns:a="http://schemas.openxmlformats.org/drawingml/2006/main" xmlns:r="http://schemas.openxmlformats.org/officeDocument/2006/relationships" xmlns:p="http://schemas.openxmlformats.org/presentationml/2006/main">
-  <p:cSld>
-    <p:spTree>
-      <p:nvGrpSpPr>
-        <p:cNvPr id="1" name=""/>
-        <p:cNvGrpSpPr/>
-        <p:nvPr/>
-      </p:nvGrpSpPr>
-      <p:grpSpPr>
-        <a:xfrm>
-          <a:off x="0" y="0"/>
-          <a:ext cx="0" cy="0"/>
-          <a:chOff x="0" y="0"/>
-          <a:chExt cx="0" cy="0"/>
-        </a:xfrm>
-      </p:grpSpPr>
-      <p:sp>
-        <p:nvSpPr>
-          <p:cNvPr id="3" name="内容占位符 2"/>
-          <p:cNvSpPr>
-            <a:spLocks noGrp="1"/>
-          </p:cNvSpPr>
-          <p:nvPr>
-            <p:ph idx="1"/>
-          </p:nvPr>
-        </p:nvSpPr>
-        <p:spPr>
-          <a:xfrm>
-            <a:off x="609600" y="1505675"/>
-            <a:ext cx="10972800" cy="4389120"/>
-          </a:xfrm>
-        </p:spPr>
-        <p:txBody>
-          <a:bodyPr/>
-          <a:lstStyle/>
-          <a:p>
-            <a:r>
-              <a:rPr lang="zh-CN" altLang="en-US" dirty="0"/>
-              <a:t>健壮性分析中的三种元素图例：</a:t>
-            </a:r>
-            <a:endParaRPr lang="en-US" altLang="zh-CN" dirty="0"/>
-          </a:p>
-          <a:p>
-            <a:endParaRPr lang="zh-CN" altLang="en-US" dirty="0"/>
-          </a:p>
-        </p:txBody>
-      </p:sp>
-      <p:pic>
-        <p:nvPicPr>
-          <p:cNvPr id="4" name="Picture 2"/>
-          <p:cNvPicPr>
-            <a:picLocks noChangeAspect="1" noChangeArrowheads="1"/>
-          </p:cNvPicPr>
-          <p:nvPr/>
-        </p:nvPicPr>
-        <p:blipFill>
-          <a:blip r:embed="rId1">
-            <a:clrChange>
-              <a:clrFrom>
-                <a:srgbClr val="FFFFFF"/>
-              </a:clrFrom>
-              <a:clrTo>
-                <a:srgbClr val="FFFFFF">
-                  <a:alpha val="0"/>
-                </a:srgbClr>
-              </a:clrTo>
-            </a:clrChange>
-            <a:lum bright="-40000"/>
-          </a:blip>
-          <a:srcRect/>
-          <a:stretch>
-            <a:fillRect/>
-          </a:stretch>
-        </p:blipFill>
-        <p:spPr bwMode="auto">
-          <a:xfrm>
-            <a:off x="2816225" y="2199640"/>
-            <a:ext cx="6544310" cy="3697605"/>
-          </a:xfrm>
-          <a:prstGeom prst="rect">
-            <a:avLst/>
-          </a:prstGeom>
-          <a:solidFill>
-            <a:schemeClr val="bg1"/>
-          </a:solidFill>
-          <a:ln w="9525">
-            <a:noFill/>
-            <a:miter lim="800000"/>
-            <a:headEnd/>
-            <a:tailEnd/>
-          </a:ln>
-        </p:spPr>
-      </p:pic>
-      <p:sp>
-        <p:nvSpPr>
-          <p:cNvPr id="7" name="文本框 6"/>
-          <p:cNvSpPr txBox="1"/>
-          <p:nvPr/>
-        </p:nvSpPr>
-        <p:spPr>
-          <a:xfrm>
-            <a:off x="274320" y="449590"/>
-            <a:ext cx="4698722" cy="584775"/>
-          </a:xfrm>
-          <a:prstGeom prst="rect">
-            <a:avLst/>
-          </a:prstGeom>
-          <a:noFill/>
-        </p:spPr>
-        <p:txBody>
-          <a:bodyPr wrap="none" rtlCol="0">
-            <a:spAutoFit/>
-          </a:bodyPr>
-          <a:lstStyle/>
-          <a:p>
-            <a:r>
-              <a:rPr lang="zh-CN" altLang="en-US" sz="3200" b="1" dirty="0">
-                <a:solidFill>
-                  <a:srgbClr val="141316"/>
-                </a:solidFill>
-                <a:latin typeface="微软雅黑" panose="020B0503020204020204" pitchFamily="34" charset="-122"/>
-                <a:ea typeface="微软雅黑" panose="020B0503020204020204" pitchFamily="34" charset="-122"/>
-              </a:rPr>
-              <a:t>健壮性分析中的基本概念</a:t>
-            </a:r>
-            <a:endParaRPr lang="zh-CN" altLang="en-US" sz="3200" b="1" dirty="0">
-              <a:solidFill>
-                <a:srgbClr val="141316"/>
-              </a:solidFill>
-              <a:latin typeface="微软雅黑" panose="020B0503020204020204" pitchFamily="34" charset="-122"/>
-              <a:ea typeface="微软雅黑" panose="020B0503020204020204" pitchFamily="34" charset="-122"/>
-            </a:endParaRPr>
-          </a:p>
-        </p:txBody>
-      </p:sp>
-      <p:cxnSp>
-        <p:nvCxnSpPr>
-          <p:cNvPr id="8" name="直接连接符 7"/>
-          <p:cNvCxnSpPr/>
-          <p:nvPr/>
-        </p:nvCxnSpPr>
-        <p:spPr>
-          <a:xfrm>
-            <a:off x="0" y="1019125"/>
-            <a:ext cx="12192000" cy="0"/>
-          </a:xfrm>
-          <a:prstGeom prst="line">
-            <a:avLst/>
-          </a:prstGeom>
-          <a:ln>
-            <a:solidFill>
-              <a:srgbClr val="B82E24"/>
-            </a:solidFill>
-            <a:prstDash val="solid"/>
-          </a:ln>
-        </p:spPr>
-        <p:style>
-          <a:lnRef idx="1">
-            <a:schemeClr val="accent1"/>
-          </a:lnRef>
-          <a:fillRef idx="0">
-            <a:schemeClr val="accent1"/>
-          </a:fillRef>
-          <a:effectRef idx="0">
-            <a:schemeClr val="accent1"/>
-          </a:effectRef>
-          <a:fontRef idx="minor">
-            <a:schemeClr val="tx1"/>
-          </a:fontRef>
-        </p:style>
-      </p:cxnSp>
-      <p:grpSp>
-        <p:nvGrpSpPr>
-          <p:cNvPr id="9" name="组合 8"/>
-          <p:cNvGrpSpPr/>
-          <p:nvPr/>
-        </p:nvGrpSpPr>
-        <p:grpSpPr>
-          <a:xfrm>
-            <a:off x="4954158" y="618055"/>
-            <a:ext cx="491490" cy="318085"/>
-            <a:chOff x="3017520" y="601990"/>
-            <a:chExt cx="491490" cy="414010"/>
-          </a:xfrm>
-        </p:grpSpPr>
-        <p:sp>
-          <p:nvSpPr>
-            <p:cNvPr id="10" name="燕尾形 9"/>
-            <p:cNvSpPr/>
-            <p:nvPr/>
-          </p:nvSpPr>
-          <p:spPr>
-            <a:xfrm>
-              <a:off x="3017520" y="601990"/>
-              <a:ext cx="198120" cy="414010"/>
-            </a:xfrm>
-            <a:prstGeom prst="chevron">
-              <a:avLst/>
-            </a:prstGeom>
-            <a:solidFill>
-              <a:srgbClr val="F5715B"/>
-            </a:solidFill>
-            <a:ln>
-              <a:noFill/>
-            </a:ln>
-          </p:spPr>
-          <p:style>
-            <a:lnRef idx="2">
-              <a:schemeClr val="accent1">
-                <a:shade val="50000"/>
-              </a:schemeClr>
-            </a:lnRef>
-            <a:fillRef idx="1">
-              <a:schemeClr val="accent1"/>
-            </a:fillRef>
-            <a:effectRef idx="0">
-              <a:schemeClr val="accent1"/>
-            </a:effectRef>
-            <a:fontRef idx="minor">
-              <a:schemeClr val="lt1"/>
-            </a:fontRef>
-          </p:style>
-          <p:txBody>
-            <a:bodyPr rtlCol="0" anchor="ctr"/>
-            <a:lstStyle/>
-            <a:p>
-              <a:pPr algn="ctr"/>
-              <a:endParaRPr lang="zh-CN" altLang="en-US">
-                <a:solidFill>
-                  <a:schemeClr val="tx1"/>
-                </a:solidFill>
-              </a:endParaRPr>
-            </a:p>
-          </p:txBody>
-        </p:sp>
-        <p:sp>
-          <p:nvSpPr>
-            <p:cNvPr id="11" name="燕尾形 10"/>
-            <p:cNvSpPr/>
-            <p:nvPr/>
-          </p:nvSpPr>
-          <p:spPr>
-            <a:xfrm>
-              <a:off x="3164205" y="601990"/>
-              <a:ext cx="198120" cy="414010"/>
-            </a:xfrm>
-            <a:prstGeom prst="chevron">
-              <a:avLst/>
-            </a:prstGeom>
-            <a:solidFill>
-              <a:srgbClr val="F93D32"/>
-            </a:solidFill>
-            <a:ln>
-              <a:noFill/>
-            </a:ln>
-          </p:spPr>
-          <p:style>
-            <a:lnRef idx="2">
-              <a:schemeClr val="accent1">
-                <a:shade val="50000"/>
-              </a:schemeClr>
-            </a:lnRef>
-            <a:fillRef idx="1">
-              <a:schemeClr val="accent1"/>
-            </a:fillRef>
-            <a:effectRef idx="0">
-              <a:schemeClr val="accent1"/>
-            </a:effectRef>
-            <a:fontRef idx="minor">
-              <a:schemeClr val="lt1"/>
-            </a:fontRef>
-          </p:style>
-          <p:txBody>
-            <a:bodyPr rtlCol="0" anchor="ctr"/>
-            <a:lstStyle/>
-            <a:p>
-              <a:pPr algn="ctr"/>
-              <a:endParaRPr lang="zh-CN" altLang="en-US">
-                <a:solidFill>
-                  <a:schemeClr val="tx1"/>
-                </a:solidFill>
-              </a:endParaRPr>
-            </a:p>
-          </p:txBody>
-        </p:sp>
-        <p:sp>
-          <p:nvSpPr>
-            <p:cNvPr id="12" name="燕尾形 11"/>
-            <p:cNvSpPr/>
-            <p:nvPr/>
-          </p:nvSpPr>
-          <p:spPr>
-            <a:xfrm>
-              <a:off x="3310890" y="601990"/>
-              <a:ext cx="198120" cy="414010"/>
-            </a:xfrm>
-            <a:prstGeom prst="chevron">
-              <a:avLst/>
-            </a:prstGeom>
-            <a:solidFill>
-              <a:srgbClr val="B82E24"/>
-            </a:solidFill>
-            <a:ln>
-              <a:noFill/>
-            </a:ln>
-          </p:spPr>
-          <p:style>
-            <a:lnRef idx="2">
-              <a:schemeClr val="accent1">
-                <a:shade val="50000"/>
-              </a:schemeClr>
-            </a:lnRef>
-            <a:fillRef idx="1">
-              <a:schemeClr val="accent1"/>
-            </a:fillRef>
-            <a:effectRef idx="0">
-              <a:schemeClr val="accent1"/>
-            </a:effectRef>
-            <a:fontRef idx="minor">
-              <a:schemeClr val="lt1"/>
-            </a:fontRef>
-          </p:style>
-          <p:txBody>
-            <a:bodyPr rtlCol="0" anchor="ctr"/>
-            <a:lstStyle/>
-            <a:p>
-              <a:pPr algn="ctr"/>
-              <a:endParaRPr lang="zh-CN" altLang="en-US">
-                <a:solidFill>
-                  <a:schemeClr val="tx1"/>
-                </a:solidFill>
-              </a:endParaRPr>
-            </a:p>
-          </p:txBody>
-        </p:sp>
-      </p:grpSp>
-      <p:sp>
-        <p:nvSpPr>
-          <p:cNvPr id="13" name="矩形 12"/>
-          <p:cNvSpPr/>
-          <p:nvPr/>
-        </p:nvSpPr>
-        <p:spPr>
-          <a:xfrm>
-            <a:off x="7818120" y="912444"/>
-            <a:ext cx="944880" cy="103556"/>
-          </a:xfrm>
-          <a:prstGeom prst="rect">
-            <a:avLst/>
-          </a:prstGeom>
-          <a:solidFill>
-            <a:schemeClr val="tx1">
-              <a:lumMod val="65000"/>
-              <a:lumOff val="35000"/>
-            </a:schemeClr>
-          </a:solidFill>
-          <a:ln>
-            <a:noFill/>
-          </a:ln>
-        </p:spPr>
-        <p:style>
-          <a:lnRef idx="2">
-            <a:schemeClr val="accent1">
-              <a:shade val="50000"/>
-            </a:schemeClr>
-          </a:lnRef>
-          <a:fillRef idx="1">
-            <a:schemeClr val="accent1"/>
-          </a:fillRef>
-          <a:effectRef idx="0">
-            <a:schemeClr val="accent1"/>
-          </a:effectRef>
-          <a:fontRef idx="minor">
-            <a:schemeClr val="lt1"/>
-          </a:fontRef>
-        </p:style>
-        <p:txBody>
-          <a:bodyPr rtlCol="0" anchor="ctr"/>
-          <a:lstStyle/>
-          <a:p>
-            <a:pPr algn="ctr"/>
-            <a:endParaRPr lang="zh-CN" altLang="en-US"/>
-          </a:p>
-        </p:txBody>
-      </p:sp>
-      <p:sp>
-        <p:nvSpPr>
-          <p:cNvPr id="14" name="矩形 13"/>
-          <p:cNvSpPr/>
-          <p:nvPr/>
-        </p:nvSpPr>
-        <p:spPr>
-          <a:xfrm>
-            <a:off x="8885357" y="912444"/>
-            <a:ext cx="944880" cy="103556"/>
-          </a:xfrm>
-          <a:prstGeom prst="rect">
-            <a:avLst/>
-          </a:prstGeom>
-          <a:solidFill>
-            <a:schemeClr val="tx1">
-              <a:lumMod val="65000"/>
-              <a:lumOff val="35000"/>
-            </a:schemeClr>
-          </a:solidFill>
-          <a:ln>
-            <a:noFill/>
-          </a:ln>
-        </p:spPr>
-        <p:style>
-          <a:lnRef idx="2">
-            <a:schemeClr val="accent1">
-              <a:shade val="50000"/>
-            </a:schemeClr>
-          </a:lnRef>
-          <a:fillRef idx="1">
-            <a:schemeClr val="accent1"/>
-          </a:fillRef>
-          <a:effectRef idx="0">
-            <a:schemeClr val="accent1"/>
-          </a:effectRef>
-          <a:fontRef idx="minor">
-            <a:schemeClr val="lt1"/>
-          </a:fontRef>
-        </p:style>
-        <p:txBody>
-          <a:bodyPr rtlCol="0" anchor="ctr"/>
-          <a:lstStyle/>
-          <a:p>
-            <a:pPr algn="ctr"/>
-            <a:endParaRPr lang="zh-CN" altLang="en-US"/>
-          </a:p>
-        </p:txBody>
-      </p:sp>
-      <p:sp>
-        <p:nvSpPr>
-          <p:cNvPr id="15" name="矩形 14"/>
-          <p:cNvSpPr/>
-          <p:nvPr/>
-        </p:nvSpPr>
-        <p:spPr>
-          <a:xfrm>
-            <a:off x="9952594" y="912444"/>
-            <a:ext cx="944880" cy="103556"/>
-          </a:xfrm>
-          <a:prstGeom prst="rect">
-            <a:avLst/>
-          </a:prstGeom>
-          <a:solidFill>
-            <a:schemeClr val="tx1">
-              <a:lumMod val="65000"/>
-              <a:lumOff val="35000"/>
-            </a:schemeClr>
-          </a:solidFill>
-          <a:ln>
-            <a:noFill/>
-          </a:ln>
-        </p:spPr>
-        <p:style>
-          <a:lnRef idx="2">
-            <a:schemeClr val="accent1">
-              <a:shade val="50000"/>
-            </a:schemeClr>
-          </a:lnRef>
-          <a:fillRef idx="1">
-            <a:schemeClr val="accent1"/>
-          </a:fillRef>
-          <a:effectRef idx="0">
-            <a:schemeClr val="accent1"/>
-          </a:effectRef>
-          <a:fontRef idx="minor">
-            <a:schemeClr val="lt1"/>
-          </a:fontRef>
-        </p:style>
-        <p:txBody>
-          <a:bodyPr rtlCol="0" anchor="ctr"/>
-          <a:lstStyle/>
-          <a:p>
-            <a:pPr algn="ctr"/>
-            <a:endParaRPr lang="zh-CN" altLang="en-US"/>
-          </a:p>
-        </p:txBody>
-      </p:sp>
-      <p:sp>
-        <p:nvSpPr>
-          <p:cNvPr id="16" name="矩形 15"/>
-          <p:cNvSpPr/>
-          <p:nvPr/>
-        </p:nvSpPr>
-        <p:spPr>
-          <a:xfrm>
-            <a:off x="11019831" y="912444"/>
-            <a:ext cx="944880" cy="103556"/>
-          </a:xfrm>
-          <a:prstGeom prst="rect">
-            <a:avLst/>
-          </a:prstGeom>
-          <a:solidFill>
-            <a:schemeClr val="tx1">
-              <a:lumMod val="65000"/>
-              <a:lumOff val="35000"/>
-            </a:schemeClr>
-          </a:solidFill>
-          <a:ln>
-            <a:noFill/>
-          </a:ln>
-        </p:spPr>
-        <p:style>
-          <a:lnRef idx="2">
-            <a:schemeClr val="accent1">
-              <a:shade val="50000"/>
-            </a:schemeClr>
-          </a:lnRef>
-          <a:fillRef idx="1">
-            <a:schemeClr val="accent1"/>
-          </a:fillRef>
-          <a:effectRef idx="0">
-            <a:schemeClr val="accent1"/>
-          </a:effectRef>
-          <a:fontRef idx="minor">
-            <a:schemeClr val="lt1"/>
-          </a:fontRef>
-        </p:style>
-        <p:txBody>
-          <a:bodyPr rtlCol="0" anchor="ctr"/>
-          <a:lstStyle/>
-          <a:p>
-            <a:pPr algn="ctr"/>
-            <a:endParaRPr lang="zh-CN" altLang="en-US"/>
-          </a:p>
-        </p:txBody>
-      </p:sp>
-      <p:sp>
-        <p:nvSpPr>
-          <p:cNvPr id="17" name="矩形 16"/>
-          <p:cNvSpPr/>
-          <p:nvPr/>
-        </p:nvSpPr>
-        <p:spPr>
-          <a:xfrm>
-            <a:off x="7818120" y="796875"/>
-            <a:ext cx="944880" cy="220253"/>
-          </a:xfrm>
-          <a:prstGeom prst="rect">
-            <a:avLst/>
-          </a:prstGeom>
-          <a:solidFill>
-            <a:srgbClr val="BE1007"/>
-          </a:solidFill>
-          <a:ln>
-            <a:noFill/>
-          </a:ln>
-        </p:spPr>
-        <p:style>
-          <a:lnRef idx="2">
-            <a:schemeClr val="accent1">
-              <a:shade val="50000"/>
-            </a:schemeClr>
-          </a:lnRef>
-          <a:fillRef idx="1">
-            <a:schemeClr val="accent1"/>
-          </a:fillRef>
-          <a:effectRef idx="0">
-            <a:schemeClr val="accent1"/>
-          </a:effectRef>
-          <a:fontRef idx="minor">
-            <a:schemeClr val="lt1"/>
-          </a:fontRef>
-        </p:style>
-        <p:txBody>
-          <a:bodyPr rtlCol="0" anchor="ctr"/>
-          <a:lstStyle/>
-          <a:p>
-            <a:pPr algn="ctr"/>
-            <a:endParaRPr lang="zh-CN" altLang="en-US"/>
-          </a:p>
-        </p:txBody>
-      </p:sp>
-    </p:spTree>
-  </p:cSld>
-  <p:clrMapOvr>
-    <a:masterClrMapping/>
-  </p:clrMapOvr>
-  <p:timing>
-    <p:tnLst>
-      <p:par>
-        <p:cTn id="1" dur="indefinite" restart="never" nodeType="tmRoot">
-          <p:childTnLst>
-            <p:seq concurrent="1" nextAc="seek">
-              <p:cTn id="2" dur="indefinite" nodeType="mainSeq">
-                <p:childTnLst>
-                  <p:par>
-                    <p:cTn id="3" fill="hold">
-                      <p:stCondLst>
-                        <p:cond delay="indefinite"/>
-                        <p:cond evt="onBegin" delay="0">
-                          <p:tn val="2"/>
-                        </p:cond>
-                      </p:stCondLst>
-                      <p:childTnLst>
-                        <p:par>
-                          <p:cTn id="4" fill="hold">
-                            <p:stCondLst>
-                              <p:cond delay="0"/>
-                            </p:stCondLst>
-                            <p:childTnLst>
-                              <p:par>
-                                <p:cTn id="5" presetID="10" presetClass="entr" presetSubtype="0" fill="hold" nodeType="afterEffect">
-                                  <p:stCondLst>
-                                    <p:cond delay="0"/>
-                                  </p:stCondLst>
-                                  <p:childTnLst>
-                                    <p:set>
-                                      <p:cBhvr>
-                                        <p:cTn id="6" dur="1" fill="hold">
-                                          <p:stCondLst>
-                                            <p:cond delay="0"/>
-                                          </p:stCondLst>
-                                        </p:cTn>
-                                        <p:tgtEl>
-                                          <p:spTgt spid="4"/>
-                                        </p:tgtEl>
-                                        <p:attrNameLst>
-                                          <p:attrName>style.visibility</p:attrName>
-                                        </p:attrNameLst>
-                                      </p:cBhvr>
-                                      <p:to>
-                                        <p:strVal val="visible"/>
-                                      </p:to>
-                                    </p:set>
-                                    <p:animEffect transition="in" filter="fade">
-                                      <p:cBhvr>
-                                        <p:cTn id="7" dur="2000"/>
-                                        <p:tgtEl>
-                                          <p:spTgt spid="4"/>
                                         </p:tgtEl>
                                       </p:cBhvr>
                                     </p:animEffect>
@@ -24755,6 +24699,679 @@
         </p:nvSpPr>
         <p:spPr>
           <a:xfrm>
+            <a:off x="609600" y="1505675"/>
+            <a:ext cx="10972800" cy="4389120"/>
+          </a:xfrm>
+        </p:spPr>
+        <p:txBody>
+          <a:bodyPr/>
+          <a:lstStyle/>
+          <a:p>
+            <a:r>
+              <a:rPr lang="zh-CN" altLang="en-US" dirty="0"/>
+              <a:t>健壮性分析中的三种元素图例：</a:t>
+            </a:r>
+            <a:endParaRPr lang="en-US" altLang="zh-CN" dirty="0"/>
+          </a:p>
+          <a:p>
+            <a:endParaRPr lang="zh-CN" altLang="en-US" dirty="0"/>
+          </a:p>
+        </p:txBody>
+      </p:sp>
+      <p:pic>
+        <p:nvPicPr>
+          <p:cNvPr id="4" name="Picture 2"/>
+          <p:cNvPicPr>
+            <a:picLocks noChangeAspect="1" noChangeArrowheads="1"/>
+          </p:cNvPicPr>
+          <p:nvPr/>
+        </p:nvPicPr>
+        <p:blipFill>
+          <a:blip r:embed="rId1">
+            <a:clrChange>
+              <a:clrFrom>
+                <a:srgbClr val="FFFFFF"/>
+              </a:clrFrom>
+              <a:clrTo>
+                <a:srgbClr val="FFFFFF">
+                  <a:alpha val="0"/>
+                </a:srgbClr>
+              </a:clrTo>
+            </a:clrChange>
+            <a:lum bright="-40000"/>
+          </a:blip>
+          <a:srcRect/>
+          <a:stretch>
+            <a:fillRect/>
+          </a:stretch>
+        </p:blipFill>
+        <p:spPr bwMode="auto">
+          <a:xfrm>
+            <a:off x="2816225" y="2199640"/>
+            <a:ext cx="6544310" cy="3697605"/>
+          </a:xfrm>
+          <a:prstGeom prst="rect">
+            <a:avLst/>
+          </a:prstGeom>
+          <a:solidFill>
+            <a:schemeClr val="bg1"/>
+          </a:solidFill>
+          <a:ln w="9525">
+            <a:noFill/>
+            <a:miter lim="800000"/>
+            <a:headEnd/>
+            <a:tailEnd/>
+          </a:ln>
+        </p:spPr>
+      </p:pic>
+      <p:sp>
+        <p:nvSpPr>
+          <p:cNvPr id="7" name="文本框 6"/>
+          <p:cNvSpPr txBox="1"/>
+          <p:nvPr/>
+        </p:nvSpPr>
+        <p:spPr>
+          <a:xfrm>
+            <a:off x="274320" y="449590"/>
+            <a:ext cx="4698722" cy="584775"/>
+          </a:xfrm>
+          <a:prstGeom prst="rect">
+            <a:avLst/>
+          </a:prstGeom>
+          <a:noFill/>
+        </p:spPr>
+        <p:txBody>
+          <a:bodyPr wrap="none" rtlCol="0">
+            <a:spAutoFit/>
+          </a:bodyPr>
+          <a:lstStyle/>
+          <a:p>
+            <a:r>
+              <a:rPr lang="zh-CN" altLang="en-US" sz="3200" b="1" dirty="0">
+                <a:solidFill>
+                  <a:srgbClr val="141316"/>
+                </a:solidFill>
+                <a:latin typeface="微软雅黑" panose="020B0503020204020204" pitchFamily="34" charset="-122"/>
+                <a:ea typeface="微软雅黑" panose="020B0503020204020204" pitchFamily="34" charset="-122"/>
+              </a:rPr>
+              <a:t>健壮性分析中的基本概念</a:t>
+            </a:r>
+            <a:endParaRPr lang="zh-CN" altLang="en-US" sz="3200" b="1" dirty="0">
+              <a:solidFill>
+                <a:srgbClr val="141316"/>
+              </a:solidFill>
+              <a:latin typeface="微软雅黑" panose="020B0503020204020204" pitchFamily="34" charset="-122"/>
+              <a:ea typeface="微软雅黑" panose="020B0503020204020204" pitchFamily="34" charset="-122"/>
+            </a:endParaRPr>
+          </a:p>
+        </p:txBody>
+      </p:sp>
+      <p:cxnSp>
+        <p:nvCxnSpPr>
+          <p:cNvPr id="8" name="直接连接符 7"/>
+          <p:cNvCxnSpPr/>
+          <p:nvPr/>
+        </p:nvCxnSpPr>
+        <p:spPr>
+          <a:xfrm>
+            <a:off x="0" y="1019125"/>
+            <a:ext cx="12192000" cy="0"/>
+          </a:xfrm>
+          <a:prstGeom prst="line">
+            <a:avLst/>
+          </a:prstGeom>
+          <a:ln>
+            <a:solidFill>
+              <a:srgbClr val="B82E24"/>
+            </a:solidFill>
+            <a:prstDash val="solid"/>
+          </a:ln>
+        </p:spPr>
+        <p:style>
+          <a:lnRef idx="1">
+            <a:schemeClr val="accent1"/>
+          </a:lnRef>
+          <a:fillRef idx="0">
+            <a:schemeClr val="accent1"/>
+          </a:fillRef>
+          <a:effectRef idx="0">
+            <a:schemeClr val="accent1"/>
+          </a:effectRef>
+          <a:fontRef idx="minor">
+            <a:schemeClr val="tx1"/>
+          </a:fontRef>
+        </p:style>
+      </p:cxnSp>
+      <p:grpSp>
+        <p:nvGrpSpPr>
+          <p:cNvPr id="9" name="组合 8"/>
+          <p:cNvGrpSpPr/>
+          <p:nvPr/>
+        </p:nvGrpSpPr>
+        <p:grpSpPr>
+          <a:xfrm>
+            <a:off x="4954158" y="618055"/>
+            <a:ext cx="491490" cy="318085"/>
+            <a:chOff x="3017520" y="601990"/>
+            <a:chExt cx="491490" cy="414010"/>
+          </a:xfrm>
+        </p:grpSpPr>
+        <p:sp>
+          <p:nvSpPr>
+            <p:cNvPr id="10" name="燕尾形 9"/>
+            <p:cNvSpPr/>
+            <p:nvPr/>
+          </p:nvSpPr>
+          <p:spPr>
+            <a:xfrm>
+              <a:off x="3017520" y="601990"/>
+              <a:ext cx="198120" cy="414010"/>
+            </a:xfrm>
+            <a:prstGeom prst="chevron">
+              <a:avLst/>
+            </a:prstGeom>
+            <a:solidFill>
+              <a:srgbClr val="F5715B"/>
+            </a:solidFill>
+            <a:ln>
+              <a:noFill/>
+            </a:ln>
+          </p:spPr>
+          <p:style>
+            <a:lnRef idx="2">
+              <a:schemeClr val="accent1">
+                <a:shade val="50000"/>
+              </a:schemeClr>
+            </a:lnRef>
+            <a:fillRef idx="1">
+              <a:schemeClr val="accent1"/>
+            </a:fillRef>
+            <a:effectRef idx="0">
+              <a:schemeClr val="accent1"/>
+            </a:effectRef>
+            <a:fontRef idx="minor">
+              <a:schemeClr val="lt1"/>
+            </a:fontRef>
+          </p:style>
+          <p:txBody>
+            <a:bodyPr rtlCol="0" anchor="ctr"/>
+            <a:lstStyle/>
+            <a:p>
+              <a:pPr algn="ctr"/>
+              <a:endParaRPr lang="zh-CN" altLang="en-US">
+                <a:solidFill>
+                  <a:schemeClr val="tx1"/>
+                </a:solidFill>
+              </a:endParaRPr>
+            </a:p>
+          </p:txBody>
+        </p:sp>
+        <p:sp>
+          <p:nvSpPr>
+            <p:cNvPr id="11" name="燕尾形 10"/>
+            <p:cNvSpPr/>
+            <p:nvPr/>
+          </p:nvSpPr>
+          <p:spPr>
+            <a:xfrm>
+              <a:off x="3164205" y="601990"/>
+              <a:ext cx="198120" cy="414010"/>
+            </a:xfrm>
+            <a:prstGeom prst="chevron">
+              <a:avLst/>
+            </a:prstGeom>
+            <a:solidFill>
+              <a:srgbClr val="F93D32"/>
+            </a:solidFill>
+            <a:ln>
+              <a:noFill/>
+            </a:ln>
+          </p:spPr>
+          <p:style>
+            <a:lnRef idx="2">
+              <a:schemeClr val="accent1">
+                <a:shade val="50000"/>
+              </a:schemeClr>
+            </a:lnRef>
+            <a:fillRef idx="1">
+              <a:schemeClr val="accent1"/>
+            </a:fillRef>
+            <a:effectRef idx="0">
+              <a:schemeClr val="accent1"/>
+            </a:effectRef>
+            <a:fontRef idx="minor">
+              <a:schemeClr val="lt1"/>
+            </a:fontRef>
+          </p:style>
+          <p:txBody>
+            <a:bodyPr rtlCol="0" anchor="ctr"/>
+            <a:lstStyle/>
+            <a:p>
+              <a:pPr algn="ctr"/>
+              <a:endParaRPr lang="zh-CN" altLang="en-US">
+                <a:solidFill>
+                  <a:schemeClr val="tx1"/>
+                </a:solidFill>
+              </a:endParaRPr>
+            </a:p>
+          </p:txBody>
+        </p:sp>
+        <p:sp>
+          <p:nvSpPr>
+            <p:cNvPr id="12" name="燕尾形 11"/>
+            <p:cNvSpPr/>
+            <p:nvPr/>
+          </p:nvSpPr>
+          <p:spPr>
+            <a:xfrm>
+              <a:off x="3310890" y="601990"/>
+              <a:ext cx="198120" cy="414010"/>
+            </a:xfrm>
+            <a:prstGeom prst="chevron">
+              <a:avLst/>
+            </a:prstGeom>
+            <a:solidFill>
+              <a:srgbClr val="B82E24"/>
+            </a:solidFill>
+            <a:ln>
+              <a:noFill/>
+            </a:ln>
+          </p:spPr>
+          <p:style>
+            <a:lnRef idx="2">
+              <a:schemeClr val="accent1">
+                <a:shade val="50000"/>
+              </a:schemeClr>
+            </a:lnRef>
+            <a:fillRef idx="1">
+              <a:schemeClr val="accent1"/>
+            </a:fillRef>
+            <a:effectRef idx="0">
+              <a:schemeClr val="accent1"/>
+            </a:effectRef>
+            <a:fontRef idx="minor">
+              <a:schemeClr val="lt1"/>
+            </a:fontRef>
+          </p:style>
+          <p:txBody>
+            <a:bodyPr rtlCol="0" anchor="ctr"/>
+            <a:lstStyle/>
+            <a:p>
+              <a:pPr algn="ctr"/>
+              <a:endParaRPr lang="zh-CN" altLang="en-US">
+                <a:solidFill>
+                  <a:schemeClr val="tx1"/>
+                </a:solidFill>
+              </a:endParaRPr>
+            </a:p>
+          </p:txBody>
+        </p:sp>
+      </p:grpSp>
+      <p:sp>
+        <p:nvSpPr>
+          <p:cNvPr id="13" name="矩形 12"/>
+          <p:cNvSpPr/>
+          <p:nvPr/>
+        </p:nvSpPr>
+        <p:spPr>
+          <a:xfrm>
+            <a:off x="7818120" y="912444"/>
+            <a:ext cx="944880" cy="103556"/>
+          </a:xfrm>
+          <a:prstGeom prst="rect">
+            <a:avLst/>
+          </a:prstGeom>
+          <a:solidFill>
+            <a:schemeClr val="tx1">
+              <a:lumMod val="65000"/>
+              <a:lumOff val="35000"/>
+            </a:schemeClr>
+          </a:solidFill>
+          <a:ln>
+            <a:noFill/>
+          </a:ln>
+        </p:spPr>
+        <p:style>
+          <a:lnRef idx="2">
+            <a:schemeClr val="accent1">
+              <a:shade val="50000"/>
+            </a:schemeClr>
+          </a:lnRef>
+          <a:fillRef idx="1">
+            <a:schemeClr val="accent1"/>
+          </a:fillRef>
+          <a:effectRef idx="0">
+            <a:schemeClr val="accent1"/>
+          </a:effectRef>
+          <a:fontRef idx="minor">
+            <a:schemeClr val="lt1"/>
+          </a:fontRef>
+        </p:style>
+        <p:txBody>
+          <a:bodyPr rtlCol="0" anchor="ctr"/>
+          <a:lstStyle/>
+          <a:p>
+            <a:pPr algn="ctr"/>
+            <a:endParaRPr lang="zh-CN" altLang="en-US"/>
+          </a:p>
+        </p:txBody>
+      </p:sp>
+      <p:sp>
+        <p:nvSpPr>
+          <p:cNvPr id="14" name="矩形 13"/>
+          <p:cNvSpPr/>
+          <p:nvPr/>
+        </p:nvSpPr>
+        <p:spPr>
+          <a:xfrm>
+            <a:off x="8885357" y="912444"/>
+            <a:ext cx="944880" cy="103556"/>
+          </a:xfrm>
+          <a:prstGeom prst="rect">
+            <a:avLst/>
+          </a:prstGeom>
+          <a:solidFill>
+            <a:schemeClr val="tx1">
+              <a:lumMod val="65000"/>
+              <a:lumOff val="35000"/>
+            </a:schemeClr>
+          </a:solidFill>
+          <a:ln>
+            <a:noFill/>
+          </a:ln>
+        </p:spPr>
+        <p:style>
+          <a:lnRef idx="2">
+            <a:schemeClr val="accent1">
+              <a:shade val="50000"/>
+            </a:schemeClr>
+          </a:lnRef>
+          <a:fillRef idx="1">
+            <a:schemeClr val="accent1"/>
+          </a:fillRef>
+          <a:effectRef idx="0">
+            <a:schemeClr val="accent1"/>
+          </a:effectRef>
+          <a:fontRef idx="minor">
+            <a:schemeClr val="lt1"/>
+          </a:fontRef>
+        </p:style>
+        <p:txBody>
+          <a:bodyPr rtlCol="0" anchor="ctr"/>
+          <a:lstStyle/>
+          <a:p>
+            <a:pPr algn="ctr"/>
+            <a:endParaRPr lang="zh-CN" altLang="en-US"/>
+          </a:p>
+        </p:txBody>
+      </p:sp>
+      <p:sp>
+        <p:nvSpPr>
+          <p:cNvPr id="15" name="矩形 14"/>
+          <p:cNvSpPr/>
+          <p:nvPr/>
+        </p:nvSpPr>
+        <p:spPr>
+          <a:xfrm>
+            <a:off x="9952594" y="912444"/>
+            <a:ext cx="944880" cy="103556"/>
+          </a:xfrm>
+          <a:prstGeom prst="rect">
+            <a:avLst/>
+          </a:prstGeom>
+          <a:solidFill>
+            <a:schemeClr val="tx1">
+              <a:lumMod val="65000"/>
+              <a:lumOff val="35000"/>
+            </a:schemeClr>
+          </a:solidFill>
+          <a:ln>
+            <a:noFill/>
+          </a:ln>
+        </p:spPr>
+        <p:style>
+          <a:lnRef idx="2">
+            <a:schemeClr val="accent1">
+              <a:shade val="50000"/>
+            </a:schemeClr>
+          </a:lnRef>
+          <a:fillRef idx="1">
+            <a:schemeClr val="accent1"/>
+          </a:fillRef>
+          <a:effectRef idx="0">
+            <a:schemeClr val="accent1"/>
+          </a:effectRef>
+          <a:fontRef idx="minor">
+            <a:schemeClr val="lt1"/>
+          </a:fontRef>
+        </p:style>
+        <p:txBody>
+          <a:bodyPr rtlCol="0" anchor="ctr"/>
+          <a:lstStyle/>
+          <a:p>
+            <a:pPr algn="ctr"/>
+            <a:endParaRPr lang="zh-CN" altLang="en-US"/>
+          </a:p>
+        </p:txBody>
+      </p:sp>
+      <p:sp>
+        <p:nvSpPr>
+          <p:cNvPr id="16" name="矩形 15"/>
+          <p:cNvSpPr/>
+          <p:nvPr/>
+        </p:nvSpPr>
+        <p:spPr>
+          <a:xfrm>
+            <a:off x="11019831" y="912444"/>
+            <a:ext cx="944880" cy="103556"/>
+          </a:xfrm>
+          <a:prstGeom prst="rect">
+            <a:avLst/>
+          </a:prstGeom>
+          <a:solidFill>
+            <a:schemeClr val="tx1">
+              <a:lumMod val="65000"/>
+              <a:lumOff val="35000"/>
+            </a:schemeClr>
+          </a:solidFill>
+          <a:ln>
+            <a:noFill/>
+          </a:ln>
+        </p:spPr>
+        <p:style>
+          <a:lnRef idx="2">
+            <a:schemeClr val="accent1">
+              <a:shade val="50000"/>
+            </a:schemeClr>
+          </a:lnRef>
+          <a:fillRef idx="1">
+            <a:schemeClr val="accent1"/>
+          </a:fillRef>
+          <a:effectRef idx="0">
+            <a:schemeClr val="accent1"/>
+          </a:effectRef>
+          <a:fontRef idx="minor">
+            <a:schemeClr val="lt1"/>
+          </a:fontRef>
+        </p:style>
+        <p:txBody>
+          <a:bodyPr rtlCol="0" anchor="ctr"/>
+          <a:lstStyle/>
+          <a:p>
+            <a:pPr algn="ctr"/>
+            <a:endParaRPr lang="zh-CN" altLang="en-US"/>
+          </a:p>
+        </p:txBody>
+      </p:sp>
+      <p:sp>
+        <p:nvSpPr>
+          <p:cNvPr id="17" name="矩形 16"/>
+          <p:cNvSpPr/>
+          <p:nvPr/>
+        </p:nvSpPr>
+        <p:spPr>
+          <a:xfrm>
+            <a:off x="7818120" y="796875"/>
+            <a:ext cx="944880" cy="220253"/>
+          </a:xfrm>
+          <a:prstGeom prst="rect">
+            <a:avLst/>
+          </a:prstGeom>
+          <a:solidFill>
+            <a:srgbClr val="BE1007"/>
+          </a:solidFill>
+          <a:ln>
+            <a:noFill/>
+          </a:ln>
+        </p:spPr>
+        <p:style>
+          <a:lnRef idx="2">
+            <a:schemeClr val="accent1">
+              <a:shade val="50000"/>
+            </a:schemeClr>
+          </a:lnRef>
+          <a:fillRef idx="1">
+            <a:schemeClr val="accent1"/>
+          </a:fillRef>
+          <a:effectRef idx="0">
+            <a:schemeClr val="accent1"/>
+          </a:effectRef>
+          <a:fontRef idx="minor">
+            <a:schemeClr val="lt1"/>
+          </a:fontRef>
+        </p:style>
+        <p:txBody>
+          <a:bodyPr rtlCol="0" anchor="ctr"/>
+          <a:lstStyle/>
+          <a:p>
+            <a:pPr algn="ctr"/>
+            <a:endParaRPr lang="zh-CN" altLang="en-US"/>
+          </a:p>
+        </p:txBody>
+      </p:sp>
+    </p:spTree>
+  </p:cSld>
+  <p:clrMapOvr>
+    <a:masterClrMapping/>
+  </p:clrMapOvr>
+  <p:timing>
+    <p:tnLst>
+      <p:par>
+        <p:cTn id="1" dur="indefinite" restart="never" nodeType="tmRoot">
+          <p:childTnLst>
+            <p:seq concurrent="1" nextAc="seek">
+              <p:cTn id="2" dur="indefinite" nodeType="mainSeq">
+                <p:childTnLst>
+                  <p:par>
+                    <p:cTn id="3" fill="hold">
+                      <p:stCondLst>
+                        <p:cond delay="indefinite"/>
+                        <p:cond evt="onBegin" delay="0">
+                          <p:tn val="2"/>
+                        </p:cond>
+                      </p:stCondLst>
+                      <p:childTnLst>
+                        <p:par>
+                          <p:cTn id="4" fill="hold">
+                            <p:stCondLst>
+                              <p:cond delay="0"/>
+                            </p:stCondLst>
+                            <p:childTnLst>
+                              <p:par>
+                                <p:cTn id="5" presetID="10" presetClass="entr" presetSubtype="0" fill="hold" nodeType="afterEffect">
+                                  <p:stCondLst>
+                                    <p:cond delay="0"/>
+                                  </p:stCondLst>
+                                  <p:childTnLst>
+                                    <p:set>
+                                      <p:cBhvr>
+                                        <p:cTn id="6" dur="1" fill="hold">
+                                          <p:stCondLst>
+                                            <p:cond delay="0"/>
+                                          </p:stCondLst>
+                                        </p:cTn>
+                                        <p:tgtEl>
+                                          <p:spTgt spid="4"/>
+                                        </p:tgtEl>
+                                        <p:attrNameLst>
+                                          <p:attrName>style.visibility</p:attrName>
+                                        </p:attrNameLst>
+                                      </p:cBhvr>
+                                      <p:to>
+                                        <p:strVal val="visible"/>
+                                      </p:to>
+                                    </p:set>
+                                    <p:animEffect transition="in" filter="fade">
+                                      <p:cBhvr>
+                                        <p:cTn id="7" dur="2000"/>
+                                        <p:tgtEl>
+                                          <p:spTgt spid="4"/>
+                                        </p:tgtEl>
+                                      </p:cBhvr>
+                                    </p:animEffect>
+                                  </p:childTnLst>
+                                </p:cTn>
+                              </p:par>
+                            </p:childTnLst>
+                          </p:cTn>
+                        </p:par>
+                      </p:childTnLst>
+                    </p:cTn>
+                  </p:par>
+                </p:childTnLst>
+              </p:cTn>
+              <p:prevCondLst>
+                <p:cond evt="onPrev" delay="0">
+                  <p:tgtEl>
+                    <p:sldTgt/>
+                  </p:tgtEl>
+                </p:cond>
+              </p:prevCondLst>
+              <p:nextCondLst>
+                <p:cond evt="onNext" delay="0">
+                  <p:tgtEl>
+                    <p:sldTgt/>
+                  </p:tgtEl>
+                </p:cond>
+              </p:nextCondLst>
+            </p:seq>
+          </p:childTnLst>
+        </p:cTn>
+      </p:par>
+    </p:tnLst>
+  </p:timing>
+</p:sld>
+</file>
+
+<file path=ppt/slides/slide21.xml><?xml version="1.0" encoding="utf-8"?>
+<p:sld xmlns:a="http://schemas.openxmlformats.org/drawingml/2006/main" xmlns:r="http://schemas.openxmlformats.org/officeDocument/2006/relationships" xmlns:p="http://schemas.openxmlformats.org/presentationml/2006/main">
+  <p:cSld>
+    <p:spTree>
+      <p:nvGrpSpPr>
+        <p:cNvPr id="1" name=""/>
+        <p:cNvGrpSpPr/>
+        <p:nvPr/>
+      </p:nvGrpSpPr>
+      <p:grpSpPr>
+        <a:xfrm>
+          <a:off x="0" y="0"/>
+          <a:ext cx="0" cy="0"/>
+          <a:chOff x="0" y="0"/>
+          <a:chExt cx="0" cy="0"/>
+        </a:xfrm>
+      </p:grpSpPr>
+      <p:sp>
+        <p:nvSpPr>
+          <p:cNvPr id="3" name="内容占位符 2"/>
+          <p:cNvSpPr>
+            <a:spLocks noGrp="1"/>
+          </p:cNvSpPr>
+          <p:nvPr>
+            <p:ph idx="1"/>
+          </p:nvPr>
+        </p:nvSpPr>
+        <p:spPr>
+          <a:xfrm>
             <a:off x="961390" y="1337945"/>
             <a:ext cx="5543550" cy="4968240"/>
           </a:xfrm>
@@ -25612,7 +26229,7 @@
 </p:sld>
 </file>
 
-<file path=ppt/slides/slide21.xml><?xml version="1.0" encoding="utf-8"?>
+<file path=ppt/slides/slide22.xml><?xml version="1.0" encoding="utf-8"?>
 <p:sld xmlns:a="http://schemas.openxmlformats.org/drawingml/2006/main" xmlns:r="http://schemas.openxmlformats.org/officeDocument/2006/relationships" xmlns:p="http://schemas.openxmlformats.org/presentationml/2006/main">
   <p:cSld>
     <p:spTree>
@@ -28435,7 +29052,7 @@
 </p:sld>
 </file>
 
-<file path=ppt/slides/slide22.xml><?xml version="1.0" encoding="utf-8"?>
+<file path=ppt/slides/slide23.xml><?xml version="1.0" encoding="utf-8"?>
 <p:sld xmlns:a="http://schemas.openxmlformats.org/drawingml/2006/main" xmlns:r="http://schemas.openxmlformats.org/officeDocument/2006/relationships" xmlns:p="http://schemas.openxmlformats.org/presentationml/2006/main">
   <p:cSld>
     <p:spTree>
@@ -31095,7 +31712,7 @@
 </p:sld>
 </file>
 
-<file path=ppt/slides/slide23.xml><?xml version="1.0" encoding="utf-8"?>
+<file path=ppt/slides/slide24.xml><?xml version="1.0" encoding="utf-8"?>
 <p:sld xmlns:a="http://schemas.openxmlformats.org/drawingml/2006/main" xmlns:r="http://schemas.openxmlformats.org/officeDocument/2006/relationships" xmlns:p="http://schemas.openxmlformats.org/presentationml/2006/main">
   <p:cSld>
     <p:spTree>
@@ -33264,7 +33881,7 @@
 </p:sld>
 </file>
 
-<file path=ppt/slides/slide24.xml><?xml version="1.0" encoding="utf-8"?>
+<file path=ppt/slides/slide25.xml><?xml version="1.0" encoding="utf-8"?>
 <p:sld xmlns:a="http://schemas.openxmlformats.org/drawingml/2006/main" xmlns:r="http://schemas.openxmlformats.org/officeDocument/2006/relationships" xmlns:p="http://schemas.openxmlformats.org/presentationml/2006/main">
   <p:cSld>
     <p:spTree>
@@ -33807,7 +34424,7 @@
 </p:sld>
 </file>
 
-<file path=ppt/slides/slide25.xml><?xml version="1.0" encoding="utf-8"?>
+<file path=ppt/slides/slide26.xml><?xml version="1.0" encoding="utf-8"?>
 <p:sld xmlns:a="http://schemas.openxmlformats.org/drawingml/2006/main" xmlns:r="http://schemas.openxmlformats.org/officeDocument/2006/relationships" xmlns:p="http://schemas.openxmlformats.org/presentationml/2006/main">
   <p:cSld>
     <p:spTree>
@@ -34350,7 +34967,7 @@
 </p:sld>
 </file>
 
-<file path=ppt/slides/slide26.xml><?xml version="1.0" encoding="utf-8"?>
+<file path=ppt/slides/slide27.xml><?xml version="1.0" encoding="utf-8"?>
 <p:sld xmlns:a="http://schemas.openxmlformats.org/drawingml/2006/main" xmlns:r="http://schemas.openxmlformats.org/officeDocument/2006/relationships" xmlns:p="http://schemas.openxmlformats.org/presentationml/2006/main">
   <p:cSld>
     <p:spTree>
@@ -34893,7 +35510,7 @@
 </p:sld>
 </file>
 
-<file path=ppt/slides/slide27.xml><?xml version="1.0" encoding="utf-8"?>
+<file path=ppt/slides/slide28.xml><?xml version="1.0" encoding="utf-8"?>
 <p:sld xmlns:a="http://schemas.openxmlformats.org/drawingml/2006/main" xmlns:r="http://schemas.openxmlformats.org/officeDocument/2006/relationships" xmlns:p="http://schemas.openxmlformats.org/presentationml/2006/main">
   <p:cSld>
     <p:spTree>
@@ -35436,7 +36053,7 @@
 </p:sld>
 </file>
 
-<file path=ppt/slides/slide28.xml><?xml version="1.0" encoding="utf-8"?>
+<file path=ppt/slides/slide29.xml><?xml version="1.0" encoding="utf-8"?>
 <p:sld xmlns:a="http://schemas.openxmlformats.org/drawingml/2006/main" xmlns:r="http://schemas.openxmlformats.org/officeDocument/2006/relationships" xmlns:p="http://schemas.openxmlformats.org/presentationml/2006/main">
   <p:cSld>
     <p:spTree>
@@ -35928,559 +36545,6 @@
       <p:sp>
         <p:nvSpPr>
           <p:cNvPr id="15" name="矩形 14"/>
-          <p:cNvSpPr/>
-          <p:nvPr/>
-        </p:nvSpPr>
-        <p:spPr>
-          <a:xfrm>
-            <a:off x="8885357" y="814112"/>
-            <a:ext cx="944880" cy="220253"/>
-          </a:xfrm>
-          <a:prstGeom prst="rect">
-            <a:avLst/>
-          </a:prstGeom>
-          <a:solidFill>
-            <a:srgbClr val="BE1007"/>
-          </a:solidFill>
-          <a:ln>
-            <a:noFill/>
-          </a:ln>
-        </p:spPr>
-        <p:style>
-          <a:lnRef idx="2">
-            <a:schemeClr val="accent1">
-              <a:shade val="50000"/>
-            </a:schemeClr>
-          </a:lnRef>
-          <a:fillRef idx="1">
-            <a:schemeClr val="accent1"/>
-          </a:fillRef>
-          <a:effectRef idx="0">
-            <a:schemeClr val="accent1"/>
-          </a:effectRef>
-          <a:fontRef idx="minor">
-            <a:schemeClr val="lt1"/>
-          </a:fontRef>
-        </p:style>
-        <p:txBody>
-          <a:bodyPr rtlCol="0" anchor="ctr"/>
-          <a:lstStyle/>
-          <a:p>
-            <a:pPr algn="ctr"/>
-            <a:endParaRPr lang="zh-CN" altLang="en-US"/>
-          </a:p>
-        </p:txBody>
-      </p:sp>
-    </p:spTree>
-  </p:cSld>
-  <p:clrMapOvr>
-    <a:masterClrMapping/>
-  </p:clrMapOvr>
-</p:sld>
-</file>
-
-<file path=ppt/slides/slide29.xml><?xml version="1.0" encoding="utf-8"?>
-<p:sld xmlns:a="http://schemas.openxmlformats.org/drawingml/2006/main" xmlns:r="http://schemas.openxmlformats.org/officeDocument/2006/relationships" xmlns:p="http://schemas.openxmlformats.org/presentationml/2006/main">
-  <p:cSld>
-    <p:spTree>
-      <p:nvGrpSpPr>
-        <p:cNvPr id="1" name=""/>
-        <p:cNvGrpSpPr/>
-        <p:nvPr/>
-      </p:nvGrpSpPr>
-      <p:grpSpPr>
-        <a:xfrm>
-          <a:off x="0" y="0"/>
-          <a:ext cx="0" cy="0"/>
-          <a:chOff x="0" y="0"/>
-          <a:chExt cx="0" cy="0"/>
-        </a:xfrm>
-      </p:grpSpPr>
-      <p:pic>
-        <p:nvPicPr>
-          <p:cNvPr id="4098" name="Picture 2"/>
-          <p:cNvPicPr>
-            <a:picLocks noChangeAspect="1" noChangeArrowheads="1"/>
-          </p:cNvPicPr>
-          <p:nvPr/>
-        </p:nvPicPr>
-        <p:blipFill>
-          <a:blip r:embed="rId1"/>
-          <a:srcRect/>
-          <a:stretch>
-            <a:fillRect/>
-          </a:stretch>
-        </p:blipFill>
-        <p:spPr bwMode="auto">
-          <a:xfrm>
-            <a:off x="1797510" y="1209475"/>
-            <a:ext cx="8584418" cy="5190890"/>
-          </a:xfrm>
-          <a:prstGeom prst="rect">
-            <a:avLst/>
-          </a:prstGeom>
-          <a:noFill/>
-          <a:ln w="9525">
-            <a:noFill/>
-            <a:miter lim="800000"/>
-            <a:headEnd/>
-            <a:tailEnd/>
-          </a:ln>
-          <a:effectLst/>
-        </p:spPr>
-      </p:pic>
-      <p:sp>
-        <p:nvSpPr>
-          <p:cNvPr id="4" name="文本框 3"/>
-          <p:cNvSpPr txBox="1"/>
-          <p:nvPr/>
-        </p:nvSpPr>
-        <p:spPr>
-          <a:xfrm>
-            <a:off x="274320" y="449590"/>
-            <a:ext cx="5451557" cy="584775"/>
-          </a:xfrm>
-          <a:prstGeom prst="rect">
-            <a:avLst/>
-          </a:prstGeom>
-          <a:noFill/>
-        </p:spPr>
-        <p:txBody>
-          <a:bodyPr wrap="none" rtlCol="0">
-            <a:spAutoFit/>
-          </a:bodyPr>
-          <a:lstStyle/>
-          <a:p>
-            <a:r>
-              <a:rPr lang="en-US" altLang="zh-CN" sz="3200" b="1" dirty="0">
-                <a:solidFill>
-                  <a:srgbClr val="141316"/>
-                </a:solidFill>
-                <a:latin typeface="微软雅黑" panose="020B0503020204020204" pitchFamily="34" charset="-122"/>
-                <a:ea typeface="微软雅黑" panose="020B0503020204020204" pitchFamily="34" charset="-122"/>
-              </a:rPr>
-              <a:t>DEMO:EA</a:t>
-            </a:r>
-            <a:r>
-              <a:rPr lang="zh-CN" altLang="en-US" sz="3200" b="1" dirty="0">
-                <a:solidFill>
-                  <a:srgbClr val="141316"/>
-                </a:solidFill>
-                <a:latin typeface="微软雅黑" panose="020B0503020204020204" pitchFamily="34" charset="-122"/>
-                <a:ea typeface="微软雅黑" panose="020B0503020204020204" pitchFamily="34" charset="-122"/>
-              </a:rPr>
-              <a:t>中进行健壮性分析</a:t>
-            </a:r>
-            <a:endParaRPr lang="zh-CN" altLang="en-US" sz="3200" b="1" dirty="0">
-              <a:solidFill>
-                <a:srgbClr val="141316"/>
-              </a:solidFill>
-              <a:latin typeface="微软雅黑" panose="020B0503020204020204" pitchFamily="34" charset="-122"/>
-              <a:ea typeface="微软雅黑" panose="020B0503020204020204" pitchFamily="34" charset="-122"/>
-            </a:endParaRPr>
-          </a:p>
-        </p:txBody>
-      </p:sp>
-      <p:cxnSp>
-        <p:nvCxnSpPr>
-          <p:cNvPr id="5" name="直接连接符 4"/>
-          <p:cNvCxnSpPr/>
-          <p:nvPr/>
-        </p:nvCxnSpPr>
-        <p:spPr>
-          <a:xfrm>
-            <a:off x="0" y="1019125"/>
-            <a:ext cx="12192000" cy="0"/>
-          </a:xfrm>
-          <a:prstGeom prst="line">
-            <a:avLst/>
-          </a:prstGeom>
-          <a:ln>
-            <a:solidFill>
-              <a:srgbClr val="B82E24"/>
-            </a:solidFill>
-            <a:prstDash val="solid"/>
-          </a:ln>
-        </p:spPr>
-        <p:style>
-          <a:lnRef idx="1">
-            <a:schemeClr val="accent1"/>
-          </a:lnRef>
-          <a:fillRef idx="0">
-            <a:schemeClr val="accent1"/>
-          </a:fillRef>
-          <a:effectRef idx="0">
-            <a:schemeClr val="accent1"/>
-          </a:effectRef>
-          <a:fontRef idx="minor">
-            <a:schemeClr val="tx1"/>
-          </a:fontRef>
-        </p:style>
-      </p:cxnSp>
-      <p:grpSp>
-        <p:nvGrpSpPr>
-          <p:cNvPr id="6" name="组合 5"/>
-          <p:cNvGrpSpPr/>
-          <p:nvPr/>
-        </p:nvGrpSpPr>
-        <p:grpSpPr>
-          <a:xfrm>
-            <a:off x="5673625" y="623431"/>
-            <a:ext cx="491490" cy="318085"/>
-            <a:chOff x="3017520" y="601990"/>
-            <a:chExt cx="491490" cy="414010"/>
-          </a:xfrm>
-        </p:grpSpPr>
-        <p:sp>
-          <p:nvSpPr>
-            <p:cNvPr id="7" name="燕尾形 6"/>
-            <p:cNvSpPr/>
-            <p:nvPr/>
-          </p:nvSpPr>
-          <p:spPr>
-            <a:xfrm>
-              <a:off x="3017520" y="601990"/>
-              <a:ext cx="198120" cy="414010"/>
-            </a:xfrm>
-            <a:prstGeom prst="chevron">
-              <a:avLst/>
-            </a:prstGeom>
-            <a:solidFill>
-              <a:srgbClr val="F5715B"/>
-            </a:solidFill>
-            <a:ln>
-              <a:noFill/>
-            </a:ln>
-          </p:spPr>
-          <p:style>
-            <a:lnRef idx="2">
-              <a:schemeClr val="accent1">
-                <a:shade val="50000"/>
-              </a:schemeClr>
-            </a:lnRef>
-            <a:fillRef idx="1">
-              <a:schemeClr val="accent1"/>
-            </a:fillRef>
-            <a:effectRef idx="0">
-              <a:schemeClr val="accent1"/>
-            </a:effectRef>
-            <a:fontRef idx="minor">
-              <a:schemeClr val="lt1"/>
-            </a:fontRef>
-          </p:style>
-          <p:txBody>
-            <a:bodyPr rtlCol="0" anchor="ctr"/>
-            <a:lstStyle/>
-            <a:p>
-              <a:pPr algn="ctr"/>
-              <a:endParaRPr lang="zh-CN" altLang="en-US">
-                <a:solidFill>
-                  <a:schemeClr val="tx1"/>
-                </a:solidFill>
-              </a:endParaRPr>
-            </a:p>
-          </p:txBody>
-        </p:sp>
-        <p:sp>
-          <p:nvSpPr>
-            <p:cNvPr id="8" name="燕尾形 7"/>
-            <p:cNvSpPr/>
-            <p:nvPr/>
-          </p:nvSpPr>
-          <p:spPr>
-            <a:xfrm>
-              <a:off x="3164205" y="601990"/>
-              <a:ext cx="198120" cy="414010"/>
-            </a:xfrm>
-            <a:prstGeom prst="chevron">
-              <a:avLst/>
-            </a:prstGeom>
-            <a:solidFill>
-              <a:srgbClr val="F93D32"/>
-            </a:solidFill>
-            <a:ln>
-              <a:noFill/>
-            </a:ln>
-          </p:spPr>
-          <p:style>
-            <a:lnRef idx="2">
-              <a:schemeClr val="accent1">
-                <a:shade val="50000"/>
-              </a:schemeClr>
-            </a:lnRef>
-            <a:fillRef idx="1">
-              <a:schemeClr val="accent1"/>
-            </a:fillRef>
-            <a:effectRef idx="0">
-              <a:schemeClr val="accent1"/>
-            </a:effectRef>
-            <a:fontRef idx="minor">
-              <a:schemeClr val="lt1"/>
-            </a:fontRef>
-          </p:style>
-          <p:txBody>
-            <a:bodyPr rtlCol="0" anchor="ctr"/>
-            <a:lstStyle/>
-            <a:p>
-              <a:pPr algn="ctr"/>
-              <a:endParaRPr lang="zh-CN" altLang="en-US">
-                <a:solidFill>
-                  <a:schemeClr val="tx1"/>
-                </a:solidFill>
-              </a:endParaRPr>
-            </a:p>
-          </p:txBody>
-        </p:sp>
-        <p:sp>
-          <p:nvSpPr>
-            <p:cNvPr id="9" name="燕尾形 8"/>
-            <p:cNvSpPr/>
-            <p:nvPr/>
-          </p:nvSpPr>
-          <p:spPr>
-            <a:xfrm>
-              <a:off x="3310890" y="601990"/>
-              <a:ext cx="198120" cy="414010"/>
-            </a:xfrm>
-            <a:prstGeom prst="chevron">
-              <a:avLst/>
-            </a:prstGeom>
-            <a:solidFill>
-              <a:srgbClr val="B82E24"/>
-            </a:solidFill>
-            <a:ln>
-              <a:noFill/>
-            </a:ln>
-          </p:spPr>
-          <p:style>
-            <a:lnRef idx="2">
-              <a:schemeClr val="accent1">
-                <a:shade val="50000"/>
-              </a:schemeClr>
-            </a:lnRef>
-            <a:fillRef idx="1">
-              <a:schemeClr val="accent1"/>
-            </a:fillRef>
-            <a:effectRef idx="0">
-              <a:schemeClr val="accent1"/>
-            </a:effectRef>
-            <a:fontRef idx="minor">
-              <a:schemeClr val="lt1"/>
-            </a:fontRef>
-          </p:style>
-          <p:txBody>
-            <a:bodyPr rtlCol="0" anchor="ctr"/>
-            <a:lstStyle/>
-            <a:p>
-              <a:pPr algn="ctr"/>
-              <a:endParaRPr lang="zh-CN" altLang="en-US">
-                <a:solidFill>
-                  <a:schemeClr val="tx1"/>
-                </a:solidFill>
-              </a:endParaRPr>
-            </a:p>
-          </p:txBody>
-        </p:sp>
-      </p:grpSp>
-      <p:sp>
-        <p:nvSpPr>
-          <p:cNvPr id="10" name="矩形 9"/>
-          <p:cNvSpPr/>
-          <p:nvPr/>
-        </p:nvSpPr>
-        <p:spPr>
-          <a:xfrm>
-            <a:off x="7818120" y="912444"/>
-            <a:ext cx="944880" cy="103556"/>
-          </a:xfrm>
-          <a:prstGeom prst="rect">
-            <a:avLst/>
-          </a:prstGeom>
-          <a:solidFill>
-            <a:schemeClr val="tx1">
-              <a:lumMod val="65000"/>
-              <a:lumOff val="35000"/>
-            </a:schemeClr>
-          </a:solidFill>
-          <a:ln>
-            <a:noFill/>
-          </a:ln>
-        </p:spPr>
-        <p:style>
-          <a:lnRef idx="2">
-            <a:schemeClr val="accent1">
-              <a:shade val="50000"/>
-            </a:schemeClr>
-          </a:lnRef>
-          <a:fillRef idx="1">
-            <a:schemeClr val="accent1"/>
-          </a:fillRef>
-          <a:effectRef idx="0">
-            <a:schemeClr val="accent1"/>
-          </a:effectRef>
-          <a:fontRef idx="minor">
-            <a:schemeClr val="lt1"/>
-          </a:fontRef>
-        </p:style>
-        <p:txBody>
-          <a:bodyPr rtlCol="0" anchor="ctr"/>
-          <a:lstStyle/>
-          <a:p>
-            <a:pPr algn="ctr"/>
-            <a:endParaRPr lang="zh-CN" altLang="en-US"/>
-          </a:p>
-        </p:txBody>
-      </p:sp>
-      <p:sp>
-        <p:nvSpPr>
-          <p:cNvPr id="11" name="矩形 10"/>
-          <p:cNvSpPr/>
-          <p:nvPr/>
-        </p:nvSpPr>
-        <p:spPr>
-          <a:xfrm>
-            <a:off x="8885357" y="912444"/>
-            <a:ext cx="944880" cy="103556"/>
-          </a:xfrm>
-          <a:prstGeom prst="rect">
-            <a:avLst/>
-          </a:prstGeom>
-          <a:solidFill>
-            <a:schemeClr val="tx1">
-              <a:lumMod val="65000"/>
-              <a:lumOff val="35000"/>
-            </a:schemeClr>
-          </a:solidFill>
-          <a:ln>
-            <a:noFill/>
-          </a:ln>
-        </p:spPr>
-        <p:style>
-          <a:lnRef idx="2">
-            <a:schemeClr val="accent1">
-              <a:shade val="50000"/>
-            </a:schemeClr>
-          </a:lnRef>
-          <a:fillRef idx="1">
-            <a:schemeClr val="accent1"/>
-          </a:fillRef>
-          <a:effectRef idx="0">
-            <a:schemeClr val="accent1"/>
-          </a:effectRef>
-          <a:fontRef idx="minor">
-            <a:schemeClr val="lt1"/>
-          </a:fontRef>
-        </p:style>
-        <p:txBody>
-          <a:bodyPr rtlCol="0" anchor="ctr"/>
-          <a:lstStyle/>
-          <a:p>
-            <a:pPr algn="ctr"/>
-            <a:endParaRPr lang="zh-CN" altLang="en-US"/>
-          </a:p>
-        </p:txBody>
-      </p:sp>
-      <p:sp>
-        <p:nvSpPr>
-          <p:cNvPr id="12" name="矩形 11"/>
-          <p:cNvSpPr/>
-          <p:nvPr/>
-        </p:nvSpPr>
-        <p:spPr>
-          <a:xfrm>
-            <a:off x="9952594" y="912444"/>
-            <a:ext cx="944880" cy="103556"/>
-          </a:xfrm>
-          <a:prstGeom prst="rect">
-            <a:avLst/>
-          </a:prstGeom>
-          <a:solidFill>
-            <a:schemeClr val="tx1">
-              <a:lumMod val="65000"/>
-              <a:lumOff val="35000"/>
-            </a:schemeClr>
-          </a:solidFill>
-          <a:ln>
-            <a:noFill/>
-          </a:ln>
-        </p:spPr>
-        <p:style>
-          <a:lnRef idx="2">
-            <a:schemeClr val="accent1">
-              <a:shade val="50000"/>
-            </a:schemeClr>
-          </a:lnRef>
-          <a:fillRef idx="1">
-            <a:schemeClr val="accent1"/>
-          </a:fillRef>
-          <a:effectRef idx="0">
-            <a:schemeClr val="accent1"/>
-          </a:effectRef>
-          <a:fontRef idx="minor">
-            <a:schemeClr val="lt1"/>
-          </a:fontRef>
-        </p:style>
-        <p:txBody>
-          <a:bodyPr rtlCol="0" anchor="ctr"/>
-          <a:lstStyle/>
-          <a:p>
-            <a:pPr algn="ctr"/>
-            <a:endParaRPr lang="zh-CN" altLang="en-US"/>
-          </a:p>
-        </p:txBody>
-      </p:sp>
-      <p:sp>
-        <p:nvSpPr>
-          <p:cNvPr id="13" name="矩形 12"/>
-          <p:cNvSpPr/>
-          <p:nvPr/>
-        </p:nvSpPr>
-        <p:spPr>
-          <a:xfrm>
-            <a:off x="11019831" y="912444"/>
-            <a:ext cx="944880" cy="103556"/>
-          </a:xfrm>
-          <a:prstGeom prst="rect">
-            <a:avLst/>
-          </a:prstGeom>
-          <a:solidFill>
-            <a:schemeClr val="tx1">
-              <a:lumMod val="65000"/>
-              <a:lumOff val="35000"/>
-            </a:schemeClr>
-          </a:solidFill>
-          <a:ln>
-            <a:noFill/>
-          </a:ln>
-        </p:spPr>
-        <p:style>
-          <a:lnRef idx="2">
-            <a:schemeClr val="accent1">
-              <a:shade val="50000"/>
-            </a:schemeClr>
-          </a:lnRef>
-          <a:fillRef idx="1">
-            <a:schemeClr val="accent1"/>
-          </a:fillRef>
-          <a:effectRef idx="0">
-            <a:schemeClr val="accent1"/>
-          </a:effectRef>
-          <a:fontRef idx="minor">
-            <a:schemeClr val="lt1"/>
-          </a:fontRef>
-        </p:style>
-        <p:txBody>
-          <a:bodyPr rtlCol="0" anchor="ctr"/>
-          <a:lstStyle/>
-          <a:p>
-            <a:pPr algn="ctr"/>
-            <a:endParaRPr lang="zh-CN" altLang="en-US"/>
-          </a:p>
-        </p:txBody>
-      </p:sp>
-      <p:sp>
-        <p:nvSpPr>
-          <p:cNvPr id="14" name="矩形 13"/>
           <p:cNvSpPr/>
           <p:nvPr/>
         </p:nvSpPr>
@@ -37065,6 +37129,559 @@
 </file>
 
 <file path=ppt/slides/slide30.xml><?xml version="1.0" encoding="utf-8"?>
+<p:sld xmlns:a="http://schemas.openxmlformats.org/drawingml/2006/main" xmlns:r="http://schemas.openxmlformats.org/officeDocument/2006/relationships" xmlns:p="http://schemas.openxmlformats.org/presentationml/2006/main">
+  <p:cSld>
+    <p:spTree>
+      <p:nvGrpSpPr>
+        <p:cNvPr id="1" name=""/>
+        <p:cNvGrpSpPr/>
+        <p:nvPr/>
+      </p:nvGrpSpPr>
+      <p:grpSpPr>
+        <a:xfrm>
+          <a:off x="0" y="0"/>
+          <a:ext cx="0" cy="0"/>
+          <a:chOff x="0" y="0"/>
+          <a:chExt cx="0" cy="0"/>
+        </a:xfrm>
+      </p:grpSpPr>
+      <p:pic>
+        <p:nvPicPr>
+          <p:cNvPr id="4098" name="Picture 2"/>
+          <p:cNvPicPr>
+            <a:picLocks noChangeAspect="1" noChangeArrowheads="1"/>
+          </p:cNvPicPr>
+          <p:nvPr/>
+        </p:nvPicPr>
+        <p:blipFill>
+          <a:blip r:embed="rId1"/>
+          <a:srcRect/>
+          <a:stretch>
+            <a:fillRect/>
+          </a:stretch>
+        </p:blipFill>
+        <p:spPr bwMode="auto">
+          <a:xfrm>
+            <a:off x="1797510" y="1209475"/>
+            <a:ext cx="8584418" cy="5190890"/>
+          </a:xfrm>
+          <a:prstGeom prst="rect">
+            <a:avLst/>
+          </a:prstGeom>
+          <a:noFill/>
+          <a:ln w="9525">
+            <a:noFill/>
+            <a:miter lim="800000"/>
+            <a:headEnd/>
+            <a:tailEnd/>
+          </a:ln>
+          <a:effectLst/>
+        </p:spPr>
+      </p:pic>
+      <p:sp>
+        <p:nvSpPr>
+          <p:cNvPr id="4" name="文本框 3"/>
+          <p:cNvSpPr txBox="1"/>
+          <p:nvPr/>
+        </p:nvSpPr>
+        <p:spPr>
+          <a:xfrm>
+            <a:off x="274320" y="449590"/>
+            <a:ext cx="5451557" cy="584775"/>
+          </a:xfrm>
+          <a:prstGeom prst="rect">
+            <a:avLst/>
+          </a:prstGeom>
+          <a:noFill/>
+        </p:spPr>
+        <p:txBody>
+          <a:bodyPr wrap="none" rtlCol="0">
+            <a:spAutoFit/>
+          </a:bodyPr>
+          <a:lstStyle/>
+          <a:p>
+            <a:r>
+              <a:rPr lang="en-US" altLang="zh-CN" sz="3200" b="1" dirty="0">
+                <a:solidFill>
+                  <a:srgbClr val="141316"/>
+                </a:solidFill>
+                <a:latin typeface="微软雅黑" panose="020B0503020204020204" pitchFamily="34" charset="-122"/>
+                <a:ea typeface="微软雅黑" panose="020B0503020204020204" pitchFamily="34" charset="-122"/>
+              </a:rPr>
+              <a:t>DEMO:EA</a:t>
+            </a:r>
+            <a:r>
+              <a:rPr lang="zh-CN" altLang="en-US" sz="3200" b="1" dirty="0">
+                <a:solidFill>
+                  <a:srgbClr val="141316"/>
+                </a:solidFill>
+                <a:latin typeface="微软雅黑" panose="020B0503020204020204" pitchFamily="34" charset="-122"/>
+                <a:ea typeface="微软雅黑" panose="020B0503020204020204" pitchFamily="34" charset="-122"/>
+              </a:rPr>
+              <a:t>中进行健壮性分析</a:t>
+            </a:r>
+            <a:endParaRPr lang="zh-CN" altLang="en-US" sz="3200" b="1" dirty="0">
+              <a:solidFill>
+                <a:srgbClr val="141316"/>
+              </a:solidFill>
+              <a:latin typeface="微软雅黑" panose="020B0503020204020204" pitchFamily="34" charset="-122"/>
+              <a:ea typeface="微软雅黑" panose="020B0503020204020204" pitchFamily="34" charset="-122"/>
+            </a:endParaRPr>
+          </a:p>
+        </p:txBody>
+      </p:sp>
+      <p:cxnSp>
+        <p:nvCxnSpPr>
+          <p:cNvPr id="5" name="直接连接符 4"/>
+          <p:cNvCxnSpPr/>
+          <p:nvPr/>
+        </p:nvCxnSpPr>
+        <p:spPr>
+          <a:xfrm>
+            <a:off x="0" y="1019125"/>
+            <a:ext cx="12192000" cy="0"/>
+          </a:xfrm>
+          <a:prstGeom prst="line">
+            <a:avLst/>
+          </a:prstGeom>
+          <a:ln>
+            <a:solidFill>
+              <a:srgbClr val="B82E24"/>
+            </a:solidFill>
+            <a:prstDash val="solid"/>
+          </a:ln>
+        </p:spPr>
+        <p:style>
+          <a:lnRef idx="1">
+            <a:schemeClr val="accent1"/>
+          </a:lnRef>
+          <a:fillRef idx="0">
+            <a:schemeClr val="accent1"/>
+          </a:fillRef>
+          <a:effectRef idx="0">
+            <a:schemeClr val="accent1"/>
+          </a:effectRef>
+          <a:fontRef idx="minor">
+            <a:schemeClr val="tx1"/>
+          </a:fontRef>
+        </p:style>
+      </p:cxnSp>
+      <p:grpSp>
+        <p:nvGrpSpPr>
+          <p:cNvPr id="6" name="组合 5"/>
+          <p:cNvGrpSpPr/>
+          <p:nvPr/>
+        </p:nvGrpSpPr>
+        <p:grpSpPr>
+          <a:xfrm>
+            <a:off x="5673625" y="623431"/>
+            <a:ext cx="491490" cy="318085"/>
+            <a:chOff x="3017520" y="601990"/>
+            <a:chExt cx="491490" cy="414010"/>
+          </a:xfrm>
+        </p:grpSpPr>
+        <p:sp>
+          <p:nvSpPr>
+            <p:cNvPr id="7" name="燕尾形 6"/>
+            <p:cNvSpPr/>
+            <p:nvPr/>
+          </p:nvSpPr>
+          <p:spPr>
+            <a:xfrm>
+              <a:off x="3017520" y="601990"/>
+              <a:ext cx="198120" cy="414010"/>
+            </a:xfrm>
+            <a:prstGeom prst="chevron">
+              <a:avLst/>
+            </a:prstGeom>
+            <a:solidFill>
+              <a:srgbClr val="F5715B"/>
+            </a:solidFill>
+            <a:ln>
+              <a:noFill/>
+            </a:ln>
+          </p:spPr>
+          <p:style>
+            <a:lnRef idx="2">
+              <a:schemeClr val="accent1">
+                <a:shade val="50000"/>
+              </a:schemeClr>
+            </a:lnRef>
+            <a:fillRef idx="1">
+              <a:schemeClr val="accent1"/>
+            </a:fillRef>
+            <a:effectRef idx="0">
+              <a:schemeClr val="accent1"/>
+            </a:effectRef>
+            <a:fontRef idx="minor">
+              <a:schemeClr val="lt1"/>
+            </a:fontRef>
+          </p:style>
+          <p:txBody>
+            <a:bodyPr rtlCol="0" anchor="ctr"/>
+            <a:lstStyle/>
+            <a:p>
+              <a:pPr algn="ctr"/>
+              <a:endParaRPr lang="zh-CN" altLang="en-US">
+                <a:solidFill>
+                  <a:schemeClr val="tx1"/>
+                </a:solidFill>
+              </a:endParaRPr>
+            </a:p>
+          </p:txBody>
+        </p:sp>
+        <p:sp>
+          <p:nvSpPr>
+            <p:cNvPr id="8" name="燕尾形 7"/>
+            <p:cNvSpPr/>
+            <p:nvPr/>
+          </p:nvSpPr>
+          <p:spPr>
+            <a:xfrm>
+              <a:off x="3164205" y="601990"/>
+              <a:ext cx="198120" cy="414010"/>
+            </a:xfrm>
+            <a:prstGeom prst="chevron">
+              <a:avLst/>
+            </a:prstGeom>
+            <a:solidFill>
+              <a:srgbClr val="F93D32"/>
+            </a:solidFill>
+            <a:ln>
+              <a:noFill/>
+            </a:ln>
+          </p:spPr>
+          <p:style>
+            <a:lnRef idx="2">
+              <a:schemeClr val="accent1">
+                <a:shade val="50000"/>
+              </a:schemeClr>
+            </a:lnRef>
+            <a:fillRef idx="1">
+              <a:schemeClr val="accent1"/>
+            </a:fillRef>
+            <a:effectRef idx="0">
+              <a:schemeClr val="accent1"/>
+            </a:effectRef>
+            <a:fontRef idx="minor">
+              <a:schemeClr val="lt1"/>
+            </a:fontRef>
+          </p:style>
+          <p:txBody>
+            <a:bodyPr rtlCol="0" anchor="ctr"/>
+            <a:lstStyle/>
+            <a:p>
+              <a:pPr algn="ctr"/>
+              <a:endParaRPr lang="zh-CN" altLang="en-US">
+                <a:solidFill>
+                  <a:schemeClr val="tx1"/>
+                </a:solidFill>
+              </a:endParaRPr>
+            </a:p>
+          </p:txBody>
+        </p:sp>
+        <p:sp>
+          <p:nvSpPr>
+            <p:cNvPr id="9" name="燕尾形 8"/>
+            <p:cNvSpPr/>
+            <p:nvPr/>
+          </p:nvSpPr>
+          <p:spPr>
+            <a:xfrm>
+              <a:off x="3310890" y="601990"/>
+              <a:ext cx="198120" cy="414010"/>
+            </a:xfrm>
+            <a:prstGeom prst="chevron">
+              <a:avLst/>
+            </a:prstGeom>
+            <a:solidFill>
+              <a:srgbClr val="B82E24"/>
+            </a:solidFill>
+            <a:ln>
+              <a:noFill/>
+            </a:ln>
+          </p:spPr>
+          <p:style>
+            <a:lnRef idx="2">
+              <a:schemeClr val="accent1">
+                <a:shade val="50000"/>
+              </a:schemeClr>
+            </a:lnRef>
+            <a:fillRef idx="1">
+              <a:schemeClr val="accent1"/>
+            </a:fillRef>
+            <a:effectRef idx="0">
+              <a:schemeClr val="accent1"/>
+            </a:effectRef>
+            <a:fontRef idx="minor">
+              <a:schemeClr val="lt1"/>
+            </a:fontRef>
+          </p:style>
+          <p:txBody>
+            <a:bodyPr rtlCol="0" anchor="ctr"/>
+            <a:lstStyle/>
+            <a:p>
+              <a:pPr algn="ctr"/>
+              <a:endParaRPr lang="zh-CN" altLang="en-US">
+                <a:solidFill>
+                  <a:schemeClr val="tx1"/>
+                </a:solidFill>
+              </a:endParaRPr>
+            </a:p>
+          </p:txBody>
+        </p:sp>
+      </p:grpSp>
+      <p:sp>
+        <p:nvSpPr>
+          <p:cNvPr id="10" name="矩形 9"/>
+          <p:cNvSpPr/>
+          <p:nvPr/>
+        </p:nvSpPr>
+        <p:spPr>
+          <a:xfrm>
+            <a:off x="7818120" y="912444"/>
+            <a:ext cx="944880" cy="103556"/>
+          </a:xfrm>
+          <a:prstGeom prst="rect">
+            <a:avLst/>
+          </a:prstGeom>
+          <a:solidFill>
+            <a:schemeClr val="tx1">
+              <a:lumMod val="65000"/>
+              <a:lumOff val="35000"/>
+            </a:schemeClr>
+          </a:solidFill>
+          <a:ln>
+            <a:noFill/>
+          </a:ln>
+        </p:spPr>
+        <p:style>
+          <a:lnRef idx="2">
+            <a:schemeClr val="accent1">
+              <a:shade val="50000"/>
+            </a:schemeClr>
+          </a:lnRef>
+          <a:fillRef idx="1">
+            <a:schemeClr val="accent1"/>
+          </a:fillRef>
+          <a:effectRef idx="0">
+            <a:schemeClr val="accent1"/>
+          </a:effectRef>
+          <a:fontRef idx="minor">
+            <a:schemeClr val="lt1"/>
+          </a:fontRef>
+        </p:style>
+        <p:txBody>
+          <a:bodyPr rtlCol="0" anchor="ctr"/>
+          <a:lstStyle/>
+          <a:p>
+            <a:pPr algn="ctr"/>
+            <a:endParaRPr lang="zh-CN" altLang="en-US"/>
+          </a:p>
+        </p:txBody>
+      </p:sp>
+      <p:sp>
+        <p:nvSpPr>
+          <p:cNvPr id="11" name="矩形 10"/>
+          <p:cNvSpPr/>
+          <p:nvPr/>
+        </p:nvSpPr>
+        <p:spPr>
+          <a:xfrm>
+            <a:off x="8885357" y="912444"/>
+            <a:ext cx="944880" cy="103556"/>
+          </a:xfrm>
+          <a:prstGeom prst="rect">
+            <a:avLst/>
+          </a:prstGeom>
+          <a:solidFill>
+            <a:schemeClr val="tx1">
+              <a:lumMod val="65000"/>
+              <a:lumOff val="35000"/>
+            </a:schemeClr>
+          </a:solidFill>
+          <a:ln>
+            <a:noFill/>
+          </a:ln>
+        </p:spPr>
+        <p:style>
+          <a:lnRef idx="2">
+            <a:schemeClr val="accent1">
+              <a:shade val="50000"/>
+            </a:schemeClr>
+          </a:lnRef>
+          <a:fillRef idx="1">
+            <a:schemeClr val="accent1"/>
+          </a:fillRef>
+          <a:effectRef idx="0">
+            <a:schemeClr val="accent1"/>
+          </a:effectRef>
+          <a:fontRef idx="minor">
+            <a:schemeClr val="lt1"/>
+          </a:fontRef>
+        </p:style>
+        <p:txBody>
+          <a:bodyPr rtlCol="0" anchor="ctr"/>
+          <a:lstStyle/>
+          <a:p>
+            <a:pPr algn="ctr"/>
+            <a:endParaRPr lang="zh-CN" altLang="en-US"/>
+          </a:p>
+        </p:txBody>
+      </p:sp>
+      <p:sp>
+        <p:nvSpPr>
+          <p:cNvPr id="12" name="矩形 11"/>
+          <p:cNvSpPr/>
+          <p:nvPr/>
+        </p:nvSpPr>
+        <p:spPr>
+          <a:xfrm>
+            <a:off x="9952594" y="912444"/>
+            <a:ext cx="944880" cy="103556"/>
+          </a:xfrm>
+          <a:prstGeom prst="rect">
+            <a:avLst/>
+          </a:prstGeom>
+          <a:solidFill>
+            <a:schemeClr val="tx1">
+              <a:lumMod val="65000"/>
+              <a:lumOff val="35000"/>
+            </a:schemeClr>
+          </a:solidFill>
+          <a:ln>
+            <a:noFill/>
+          </a:ln>
+        </p:spPr>
+        <p:style>
+          <a:lnRef idx="2">
+            <a:schemeClr val="accent1">
+              <a:shade val="50000"/>
+            </a:schemeClr>
+          </a:lnRef>
+          <a:fillRef idx="1">
+            <a:schemeClr val="accent1"/>
+          </a:fillRef>
+          <a:effectRef idx="0">
+            <a:schemeClr val="accent1"/>
+          </a:effectRef>
+          <a:fontRef idx="minor">
+            <a:schemeClr val="lt1"/>
+          </a:fontRef>
+        </p:style>
+        <p:txBody>
+          <a:bodyPr rtlCol="0" anchor="ctr"/>
+          <a:lstStyle/>
+          <a:p>
+            <a:pPr algn="ctr"/>
+            <a:endParaRPr lang="zh-CN" altLang="en-US"/>
+          </a:p>
+        </p:txBody>
+      </p:sp>
+      <p:sp>
+        <p:nvSpPr>
+          <p:cNvPr id="13" name="矩形 12"/>
+          <p:cNvSpPr/>
+          <p:nvPr/>
+        </p:nvSpPr>
+        <p:spPr>
+          <a:xfrm>
+            <a:off x="11019831" y="912444"/>
+            <a:ext cx="944880" cy="103556"/>
+          </a:xfrm>
+          <a:prstGeom prst="rect">
+            <a:avLst/>
+          </a:prstGeom>
+          <a:solidFill>
+            <a:schemeClr val="tx1">
+              <a:lumMod val="65000"/>
+              <a:lumOff val="35000"/>
+            </a:schemeClr>
+          </a:solidFill>
+          <a:ln>
+            <a:noFill/>
+          </a:ln>
+        </p:spPr>
+        <p:style>
+          <a:lnRef idx="2">
+            <a:schemeClr val="accent1">
+              <a:shade val="50000"/>
+            </a:schemeClr>
+          </a:lnRef>
+          <a:fillRef idx="1">
+            <a:schemeClr val="accent1"/>
+          </a:fillRef>
+          <a:effectRef idx="0">
+            <a:schemeClr val="accent1"/>
+          </a:effectRef>
+          <a:fontRef idx="minor">
+            <a:schemeClr val="lt1"/>
+          </a:fontRef>
+        </p:style>
+        <p:txBody>
+          <a:bodyPr rtlCol="0" anchor="ctr"/>
+          <a:lstStyle/>
+          <a:p>
+            <a:pPr algn="ctr"/>
+            <a:endParaRPr lang="zh-CN" altLang="en-US"/>
+          </a:p>
+        </p:txBody>
+      </p:sp>
+      <p:sp>
+        <p:nvSpPr>
+          <p:cNvPr id="14" name="矩形 13"/>
+          <p:cNvSpPr/>
+          <p:nvPr/>
+        </p:nvSpPr>
+        <p:spPr>
+          <a:xfrm>
+            <a:off x="8885357" y="814112"/>
+            <a:ext cx="944880" cy="220253"/>
+          </a:xfrm>
+          <a:prstGeom prst="rect">
+            <a:avLst/>
+          </a:prstGeom>
+          <a:solidFill>
+            <a:srgbClr val="BE1007"/>
+          </a:solidFill>
+          <a:ln>
+            <a:noFill/>
+          </a:ln>
+        </p:spPr>
+        <p:style>
+          <a:lnRef idx="2">
+            <a:schemeClr val="accent1">
+              <a:shade val="50000"/>
+            </a:schemeClr>
+          </a:lnRef>
+          <a:fillRef idx="1">
+            <a:schemeClr val="accent1"/>
+          </a:fillRef>
+          <a:effectRef idx="0">
+            <a:schemeClr val="accent1"/>
+          </a:effectRef>
+          <a:fontRef idx="minor">
+            <a:schemeClr val="lt1"/>
+          </a:fontRef>
+        </p:style>
+        <p:txBody>
+          <a:bodyPr rtlCol="0" anchor="ctr"/>
+          <a:lstStyle/>
+          <a:p>
+            <a:pPr algn="ctr"/>
+            <a:endParaRPr lang="zh-CN" altLang="en-US"/>
+          </a:p>
+        </p:txBody>
+      </p:sp>
+    </p:spTree>
+  </p:cSld>
+  <p:clrMapOvr>
+    <a:masterClrMapping/>
+  </p:clrMapOvr>
+</p:sld>
+</file>
+
+<file path=ppt/slides/slide31.xml><?xml version="1.0" encoding="utf-8"?>
 <p:sld xmlns:a="http://schemas.openxmlformats.org/drawingml/2006/main" xmlns:r="http://schemas.openxmlformats.org/officeDocument/2006/relationships" xmlns:p="http://schemas.openxmlformats.org/presentationml/2006/main">
   <p:cSld>
     <p:spTree>
@@ -39724,7 +40341,7 @@
 </p:sld>
 </file>
 
-<file path=ppt/slides/slide31.xml><?xml version="1.0" encoding="utf-8"?>
+<file path=ppt/slides/slide32.xml><?xml version="1.0" encoding="utf-8"?>
 <p:sld xmlns:a="http://schemas.openxmlformats.org/drawingml/2006/main" xmlns:r="http://schemas.openxmlformats.org/officeDocument/2006/relationships" xmlns:p="http://schemas.openxmlformats.org/presentationml/2006/main">
   <p:cSld>
     <p:spTree>
@@ -40399,7 +41016,7 @@
 </p:sld>
 </file>
 
-<file path=ppt/slides/slide32.xml><?xml version="1.0" encoding="utf-8"?>
+<file path=ppt/slides/slide33.xml><?xml version="1.0" encoding="utf-8"?>
 <p:sld xmlns:a="http://schemas.openxmlformats.org/drawingml/2006/main" xmlns:r="http://schemas.openxmlformats.org/officeDocument/2006/relationships" xmlns:p="http://schemas.openxmlformats.org/presentationml/2006/main">
   <p:cSld>
     <p:spTree>
@@ -40822,613 +41439,6 @@
         <p:grpSpPr>
           <a:xfrm>
             <a:off x="5700627" y="616561"/>
-            <a:ext cx="491490" cy="318085"/>
-            <a:chOff x="3017520" y="601990"/>
-            <a:chExt cx="491490" cy="414010"/>
-          </a:xfrm>
-        </p:grpSpPr>
-        <p:sp>
-          <p:nvSpPr>
-            <p:cNvPr id="14" name="燕尾形 13"/>
-            <p:cNvSpPr/>
-            <p:nvPr/>
-          </p:nvSpPr>
-          <p:spPr>
-            <a:xfrm>
-              <a:off x="3017520" y="601990"/>
-              <a:ext cx="198120" cy="414010"/>
-            </a:xfrm>
-            <a:prstGeom prst="chevron">
-              <a:avLst/>
-            </a:prstGeom>
-            <a:solidFill>
-              <a:srgbClr val="F5715B"/>
-            </a:solidFill>
-            <a:ln>
-              <a:noFill/>
-            </a:ln>
-          </p:spPr>
-          <p:style>
-            <a:lnRef idx="2">
-              <a:schemeClr val="accent1">
-                <a:shade val="50000"/>
-              </a:schemeClr>
-            </a:lnRef>
-            <a:fillRef idx="1">
-              <a:schemeClr val="accent1"/>
-            </a:fillRef>
-            <a:effectRef idx="0">
-              <a:schemeClr val="accent1"/>
-            </a:effectRef>
-            <a:fontRef idx="minor">
-              <a:schemeClr val="lt1"/>
-            </a:fontRef>
-          </p:style>
-          <p:txBody>
-            <a:bodyPr rtlCol="0" anchor="ctr"/>
-            <a:lstStyle/>
-            <a:p>
-              <a:pPr algn="ctr"/>
-              <a:endParaRPr lang="zh-CN" altLang="en-US">
-                <a:solidFill>
-                  <a:schemeClr val="tx1"/>
-                </a:solidFill>
-              </a:endParaRPr>
-            </a:p>
-          </p:txBody>
-        </p:sp>
-        <p:sp>
-          <p:nvSpPr>
-            <p:cNvPr id="15" name="燕尾形 14"/>
-            <p:cNvSpPr/>
-            <p:nvPr/>
-          </p:nvSpPr>
-          <p:spPr>
-            <a:xfrm>
-              <a:off x="3164205" y="601990"/>
-              <a:ext cx="198120" cy="414010"/>
-            </a:xfrm>
-            <a:prstGeom prst="chevron">
-              <a:avLst/>
-            </a:prstGeom>
-            <a:solidFill>
-              <a:srgbClr val="F93D32"/>
-            </a:solidFill>
-            <a:ln>
-              <a:noFill/>
-            </a:ln>
-          </p:spPr>
-          <p:style>
-            <a:lnRef idx="2">
-              <a:schemeClr val="accent1">
-                <a:shade val="50000"/>
-              </a:schemeClr>
-            </a:lnRef>
-            <a:fillRef idx="1">
-              <a:schemeClr val="accent1"/>
-            </a:fillRef>
-            <a:effectRef idx="0">
-              <a:schemeClr val="accent1"/>
-            </a:effectRef>
-            <a:fontRef idx="minor">
-              <a:schemeClr val="lt1"/>
-            </a:fontRef>
-          </p:style>
-          <p:txBody>
-            <a:bodyPr rtlCol="0" anchor="ctr"/>
-            <a:lstStyle/>
-            <a:p>
-              <a:pPr algn="ctr"/>
-              <a:endParaRPr lang="zh-CN" altLang="en-US">
-                <a:solidFill>
-                  <a:schemeClr val="tx1"/>
-                </a:solidFill>
-              </a:endParaRPr>
-            </a:p>
-          </p:txBody>
-        </p:sp>
-        <p:sp>
-          <p:nvSpPr>
-            <p:cNvPr id="16" name="燕尾形 15"/>
-            <p:cNvSpPr/>
-            <p:nvPr/>
-          </p:nvSpPr>
-          <p:spPr>
-            <a:xfrm>
-              <a:off x="3310890" y="601990"/>
-              <a:ext cx="198120" cy="414010"/>
-            </a:xfrm>
-            <a:prstGeom prst="chevron">
-              <a:avLst/>
-            </a:prstGeom>
-            <a:solidFill>
-              <a:srgbClr val="B82E24"/>
-            </a:solidFill>
-            <a:ln>
-              <a:noFill/>
-            </a:ln>
-          </p:spPr>
-          <p:style>
-            <a:lnRef idx="2">
-              <a:schemeClr val="accent1">
-                <a:shade val="50000"/>
-              </a:schemeClr>
-            </a:lnRef>
-            <a:fillRef idx="1">
-              <a:schemeClr val="accent1"/>
-            </a:fillRef>
-            <a:effectRef idx="0">
-              <a:schemeClr val="accent1"/>
-            </a:effectRef>
-            <a:fontRef idx="minor">
-              <a:schemeClr val="lt1"/>
-            </a:fontRef>
-          </p:style>
-          <p:txBody>
-            <a:bodyPr rtlCol="0" anchor="ctr"/>
-            <a:lstStyle/>
-            <a:p>
-              <a:pPr algn="ctr"/>
-              <a:endParaRPr lang="zh-CN" altLang="en-US">
-                <a:solidFill>
-                  <a:schemeClr val="tx1"/>
-                </a:solidFill>
-              </a:endParaRPr>
-            </a:p>
-          </p:txBody>
-        </p:sp>
-      </p:grpSp>
-    </p:spTree>
-  </p:cSld>
-  <p:clrMapOvr>
-    <a:masterClrMapping/>
-  </p:clrMapOvr>
-</p:sld>
-</file>
-
-<file path=ppt/slides/slide33.xml><?xml version="1.0" encoding="utf-8"?>
-<p:sld xmlns:a="http://schemas.openxmlformats.org/drawingml/2006/main" xmlns:r="http://schemas.openxmlformats.org/officeDocument/2006/relationships" xmlns:p="http://schemas.openxmlformats.org/presentationml/2006/main">
-  <p:cSld>
-    <p:spTree>
-      <p:nvGrpSpPr>
-        <p:cNvPr id="1" name=""/>
-        <p:cNvGrpSpPr/>
-        <p:nvPr/>
-      </p:nvGrpSpPr>
-      <p:grpSpPr>
-        <a:xfrm>
-          <a:off x="0" y="0"/>
-          <a:ext cx="0" cy="0"/>
-          <a:chOff x="0" y="0"/>
-          <a:chExt cx="0" cy="0"/>
-        </a:xfrm>
-      </p:grpSpPr>
-      <p:pic>
-        <p:nvPicPr>
-          <p:cNvPr id="4" name="Picture 3"/>
-          <p:cNvPicPr>
-            <a:picLocks noChangeAspect="1" noChangeArrowheads="1"/>
-          </p:cNvPicPr>
-          <p:nvPr/>
-        </p:nvPicPr>
-        <p:blipFill>
-          <a:blip r:embed="rId1"/>
-          <a:srcRect l="4101" t="3750" r="13281" b="24062"/>
-          <a:stretch>
-            <a:fillRect/>
-          </a:stretch>
-        </p:blipFill>
-        <p:spPr bwMode="auto">
-          <a:xfrm>
-            <a:off x="1952596" y="1603900"/>
-            <a:ext cx="8286808" cy="4525420"/>
-          </a:xfrm>
-          <a:prstGeom prst="rect">
-            <a:avLst/>
-          </a:prstGeom>
-          <a:noFill/>
-          <a:ln w="9525">
-            <a:noFill/>
-            <a:miter lim="800000"/>
-            <a:headEnd/>
-            <a:tailEnd/>
-          </a:ln>
-          <a:effectLst/>
-        </p:spPr>
-      </p:pic>
-      <p:sp>
-        <p:nvSpPr>
-          <p:cNvPr id="5" name="椭圆 4"/>
-          <p:cNvSpPr/>
-          <p:nvPr/>
-        </p:nvSpPr>
-        <p:spPr>
-          <a:xfrm>
-            <a:off x="7024694" y="2214554"/>
-            <a:ext cx="2357454" cy="1143008"/>
-          </a:xfrm>
-          <a:prstGeom prst="ellipse">
-            <a:avLst/>
-          </a:prstGeom>
-          <a:noFill/>
-          <a:ln>
-            <a:solidFill>
-              <a:srgbClr val="FF0000"/>
-            </a:solidFill>
-          </a:ln>
-        </p:spPr>
-        <p:style>
-          <a:lnRef idx="2">
-            <a:schemeClr val="accent2"/>
-          </a:lnRef>
-          <a:fillRef idx="1">
-            <a:schemeClr val="lt1"/>
-          </a:fillRef>
-          <a:effectRef idx="0">
-            <a:schemeClr val="accent2"/>
-          </a:effectRef>
-          <a:fontRef idx="minor">
-            <a:schemeClr val="dk1"/>
-          </a:fontRef>
-        </p:style>
-        <p:txBody>
-          <a:bodyPr rtlCol="0" anchor="ctr"/>
-          <a:lstStyle/>
-          <a:p>
-            <a:pPr algn="ctr"/>
-            <a:endParaRPr lang="zh-CN" altLang="en-US"/>
-          </a:p>
-        </p:txBody>
-      </p:sp>
-      <p:sp>
-        <p:nvSpPr>
-          <p:cNvPr id="6" name="文本框 5"/>
-          <p:cNvSpPr txBox="1"/>
-          <p:nvPr/>
-        </p:nvSpPr>
-        <p:spPr>
-          <a:xfrm>
-            <a:off x="274320" y="449590"/>
-            <a:ext cx="4405373" cy="584775"/>
-          </a:xfrm>
-          <a:prstGeom prst="rect">
-            <a:avLst/>
-          </a:prstGeom>
-          <a:noFill/>
-        </p:spPr>
-        <p:txBody>
-          <a:bodyPr wrap="none" rtlCol="0">
-            <a:spAutoFit/>
-          </a:bodyPr>
-          <a:lstStyle/>
-          <a:p>
-            <a:r>
-              <a:rPr lang="zh-CN" altLang="en-US" sz="3200" b="1" dirty="0">
-                <a:solidFill>
-                  <a:srgbClr val="141316"/>
-                </a:solidFill>
-                <a:latin typeface="微软雅黑" panose="020B0503020204020204" pitchFamily="34" charset="-122"/>
-                <a:ea typeface="微软雅黑" panose="020B0503020204020204" pitchFamily="34" charset="-122"/>
-              </a:rPr>
-              <a:t>高级话题</a:t>
-            </a:r>
-            <a:r>
-              <a:rPr lang="en-US" altLang="zh-CN" sz="3200" b="1" dirty="0">
-                <a:solidFill>
-                  <a:srgbClr val="141316"/>
-                </a:solidFill>
-                <a:latin typeface="微软雅黑" panose="020B0503020204020204" pitchFamily="34" charset="-122"/>
-                <a:ea typeface="微软雅黑" panose="020B0503020204020204" pitchFamily="34" charset="-122"/>
-              </a:rPr>
-              <a:t>:</a:t>
-            </a:r>
-            <a:r>
-              <a:rPr lang="zh-CN" altLang="en-US" sz="3200" b="1" dirty="0">
-                <a:solidFill>
-                  <a:srgbClr val="141316"/>
-                </a:solidFill>
-                <a:latin typeface="微软雅黑" panose="020B0503020204020204" pitchFamily="34" charset="-122"/>
-                <a:ea typeface="微软雅黑" panose="020B0503020204020204" pitchFamily="34" charset="-122"/>
-              </a:rPr>
-              <a:t>完善用例描述</a:t>
-            </a:r>
-            <a:endParaRPr lang="zh-CN" altLang="en-US" sz="3200" b="1" dirty="0">
-              <a:solidFill>
-                <a:srgbClr val="141316"/>
-              </a:solidFill>
-              <a:latin typeface="微软雅黑" panose="020B0503020204020204" pitchFamily="34" charset="-122"/>
-              <a:ea typeface="微软雅黑" panose="020B0503020204020204" pitchFamily="34" charset="-122"/>
-            </a:endParaRPr>
-          </a:p>
-        </p:txBody>
-      </p:sp>
-      <p:cxnSp>
-        <p:nvCxnSpPr>
-          <p:cNvPr id="7" name="直接连接符 6"/>
-          <p:cNvCxnSpPr/>
-          <p:nvPr/>
-        </p:nvCxnSpPr>
-        <p:spPr>
-          <a:xfrm>
-            <a:off x="0" y="1019125"/>
-            <a:ext cx="12192000" cy="0"/>
-          </a:xfrm>
-          <a:prstGeom prst="line">
-            <a:avLst/>
-          </a:prstGeom>
-          <a:ln>
-            <a:solidFill>
-              <a:srgbClr val="B82E24"/>
-            </a:solidFill>
-            <a:prstDash val="solid"/>
-          </a:ln>
-        </p:spPr>
-        <p:style>
-          <a:lnRef idx="1">
-            <a:schemeClr val="accent1"/>
-          </a:lnRef>
-          <a:fillRef idx="0">
-            <a:schemeClr val="accent1"/>
-          </a:fillRef>
-          <a:effectRef idx="0">
-            <a:schemeClr val="accent1"/>
-          </a:effectRef>
-          <a:fontRef idx="minor">
-            <a:schemeClr val="tx1"/>
-          </a:fontRef>
-        </p:style>
-      </p:cxnSp>
-      <p:sp>
-        <p:nvSpPr>
-          <p:cNvPr id="8" name="矩形 7"/>
-          <p:cNvSpPr/>
-          <p:nvPr/>
-        </p:nvSpPr>
-        <p:spPr>
-          <a:xfrm>
-            <a:off x="7818120" y="912444"/>
-            <a:ext cx="944880" cy="103556"/>
-          </a:xfrm>
-          <a:prstGeom prst="rect">
-            <a:avLst/>
-          </a:prstGeom>
-          <a:solidFill>
-            <a:schemeClr val="tx1">
-              <a:lumMod val="65000"/>
-              <a:lumOff val="35000"/>
-            </a:schemeClr>
-          </a:solidFill>
-          <a:ln>
-            <a:noFill/>
-          </a:ln>
-        </p:spPr>
-        <p:style>
-          <a:lnRef idx="2">
-            <a:schemeClr val="accent1">
-              <a:shade val="50000"/>
-            </a:schemeClr>
-          </a:lnRef>
-          <a:fillRef idx="1">
-            <a:schemeClr val="accent1"/>
-          </a:fillRef>
-          <a:effectRef idx="0">
-            <a:schemeClr val="accent1"/>
-          </a:effectRef>
-          <a:fontRef idx="minor">
-            <a:schemeClr val="lt1"/>
-          </a:fontRef>
-        </p:style>
-        <p:txBody>
-          <a:bodyPr rtlCol="0" anchor="ctr"/>
-          <a:lstStyle/>
-          <a:p>
-            <a:pPr algn="ctr"/>
-            <a:endParaRPr lang="zh-CN" altLang="en-US"/>
-          </a:p>
-        </p:txBody>
-      </p:sp>
-      <p:sp>
-        <p:nvSpPr>
-          <p:cNvPr id="9" name="矩形 8"/>
-          <p:cNvSpPr/>
-          <p:nvPr/>
-        </p:nvSpPr>
-        <p:spPr>
-          <a:xfrm>
-            <a:off x="8885357" y="912444"/>
-            <a:ext cx="944880" cy="103556"/>
-          </a:xfrm>
-          <a:prstGeom prst="rect">
-            <a:avLst/>
-          </a:prstGeom>
-          <a:solidFill>
-            <a:schemeClr val="tx1">
-              <a:lumMod val="65000"/>
-              <a:lumOff val="35000"/>
-            </a:schemeClr>
-          </a:solidFill>
-          <a:ln>
-            <a:noFill/>
-          </a:ln>
-        </p:spPr>
-        <p:style>
-          <a:lnRef idx="2">
-            <a:schemeClr val="accent1">
-              <a:shade val="50000"/>
-            </a:schemeClr>
-          </a:lnRef>
-          <a:fillRef idx="1">
-            <a:schemeClr val="accent1"/>
-          </a:fillRef>
-          <a:effectRef idx="0">
-            <a:schemeClr val="accent1"/>
-          </a:effectRef>
-          <a:fontRef idx="minor">
-            <a:schemeClr val="lt1"/>
-          </a:fontRef>
-        </p:style>
-        <p:txBody>
-          <a:bodyPr rtlCol="0" anchor="ctr"/>
-          <a:lstStyle/>
-          <a:p>
-            <a:pPr algn="ctr"/>
-            <a:endParaRPr lang="zh-CN" altLang="en-US"/>
-          </a:p>
-        </p:txBody>
-      </p:sp>
-      <p:sp>
-        <p:nvSpPr>
-          <p:cNvPr id="10" name="矩形 9"/>
-          <p:cNvSpPr/>
-          <p:nvPr/>
-        </p:nvSpPr>
-        <p:spPr>
-          <a:xfrm>
-            <a:off x="9952594" y="912444"/>
-            <a:ext cx="944880" cy="103556"/>
-          </a:xfrm>
-          <a:prstGeom prst="rect">
-            <a:avLst/>
-          </a:prstGeom>
-          <a:solidFill>
-            <a:schemeClr val="tx1">
-              <a:lumMod val="65000"/>
-              <a:lumOff val="35000"/>
-            </a:schemeClr>
-          </a:solidFill>
-          <a:ln>
-            <a:noFill/>
-          </a:ln>
-        </p:spPr>
-        <p:style>
-          <a:lnRef idx="2">
-            <a:schemeClr val="accent1">
-              <a:shade val="50000"/>
-            </a:schemeClr>
-          </a:lnRef>
-          <a:fillRef idx="1">
-            <a:schemeClr val="accent1"/>
-          </a:fillRef>
-          <a:effectRef idx="0">
-            <a:schemeClr val="accent1"/>
-          </a:effectRef>
-          <a:fontRef idx="minor">
-            <a:schemeClr val="lt1"/>
-          </a:fontRef>
-        </p:style>
-        <p:txBody>
-          <a:bodyPr rtlCol="0" anchor="ctr"/>
-          <a:lstStyle/>
-          <a:p>
-            <a:pPr algn="ctr"/>
-            <a:endParaRPr lang="zh-CN" altLang="en-US"/>
-          </a:p>
-        </p:txBody>
-      </p:sp>
-      <p:sp>
-        <p:nvSpPr>
-          <p:cNvPr id="11" name="矩形 10"/>
-          <p:cNvSpPr/>
-          <p:nvPr/>
-        </p:nvSpPr>
-        <p:spPr>
-          <a:xfrm>
-            <a:off x="11019831" y="912444"/>
-            <a:ext cx="944880" cy="103556"/>
-          </a:xfrm>
-          <a:prstGeom prst="rect">
-            <a:avLst/>
-          </a:prstGeom>
-          <a:solidFill>
-            <a:schemeClr val="tx1">
-              <a:lumMod val="65000"/>
-              <a:lumOff val="35000"/>
-            </a:schemeClr>
-          </a:solidFill>
-          <a:ln>
-            <a:noFill/>
-          </a:ln>
-        </p:spPr>
-        <p:style>
-          <a:lnRef idx="2">
-            <a:schemeClr val="accent1">
-              <a:shade val="50000"/>
-            </a:schemeClr>
-          </a:lnRef>
-          <a:fillRef idx="1">
-            <a:schemeClr val="accent1"/>
-          </a:fillRef>
-          <a:effectRef idx="0">
-            <a:schemeClr val="accent1"/>
-          </a:effectRef>
-          <a:fontRef idx="minor">
-            <a:schemeClr val="lt1"/>
-          </a:fontRef>
-        </p:style>
-        <p:txBody>
-          <a:bodyPr rtlCol="0" anchor="ctr"/>
-          <a:lstStyle/>
-          <a:p>
-            <a:pPr algn="ctr"/>
-            <a:endParaRPr lang="zh-CN" altLang="en-US"/>
-          </a:p>
-        </p:txBody>
-      </p:sp>
-      <p:sp>
-        <p:nvSpPr>
-          <p:cNvPr id="12" name="矩形 11"/>
-          <p:cNvSpPr/>
-          <p:nvPr/>
-        </p:nvSpPr>
-        <p:spPr>
-          <a:xfrm>
-            <a:off x="9958956" y="796875"/>
-            <a:ext cx="944880" cy="220253"/>
-          </a:xfrm>
-          <a:prstGeom prst="rect">
-            <a:avLst/>
-          </a:prstGeom>
-          <a:solidFill>
-            <a:srgbClr val="BE1007"/>
-          </a:solidFill>
-          <a:ln>
-            <a:noFill/>
-          </a:ln>
-        </p:spPr>
-        <p:style>
-          <a:lnRef idx="2">
-            <a:schemeClr val="accent1">
-              <a:shade val="50000"/>
-            </a:schemeClr>
-          </a:lnRef>
-          <a:fillRef idx="1">
-            <a:schemeClr val="accent1"/>
-          </a:fillRef>
-          <a:effectRef idx="0">
-            <a:schemeClr val="accent1"/>
-          </a:effectRef>
-          <a:fontRef idx="minor">
-            <a:schemeClr val="lt1"/>
-          </a:fontRef>
-        </p:style>
-        <p:txBody>
-          <a:bodyPr rtlCol="0" anchor="ctr"/>
-          <a:lstStyle/>
-          <a:p>
-            <a:pPr algn="ctr"/>
-            <a:endParaRPr lang="zh-CN" altLang="en-US"/>
-          </a:p>
-        </p:txBody>
-      </p:sp>
-      <p:grpSp>
-        <p:nvGrpSpPr>
-          <p:cNvPr id="13" name="组合 12"/>
-          <p:cNvGrpSpPr/>
-          <p:nvPr/>
-        </p:nvGrpSpPr>
-        <p:grpSpPr>
-          <a:xfrm>
-            <a:off x="4679693" y="618853"/>
             <a:ext cx="491490" cy="318085"/>
             <a:chOff x="3017520" y="601990"/>
             <a:chExt cx="491490" cy="414010"/>
@@ -41612,6 +41622,613 @@
       </p:grpSpPr>
       <p:pic>
         <p:nvPicPr>
+          <p:cNvPr id="4" name="Picture 3"/>
+          <p:cNvPicPr>
+            <a:picLocks noChangeAspect="1" noChangeArrowheads="1"/>
+          </p:cNvPicPr>
+          <p:nvPr/>
+        </p:nvPicPr>
+        <p:blipFill>
+          <a:blip r:embed="rId1"/>
+          <a:srcRect l="4101" t="3750" r="13281" b="24062"/>
+          <a:stretch>
+            <a:fillRect/>
+          </a:stretch>
+        </p:blipFill>
+        <p:spPr bwMode="auto">
+          <a:xfrm>
+            <a:off x="1952596" y="1603900"/>
+            <a:ext cx="8286808" cy="4525420"/>
+          </a:xfrm>
+          <a:prstGeom prst="rect">
+            <a:avLst/>
+          </a:prstGeom>
+          <a:noFill/>
+          <a:ln w="9525">
+            <a:noFill/>
+            <a:miter lim="800000"/>
+            <a:headEnd/>
+            <a:tailEnd/>
+          </a:ln>
+          <a:effectLst/>
+        </p:spPr>
+      </p:pic>
+      <p:sp>
+        <p:nvSpPr>
+          <p:cNvPr id="5" name="椭圆 4"/>
+          <p:cNvSpPr/>
+          <p:nvPr/>
+        </p:nvSpPr>
+        <p:spPr>
+          <a:xfrm>
+            <a:off x="7024694" y="2214554"/>
+            <a:ext cx="2357454" cy="1143008"/>
+          </a:xfrm>
+          <a:prstGeom prst="ellipse">
+            <a:avLst/>
+          </a:prstGeom>
+          <a:noFill/>
+          <a:ln>
+            <a:solidFill>
+              <a:srgbClr val="FF0000"/>
+            </a:solidFill>
+          </a:ln>
+        </p:spPr>
+        <p:style>
+          <a:lnRef idx="2">
+            <a:schemeClr val="accent2"/>
+          </a:lnRef>
+          <a:fillRef idx="1">
+            <a:schemeClr val="lt1"/>
+          </a:fillRef>
+          <a:effectRef idx="0">
+            <a:schemeClr val="accent2"/>
+          </a:effectRef>
+          <a:fontRef idx="minor">
+            <a:schemeClr val="dk1"/>
+          </a:fontRef>
+        </p:style>
+        <p:txBody>
+          <a:bodyPr rtlCol="0" anchor="ctr"/>
+          <a:lstStyle/>
+          <a:p>
+            <a:pPr algn="ctr"/>
+            <a:endParaRPr lang="zh-CN" altLang="en-US"/>
+          </a:p>
+        </p:txBody>
+      </p:sp>
+      <p:sp>
+        <p:nvSpPr>
+          <p:cNvPr id="6" name="文本框 5"/>
+          <p:cNvSpPr txBox="1"/>
+          <p:nvPr/>
+        </p:nvSpPr>
+        <p:spPr>
+          <a:xfrm>
+            <a:off x="274320" y="449590"/>
+            <a:ext cx="4405373" cy="584775"/>
+          </a:xfrm>
+          <a:prstGeom prst="rect">
+            <a:avLst/>
+          </a:prstGeom>
+          <a:noFill/>
+        </p:spPr>
+        <p:txBody>
+          <a:bodyPr wrap="none" rtlCol="0">
+            <a:spAutoFit/>
+          </a:bodyPr>
+          <a:lstStyle/>
+          <a:p>
+            <a:r>
+              <a:rPr lang="zh-CN" altLang="en-US" sz="3200" b="1" dirty="0">
+                <a:solidFill>
+                  <a:srgbClr val="141316"/>
+                </a:solidFill>
+                <a:latin typeface="微软雅黑" panose="020B0503020204020204" pitchFamily="34" charset="-122"/>
+                <a:ea typeface="微软雅黑" panose="020B0503020204020204" pitchFamily="34" charset="-122"/>
+              </a:rPr>
+              <a:t>高级话题</a:t>
+            </a:r>
+            <a:r>
+              <a:rPr lang="en-US" altLang="zh-CN" sz="3200" b="1" dirty="0">
+                <a:solidFill>
+                  <a:srgbClr val="141316"/>
+                </a:solidFill>
+                <a:latin typeface="微软雅黑" panose="020B0503020204020204" pitchFamily="34" charset="-122"/>
+                <a:ea typeface="微软雅黑" panose="020B0503020204020204" pitchFamily="34" charset="-122"/>
+              </a:rPr>
+              <a:t>:</a:t>
+            </a:r>
+            <a:r>
+              <a:rPr lang="zh-CN" altLang="en-US" sz="3200" b="1" dirty="0">
+                <a:solidFill>
+                  <a:srgbClr val="141316"/>
+                </a:solidFill>
+                <a:latin typeface="微软雅黑" panose="020B0503020204020204" pitchFamily="34" charset="-122"/>
+                <a:ea typeface="微软雅黑" panose="020B0503020204020204" pitchFamily="34" charset="-122"/>
+              </a:rPr>
+              <a:t>完善用例描述</a:t>
+            </a:r>
+            <a:endParaRPr lang="zh-CN" altLang="en-US" sz="3200" b="1" dirty="0">
+              <a:solidFill>
+                <a:srgbClr val="141316"/>
+              </a:solidFill>
+              <a:latin typeface="微软雅黑" panose="020B0503020204020204" pitchFamily="34" charset="-122"/>
+              <a:ea typeface="微软雅黑" panose="020B0503020204020204" pitchFamily="34" charset="-122"/>
+            </a:endParaRPr>
+          </a:p>
+        </p:txBody>
+      </p:sp>
+      <p:cxnSp>
+        <p:nvCxnSpPr>
+          <p:cNvPr id="7" name="直接连接符 6"/>
+          <p:cNvCxnSpPr/>
+          <p:nvPr/>
+        </p:nvCxnSpPr>
+        <p:spPr>
+          <a:xfrm>
+            <a:off x="0" y="1019125"/>
+            <a:ext cx="12192000" cy="0"/>
+          </a:xfrm>
+          <a:prstGeom prst="line">
+            <a:avLst/>
+          </a:prstGeom>
+          <a:ln>
+            <a:solidFill>
+              <a:srgbClr val="B82E24"/>
+            </a:solidFill>
+            <a:prstDash val="solid"/>
+          </a:ln>
+        </p:spPr>
+        <p:style>
+          <a:lnRef idx="1">
+            <a:schemeClr val="accent1"/>
+          </a:lnRef>
+          <a:fillRef idx="0">
+            <a:schemeClr val="accent1"/>
+          </a:fillRef>
+          <a:effectRef idx="0">
+            <a:schemeClr val="accent1"/>
+          </a:effectRef>
+          <a:fontRef idx="minor">
+            <a:schemeClr val="tx1"/>
+          </a:fontRef>
+        </p:style>
+      </p:cxnSp>
+      <p:sp>
+        <p:nvSpPr>
+          <p:cNvPr id="8" name="矩形 7"/>
+          <p:cNvSpPr/>
+          <p:nvPr/>
+        </p:nvSpPr>
+        <p:spPr>
+          <a:xfrm>
+            <a:off x="7818120" y="912444"/>
+            <a:ext cx="944880" cy="103556"/>
+          </a:xfrm>
+          <a:prstGeom prst="rect">
+            <a:avLst/>
+          </a:prstGeom>
+          <a:solidFill>
+            <a:schemeClr val="tx1">
+              <a:lumMod val="65000"/>
+              <a:lumOff val="35000"/>
+            </a:schemeClr>
+          </a:solidFill>
+          <a:ln>
+            <a:noFill/>
+          </a:ln>
+        </p:spPr>
+        <p:style>
+          <a:lnRef idx="2">
+            <a:schemeClr val="accent1">
+              <a:shade val="50000"/>
+            </a:schemeClr>
+          </a:lnRef>
+          <a:fillRef idx="1">
+            <a:schemeClr val="accent1"/>
+          </a:fillRef>
+          <a:effectRef idx="0">
+            <a:schemeClr val="accent1"/>
+          </a:effectRef>
+          <a:fontRef idx="minor">
+            <a:schemeClr val="lt1"/>
+          </a:fontRef>
+        </p:style>
+        <p:txBody>
+          <a:bodyPr rtlCol="0" anchor="ctr"/>
+          <a:lstStyle/>
+          <a:p>
+            <a:pPr algn="ctr"/>
+            <a:endParaRPr lang="zh-CN" altLang="en-US"/>
+          </a:p>
+        </p:txBody>
+      </p:sp>
+      <p:sp>
+        <p:nvSpPr>
+          <p:cNvPr id="9" name="矩形 8"/>
+          <p:cNvSpPr/>
+          <p:nvPr/>
+        </p:nvSpPr>
+        <p:spPr>
+          <a:xfrm>
+            <a:off x="8885357" y="912444"/>
+            <a:ext cx="944880" cy="103556"/>
+          </a:xfrm>
+          <a:prstGeom prst="rect">
+            <a:avLst/>
+          </a:prstGeom>
+          <a:solidFill>
+            <a:schemeClr val="tx1">
+              <a:lumMod val="65000"/>
+              <a:lumOff val="35000"/>
+            </a:schemeClr>
+          </a:solidFill>
+          <a:ln>
+            <a:noFill/>
+          </a:ln>
+        </p:spPr>
+        <p:style>
+          <a:lnRef idx="2">
+            <a:schemeClr val="accent1">
+              <a:shade val="50000"/>
+            </a:schemeClr>
+          </a:lnRef>
+          <a:fillRef idx="1">
+            <a:schemeClr val="accent1"/>
+          </a:fillRef>
+          <a:effectRef idx="0">
+            <a:schemeClr val="accent1"/>
+          </a:effectRef>
+          <a:fontRef idx="minor">
+            <a:schemeClr val="lt1"/>
+          </a:fontRef>
+        </p:style>
+        <p:txBody>
+          <a:bodyPr rtlCol="0" anchor="ctr"/>
+          <a:lstStyle/>
+          <a:p>
+            <a:pPr algn="ctr"/>
+            <a:endParaRPr lang="zh-CN" altLang="en-US"/>
+          </a:p>
+        </p:txBody>
+      </p:sp>
+      <p:sp>
+        <p:nvSpPr>
+          <p:cNvPr id="10" name="矩形 9"/>
+          <p:cNvSpPr/>
+          <p:nvPr/>
+        </p:nvSpPr>
+        <p:spPr>
+          <a:xfrm>
+            <a:off x="9952594" y="912444"/>
+            <a:ext cx="944880" cy="103556"/>
+          </a:xfrm>
+          <a:prstGeom prst="rect">
+            <a:avLst/>
+          </a:prstGeom>
+          <a:solidFill>
+            <a:schemeClr val="tx1">
+              <a:lumMod val="65000"/>
+              <a:lumOff val="35000"/>
+            </a:schemeClr>
+          </a:solidFill>
+          <a:ln>
+            <a:noFill/>
+          </a:ln>
+        </p:spPr>
+        <p:style>
+          <a:lnRef idx="2">
+            <a:schemeClr val="accent1">
+              <a:shade val="50000"/>
+            </a:schemeClr>
+          </a:lnRef>
+          <a:fillRef idx="1">
+            <a:schemeClr val="accent1"/>
+          </a:fillRef>
+          <a:effectRef idx="0">
+            <a:schemeClr val="accent1"/>
+          </a:effectRef>
+          <a:fontRef idx="minor">
+            <a:schemeClr val="lt1"/>
+          </a:fontRef>
+        </p:style>
+        <p:txBody>
+          <a:bodyPr rtlCol="0" anchor="ctr"/>
+          <a:lstStyle/>
+          <a:p>
+            <a:pPr algn="ctr"/>
+            <a:endParaRPr lang="zh-CN" altLang="en-US"/>
+          </a:p>
+        </p:txBody>
+      </p:sp>
+      <p:sp>
+        <p:nvSpPr>
+          <p:cNvPr id="11" name="矩形 10"/>
+          <p:cNvSpPr/>
+          <p:nvPr/>
+        </p:nvSpPr>
+        <p:spPr>
+          <a:xfrm>
+            <a:off x="11019831" y="912444"/>
+            <a:ext cx="944880" cy="103556"/>
+          </a:xfrm>
+          <a:prstGeom prst="rect">
+            <a:avLst/>
+          </a:prstGeom>
+          <a:solidFill>
+            <a:schemeClr val="tx1">
+              <a:lumMod val="65000"/>
+              <a:lumOff val="35000"/>
+            </a:schemeClr>
+          </a:solidFill>
+          <a:ln>
+            <a:noFill/>
+          </a:ln>
+        </p:spPr>
+        <p:style>
+          <a:lnRef idx="2">
+            <a:schemeClr val="accent1">
+              <a:shade val="50000"/>
+            </a:schemeClr>
+          </a:lnRef>
+          <a:fillRef idx="1">
+            <a:schemeClr val="accent1"/>
+          </a:fillRef>
+          <a:effectRef idx="0">
+            <a:schemeClr val="accent1"/>
+          </a:effectRef>
+          <a:fontRef idx="minor">
+            <a:schemeClr val="lt1"/>
+          </a:fontRef>
+        </p:style>
+        <p:txBody>
+          <a:bodyPr rtlCol="0" anchor="ctr"/>
+          <a:lstStyle/>
+          <a:p>
+            <a:pPr algn="ctr"/>
+            <a:endParaRPr lang="zh-CN" altLang="en-US"/>
+          </a:p>
+        </p:txBody>
+      </p:sp>
+      <p:sp>
+        <p:nvSpPr>
+          <p:cNvPr id="12" name="矩形 11"/>
+          <p:cNvSpPr/>
+          <p:nvPr/>
+        </p:nvSpPr>
+        <p:spPr>
+          <a:xfrm>
+            <a:off x="9958956" y="796875"/>
+            <a:ext cx="944880" cy="220253"/>
+          </a:xfrm>
+          <a:prstGeom prst="rect">
+            <a:avLst/>
+          </a:prstGeom>
+          <a:solidFill>
+            <a:srgbClr val="BE1007"/>
+          </a:solidFill>
+          <a:ln>
+            <a:noFill/>
+          </a:ln>
+        </p:spPr>
+        <p:style>
+          <a:lnRef idx="2">
+            <a:schemeClr val="accent1">
+              <a:shade val="50000"/>
+            </a:schemeClr>
+          </a:lnRef>
+          <a:fillRef idx="1">
+            <a:schemeClr val="accent1"/>
+          </a:fillRef>
+          <a:effectRef idx="0">
+            <a:schemeClr val="accent1"/>
+          </a:effectRef>
+          <a:fontRef idx="minor">
+            <a:schemeClr val="lt1"/>
+          </a:fontRef>
+        </p:style>
+        <p:txBody>
+          <a:bodyPr rtlCol="0" anchor="ctr"/>
+          <a:lstStyle/>
+          <a:p>
+            <a:pPr algn="ctr"/>
+            <a:endParaRPr lang="zh-CN" altLang="en-US"/>
+          </a:p>
+        </p:txBody>
+      </p:sp>
+      <p:grpSp>
+        <p:nvGrpSpPr>
+          <p:cNvPr id="13" name="组合 12"/>
+          <p:cNvGrpSpPr/>
+          <p:nvPr/>
+        </p:nvGrpSpPr>
+        <p:grpSpPr>
+          <a:xfrm>
+            <a:off x="4679693" y="618853"/>
+            <a:ext cx="491490" cy="318085"/>
+            <a:chOff x="3017520" y="601990"/>
+            <a:chExt cx="491490" cy="414010"/>
+          </a:xfrm>
+        </p:grpSpPr>
+        <p:sp>
+          <p:nvSpPr>
+            <p:cNvPr id="14" name="燕尾形 13"/>
+            <p:cNvSpPr/>
+            <p:nvPr/>
+          </p:nvSpPr>
+          <p:spPr>
+            <a:xfrm>
+              <a:off x="3017520" y="601990"/>
+              <a:ext cx="198120" cy="414010"/>
+            </a:xfrm>
+            <a:prstGeom prst="chevron">
+              <a:avLst/>
+            </a:prstGeom>
+            <a:solidFill>
+              <a:srgbClr val="F5715B"/>
+            </a:solidFill>
+            <a:ln>
+              <a:noFill/>
+            </a:ln>
+          </p:spPr>
+          <p:style>
+            <a:lnRef idx="2">
+              <a:schemeClr val="accent1">
+                <a:shade val="50000"/>
+              </a:schemeClr>
+            </a:lnRef>
+            <a:fillRef idx="1">
+              <a:schemeClr val="accent1"/>
+            </a:fillRef>
+            <a:effectRef idx="0">
+              <a:schemeClr val="accent1"/>
+            </a:effectRef>
+            <a:fontRef idx="minor">
+              <a:schemeClr val="lt1"/>
+            </a:fontRef>
+          </p:style>
+          <p:txBody>
+            <a:bodyPr rtlCol="0" anchor="ctr"/>
+            <a:lstStyle/>
+            <a:p>
+              <a:pPr algn="ctr"/>
+              <a:endParaRPr lang="zh-CN" altLang="en-US">
+                <a:solidFill>
+                  <a:schemeClr val="tx1"/>
+                </a:solidFill>
+              </a:endParaRPr>
+            </a:p>
+          </p:txBody>
+        </p:sp>
+        <p:sp>
+          <p:nvSpPr>
+            <p:cNvPr id="15" name="燕尾形 14"/>
+            <p:cNvSpPr/>
+            <p:nvPr/>
+          </p:nvSpPr>
+          <p:spPr>
+            <a:xfrm>
+              <a:off x="3164205" y="601990"/>
+              <a:ext cx="198120" cy="414010"/>
+            </a:xfrm>
+            <a:prstGeom prst="chevron">
+              <a:avLst/>
+            </a:prstGeom>
+            <a:solidFill>
+              <a:srgbClr val="F93D32"/>
+            </a:solidFill>
+            <a:ln>
+              <a:noFill/>
+            </a:ln>
+          </p:spPr>
+          <p:style>
+            <a:lnRef idx="2">
+              <a:schemeClr val="accent1">
+                <a:shade val="50000"/>
+              </a:schemeClr>
+            </a:lnRef>
+            <a:fillRef idx="1">
+              <a:schemeClr val="accent1"/>
+            </a:fillRef>
+            <a:effectRef idx="0">
+              <a:schemeClr val="accent1"/>
+            </a:effectRef>
+            <a:fontRef idx="minor">
+              <a:schemeClr val="lt1"/>
+            </a:fontRef>
+          </p:style>
+          <p:txBody>
+            <a:bodyPr rtlCol="0" anchor="ctr"/>
+            <a:lstStyle/>
+            <a:p>
+              <a:pPr algn="ctr"/>
+              <a:endParaRPr lang="zh-CN" altLang="en-US">
+                <a:solidFill>
+                  <a:schemeClr val="tx1"/>
+                </a:solidFill>
+              </a:endParaRPr>
+            </a:p>
+          </p:txBody>
+        </p:sp>
+        <p:sp>
+          <p:nvSpPr>
+            <p:cNvPr id="16" name="燕尾形 15"/>
+            <p:cNvSpPr/>
+            <p:nvPr/>
+          </p:nvSpPr>
+          <p:spPr>
+            <a:xfrm>
+              <a:off x="3310890" y="601990"/>
+              <a:ext cx="198120" cy="414010"/>
+            </a:xfrm>
+            <a:prstGeom prst="chevron">
+              <a:avLst/>
+            </a:prstGeom>
+            <a:solidFill>
+              <a:srgbClr val="B82E24"/>
+            </a:solidFill>
+            <a:ln>
+              <a:noFill/>
+            </a:ln>
+          </p:spPr>
+          <p:style>
+            <a:lnRef idx="2">
+              <a:schemeClr val="accent1">
+                <a:shade val="50000"/>
+              </a:schemeClr>
+            </a:lnRef>
+            <a:fillRef idx="1">
+              <a:schemeClr val="accent1"/>
+            </a:fillRef>
+            <a:effectRef idx="0">
+              <a:schemeClr val="accent1"/>
+            </a:effectRef>
+            <a:fontRef idx="minor">
+              <a:schemeClr val="lt1"/>
+            </a:fontRef>
+          </p:style>
+          <p:txBody>
+            <a:bodyPr rtlCol="0" anchor="ctr"/>
+            <a:lstStyle/>
+            <a:p>
+              <a:pPr algn="ctr"/>
+              <a:endParaRPr lang="zh-CN" altLang="en-US">
+                <a:solidFill>
+                  <a:schemeClr val="tx1"/>
+                </a:solidFill>
+              </a:endParaRPr>
+            </a:p>
+          </p:txBody>
+        </p:sp>
+      </p:grpSp>
+    </p:spTree>
+  </p:cSld>
+  <p:clrMapOvr>
+    <a:masterClrMapping/>
+  </p:clrMapOvr>
+</p:sld>
+</file>
+
+<file path=ppt/slides/slide35.xml><?xml version="1.0" encoding="utf-8"?>
+<p:sld xmlns:a="http://schemas.openxmlformats.org/drawingml/2006/main" xmlns:r="http://schemas.openxmlformats.org/officeDocument/2006/relationships" xmlns:p="http://schemas.openxmlformats.org/presentationml/2006/main">
+  <p:cSld>
+    <p:spTree>
+      <p:nvGrpSpPr>
+        <p:cNvPr id="1" name=""/>
+        <p:cNvGrpSpPr/>
+        <p:nvPr/>
+      </p:nvGrpSpPr>
+      <p:grpSpPr>
+        <a:xfrm>
+          <a:off x="0" y="0"/>
+          <a:ext cx="0" cy="0"/>
+          <a:chOff x="0" y="0"/>
+          <a:chExt cx="0" cy="0"/>
+        </a:xfrm>
+      </p:grpSpPr>
+      <p:pic>
+        <p:nvPicPr>
           <p:cNvPr id="7170" name="Picture 2"/>
           <p:cNvPicPr>
             <a:picLocks noChangeAspect="1" noChangeArrowheads="1"/>
@@ -42288,7 +42905,7 @@
 </p:sld>
 </file>
 
-<file path=ppt/slides/slide35.xml><?xml version="1.0" encoding="utf-8"?>
+<file path=ppt/slides/slide36.xml><?xml version="1.0" encoding="utf-8"?>
 <p:sld xmlns:a="http://schemas.openxmlformats.org/drawingml/2006/main" xmlns:r="http://schemas.openxmlformats.org/officeDocument/2006/relationships" xmlns:p="http://schemas.openxmlformats.org/presentationml/2006/main">
   <p:cSld>
     <p:spTree>
@@ -44594,7 +45211,7 @@
 </p:sld>
 </file>
 
-<file path=ppt/slides/slide36.xml><?xml version="1.0" encoding="utf-8"?>
+<file path=ppt/slides/slide37.xml><?xml version="1.0" encoding="utf-8"?>
 <p:sld xmlns:a="http://schemas.openxmlformats.org/drawingml/2006/main" xmlns:r="http://schemas.openxmlformats.org/officeDocument/2006/relationships" xmlns:p="http://schemas.openxmlformats.org/presentationml/2006/main">
   <p:cSld>
     <p:spTree>
@@ -46844,7 +47461,7 @@
 </p:sld>
 </file>
 
-<file path=ppt/slides/slide37.xml><?xml version="1.0" encoding="utf-8"?>
+<file path=ppt/slides/slide38.xml><?xml version="1.0" encoding="utf-8"?>
 <p:sld xmlns:a="http://schemas.openxmlformats.org/drawingml/2006/main" xmlns:r="http://schemas.openxmlformats.org/officeDocument/2006/relationships" xmlns:p="http://schemas.openxmlformats.org/presentationml/2006/main">
   <p:cSld>
     <p:spTree>
@@ -49504,7 +50121,7 @@
 </p:sld>
 </file>
 
-<file path=ppt/slides/slide38.xml><?xml version="1.0" encoding="utf-8"?>
+<file path=ppt/slides/slide39.xml><?xml version="1.0" encoding="utf-8"?>
 <p:sld xmlns:a="http://schemas.openxmlformats.org/drawingml/2006/main" xmlns:r="http://schemas.openxmlformats.org/officeDocument/2006/relationships" xmlns:p="http://schemas.openxmlformats.org/presentationml/2006/main">
   <p:cSld>
     <p:spTree>
@@ -50060,872 +50677,6 @@
       <p:sp>
         <p:nvSpPr>
           <p:cNvPr id="16" name="矩形 15"/>
-          <p:cNvSpPr/>
-          <p:nvPr/>
-        </p:nvSpPr>
-        <p:spPr>
-          <a:xfrm>
-            <a:off x="11018478" y="796875"/>
-            <a:ext cx="944880" cy="220253"/>
-          </a:xfrm>
-          <a:prstGeom prst="rect">
-            <a:avLst/>
-          </a:prstGeom>
-          <a:solidFill>
-            <a:srgbClr val="BE1007"/>
-          </a:solidFill>
-          <a:ln>
-            <a:noFill/>
-          </a:ln>
-        </p:spPr>
-        <p:style>
-          <a:lnRef idx="2">
-            <a:schemeClr val="accent1">
-              <a:shade val="50000"/>
-            </a:schemeClr>
-          </a:lnRef>
-          <a:fillRef idx="1">
-            <a:schemeClr val="accent1"/>
-          </a:fillRef>
-          <a:effectRef idx="0">
-            <a:schemeClr val="accent1"/>
-          </a:effectRef>
-          <a:fontRef idx="minor">
-            <a:schemeClr val="lt1"/>
-          </a:fontRef>
-        </p:style>
-        <p:txBody>
-          <a:bodyPr rtlCol="0" anchor="ctr"/>
-          <a:lstStyle/>
-          <a:p>
-            <a:pPr algn="ctr"/>
-            <a:endParaRPr lang="zh-CN" altLang="en-US"/>
-          </a:p>
-        </p:txBody>
-      </p:sp>
-    </p:spTree>
-  </p:cSld>
-  <p:clrMapOvr>
-    <a:masterClrMapping/>
-  </p:clrMapOvr>
-</p:sld>
-</file>
-
-<file path=ppt/slides/slide39.xml><?xml version="1.0" encoding="utf-8"?>
-<p:sld xmlns:a="http://schemas.openxmlformats.org/drawingml/2006/main" xmlns:r="http://schemas.openxmlformats.org/officeDocument/2006/relationships" xmlns:p="http://schemas.openxmlformats.org/presentationml/2006/main">
-  <p:cSld>
-    <p:spTree>
-      <p:nvGrpSpPr>
-        <p:cNvPr id="1" name=""/>
-        <p:cNvGrpSpPr/>
-        <p:nvPr/>
-      </p:nvGrpSpPr>
-      <p:grpSpPr>
-        <a:xfrm>
-          <a:off x="0" y="0"/>
-          <a:ext cx="0" cy="0"/>
-          <a:chOff x="0" y="0"/>
-          <a:chExt cx="0" cy="0"/>
-        </a:xfrm>
-      </p:grpSpPr>
-      <p:pic>
-        <p:nvPicPr>
-          <p:cNvPr id="11" name="Picture 2"/>
-          <p:cNvPicPr>
-            <a:picLocks noChangeAspect="1" noChangeArrowheads="1"/>
-          </p:cNvPicPr>
-          <p:nvPr/>
-        </p:nvPicPr>
-        <p:blipFill>
-          <a:blip r:embed="rId1"/>
-          <a:srcRect l="3515" t="9375" r="19726" b="40000"/>
-          <a:stretch>
-            <a:fillRect/>
-          </a:stretch>
-        </p:blipFill>
-        <p:spPr bwMode="auto">
-          <a:xfrm>
-            <a:off x="1524000" y="2714620"/>
-            <a:ext cx="4143372" cy="1707954"/>
-          </a:xfrm>
-          <a:prstGeom prst="rect">
-            <a:avLst/>
-          </a:prstGeom>
-          <a:noFill/>
-          <a:ln w="9525">
-            <a:noFill/>
-            <a:miter lim="800000"/>
-            <a:headEnd/>
-            <a:tailEnd/>
-          </a:ln>
-          <a:effectLst/>
-        </p:spPr>
-      </p:pic>
-      <p:pic>
-        <p:nvPicPr>
-          <p:cNvPr id="9" name="Picture 2"/>
-          <p:cNvPicPr>
-            <a:picLocks noChangeAspect="1" noChangeArrowheads="1"/>
-          </p:cNvPicPr>
-          <p:nvPr/>
-        </p:nvPicPr>
-        <p:blipFill>
-          <a:blip r:embed="rId2"/>
-          <a:srcRect l="24609" t="23256" r="33789" b="36046"/>
-          <a:stretch>
-            <a:fillRect/>
-          </a:stretch>
-        </p:blipFill>
-        <p:spPr bwMode="auto">
-          <a:xfrm>
-            <a:off x="6167439" y="2500306"/>
-            <a:ext cx="4226749" cy="2500330"/>
-          </a:xfrm>
-          <a:prstGeom prst="rect">
-            <a:avLst/>
-          </a:prstGeom>
-          <a:noFill/>
-          <a:ln w="9525">
-            <a:noFill/>
-            <a:miter lim="800000"/>
-            <a:headEnd/>
-            <a:tailEnd/>
-          </a:ln>
-          <a:effectLst/>
-        </p:spPr>
-      </p:pic>
-      <p:sp>
-        <p:nvSpPr>
-          <p:cNvPr id="7" name="椭圆 6"/>
-          <p:cNvSpPr/>
-          <p:nvPr/>
-        </p:nvSpPr>
-        <p:spPr>
-          <a:xfrm>
-            <a:off x="1452530" y="2500306"/>
-            <a:ext cx="2285984" cy="1428760"/>
-          </a:xfrm>
-          <a:prstGeom prst="ellipse">
-            <a:avLst/>
-          </a:prstGeom>
-          <a:noFill/>
-          <a:ln>
-            <a:solidFill>
-              <a:srgbClr val="FF0000"/>
-            </a:solidFill>
-          </a:ln>
-        </p:spPr>
-        <p:style>
-          <a:lnRef idx="2">
-            <a:schemeClr val="accent2"/>
-          </a:lnRef>
-          <a:fillRef idx="1">
-            <a:schemeClr val="lt1"/>
-          </a:fillRef>
-          <a:effectRef idx="0">
-            <a:schemeClr val="accent2"/>
-          </a:effectRef>
-          <a:fontRef idx="minor">
-            <a:schemeClr val="dk1"/>
-          </a:fontRef>
-        </p:style>
-        <p:txBody>
-          <a:bodyPr rtlCol="0" anchor="ctr"/>
-          <a:lstStyle/>
-          <a:p>
-            <a:pPr algn="ctr"/>
-            <a:endParaRPr lang="zh-CN" altLang="en-US"/>
-          </a:p>
-        </p:txBody>
-      </p:sp>
-      <p:sp>
-        <p:nvSpPr>
-          <p:cNvPr id="8" name="椭圆 7"/>
-          <p:cNvSpPr/>
-          <p:nvPr/>
-        </p:nvSpPr>
-        <p:spPr>
-          <a:xfrm>
-            <a:off x="6381752" y="2500306"/>
-            <a:ext cx="1928794" cy="1214446"/>
-          </a:xfrm>
-          <a:prstGeom prst="ellipse">
-            <a:avLst/>
-          </a:prstGeom>
-          <a:noFill/>
-          <a:ln>
-            <a:solidFill>
-              <a:srgbClr val="FF0000"/>
-            </a:solidFill>
-          </a:ln>
-        </p:spPr>
-        <p:style>
-          <a:lnRef idx="2">
-            <a:schemeClr val="accent2"/>
-          </a:lnRef>
-          <a:fillRef idx="1">
-            <a:schemeClr val="lt1"/>
-          </a:fillRef>
-          <a:effectRef idx="0">
-            <a:schemeClr val="accent2"/>
-          </a:effectRef>
-          <a:fontRef idx="minor">
-            <a:schemeClr val="dk1"/>
-          </a:fontRef>
-        </p:style>
-        <p:txBody>
-          <a:bodyPr rtlCol="0" anchor="ctr"/>
-          <a:lstStyle/>
-          <a:p>
-            <a:pPr algn="ctr"/>
-            <a:endParaRPr lang="zh-CN" altLang="en-US"/>
-          </a:p>
-        </p:txBody>
-      </p:sp>
-      <p:sp>
-        <p:nvSpPr>
-          <p:cNvPr id="10" name="燕尾形箭头 9"/>
-          <p:cNvSpPr/>
-          <p:nvPr/>
-        </p:nvSpPr>
-        <p:spPr>
-          <a:xfrm>
-            <a:off x="3881423" y="2786058"/>
-            <a:ext cx="2367839" cy="714380"/>
-          </a:xfrm>
-          <a:prstGeom prst="notchedRightArrow">
-            <a:avLst/>
-          </a:prstGeom>
-          <a:scene3d>
-            <a:camera prst="orthographicFront"/>
-            <a:lightRig rig="threePt" dir="t"/>
-          </a:scene3d>
-          <a:sp3d>
-            <a:bevelT prst="relaxedInset"/>
-          </a:sp3d>
-        </p:spPr>
-        <p:style>
-          <a:lnRef idx="2">
-            <a:schemeClr val="accent1">
-              <a:shade val="50000"/>
-            </a:schemeClr>
-          </a:lnRef>
-          <a:fillRef idx="1">
-            <a:schemeClr val="accent1"/>
-          </a:fillRef>
-          <a:effectRef idx="0">
-            <a:schemeClr val="accent1"/>
-          </a:effectRef>
-          <a:fontRef idx="minor">
-            <a:schemeClr val="lt1"/>
-          </a:fontRef>
-        </p:style>
-        <p:txBody>
-          <a:bodyPr rtlCol="0" anchor="ctr"/>
-          <a:lstStyle/>
-          <a:p>
-            <a:pPr algn="ctr"/>
-            <a:endParaRPr lang="zh-CN" altLang="en-US"/>
-          </a:p>
-        </p:txBody>
-      </p:sp>
-      <p:sp>
-        <p:nvSpPr>
-          <p:cNvPr id="12" name="椭圆 11"/>
-          <p:cNvSpPr/>
-          <p:nvPr/>
-        </p:nvSpPr>
-        <p:spPr>
-          <a:xfrm>
-            <a:off x="3238480" y="3357562"/>
-            <a:ext cx="1714512" cy="1285884"/>
-          </a:xfrm>
-          <a:prstGeom prst="ellipse">
-            <a:avLst/>
-          </a:prstGeom>
-          <a:noFill/>
-          <a:ln>
-            <a:solidFill>
-              <a:srgbClr val="FF0000"/>
-            </a:solidFill>
-          </a:ln>
-        </p:spPr>
-        <p:style>
-          <a:lnRef idx="2">
-            <a:schemeClr val="accent2"/>
-          </a:lnRef>
-          <a:fillRef idx="1">
-            <a:schemeClr val="lt1"/>
-          </a:fillRef>
-          <a:effectRef idx="0">
-            <a:schemeClr val="accent2"/>
-          </a:effectRef>
-          <a:fontRef idx="minor">
-            <a:schemeClr val="dk1"/>
-          </a:fontRef>
-        </p:style>
-        <p:txBody>
-          <a:bodyPr rtlCol="0" anchor="ctr"/>
-          <a:lstStyle/>
-          <a:p>
-            <a:pPr algn="ctr"/>
-            <a:endParaRPr lang="zh-CN" altLang="en-US"/>
-          </a:p>
-        </p:txBody>
-      </p:sp>
-      <p:sp>
-        <p:nvSpPr>
-          <p:cNvPr id="13" name="椭圆 12"/>
-          <p:cNvSpPr/>
-          <p:nvPr/>
-        </p:nvSpPr>
-        <p:spPr>
-          <a:xfrm>
-            <a:off x="8810644" y="2428868"/>
-            <a:ext cx="1643074" cy="1428760"/>
-          </a:xfrm>
-          <a:prstGeom prst="ellipse">
-            <a:avLst/>
-          </a:prstGeom>
-          <a:noFill/>
-          <a:ln>
-            <a:solidFill>
-              <a:srgbClr val="FF0000"/>
-            </a:solidFill>
-          </a:ln>
-        </p:spPr>
-        <p:style>
-          <a:lnRef idx="2">
-            <a:schemeClr val="accent2"/>
-          </a:lnRef>
-          <a:fillRef idx="1">
-            <a:schemeClr val="lt1"/>
-          </a:fillRef>
-          <a:effectRef idx="0">
-            <a:schemeClr val="accent2"/>
-          </a:effectRef>
-          <a:fontRef idx="minor">
-            <a:schemeClr val="dk1"/>
-          </a:fontRef>
-        </p:style>
-        <p:txBody>
-          <a:bodyPr rtlCol="0" anchor="ctr"/>
-          <a:lstStyle/>
-          <a:p>
-            <a:pPr algn="ctr"/>
-            <a:endParaRPr lang="zh-CN" altLang="en-US"/>
-          </a:p>
-        </p:txBody>
-      </p:sp>
-      <p:sp>
-        <p:nvSpPr>
-          <p:cNvPr id="16" name="直角上箭头 15"/>
-          <p:cNvSpPr/>
-          <p:nvPr/>
-        </p:nvSpPr>
-        <p:spPr>
-          <a:xfrm>
-            <a:off x="4952992" y="3786190"/>
-            <a:ext cx="4929222" cy="571504"/>
-          </a:xfrm>
-          <a:prstGeom prst="bentUpArrow">
-            <a:avLst/>
-          </a:prstGeom>
-          <a:scene3d>
-            <a:camera prst="orthographicFront"/>
-            <a:lightRig rig="threePt" dir="t"/>
-          </a:scene3d>
-          <a:sp3d>
-            <a:bevelT prst="relaxedInset"/>
-          </a:sp3d>
-        </p:spPr>
-        <p:style>
-          <a:lnRef idx="2">
-            <a:schemeClr val="accent1">
-              <a:shade val="50000"/>
-            </a:schemeClr>
-          </a:lnRef>
-          <a:fillRef idx="1">
-            <a:schemeClr val="accent1"/>
-          </a:fillRef>
-          <a:effectRef idx="0">
-            <a:schemeClr val="accent1"/>
-          </a:effectRef>
-          <a:fontRef idx="minor">
-            <a:schemeClr val="lt1"/>
-          </a:fontRef>
-        </p:style>
-        <p:txBody>
-          <a:bodyPr rtlCol="0" anchor="ctr"/>
-          <a:lstStyle/>
-          <a:p>
-            <a:pPr algn="ctr"/>
-            <a:endParaRPr lang="zh-CN" altLang="en-US"/>
-          </a:p>
-        </p:txBody>
-      </p:sp>
-      <p:sp>
-        <p:nvSpPr>
-          <p:cNvPr id="14" name="文本框 13"/>
-          <p:cNvSpPr txBox="1"/>
-          <p:nvPr/>
-        </p:nvSpPr>
-        <p:spPr>
-          <a:xfrm>
-            <a:off x="274320" y="449590"/>
-            <a:ext cx="3518912" cy="523220"/>
-          </a:xfrm>
-          <a:prstGeom prst="rect">
-            <a:avLst/>
-          </a:prstGeom>
-          <a:noFill/>
-        </p:spPr>
-        <p:txBody>
-          <a:bodyPr wrap="none" rtlCol="0">
-            <a:spAutoFit/>
-          </a:bodyPr>
-          <a:lstStyle/>
-          <a:p>
-            <a:r>
-              <a:rPr lang="zh-CN" altLang="en-US" sz="2800" b="1" dirty="0">
-                <a:solidFill>
-                  <a:srgbClr val="141316"/>
-                </a:solidFill>
-                <a:latin typeface="微软雅黑" panose="020B0503020204020204" pitchFamily="34" charset="-122"/>
-                <a:ea typeface="微软雅黑" panose="020B0503020204020204" pitchFamily="34" charset="-122"/>
-              </a:rPr>
-              <a:t>高级话题</a:t>
-            </a:r>
-            <a:r>
-              <a:rPr lang="en-US" altLang="zh-CN" sz="2800" b="1" dirty="0">
-                <a:solidFill>
-                  <a:srgbClr val="141316"/>
-                </a:solidFill>
-                <a:latin typeface="微软雅黑" panose="020B0503020204020204" pitchFamily="34" charset="-122"/>
-                <a:ea typeface="微软雅黑" panose="020B0503020204020204" pitchFamily="34" charset="-122"/>
-              </a:rPr>
-              <a:t>:</a:t>
-            </a:r>
-            <a:r>
-              <a:rPr lang="zh-CN" altLang="en-US" sz="2800" b="1" dirty="0">
-                <a:solidFill>
-                  <a:srgbClr val="141316"/>
-                </a:solidFill>
-                <a:latin typeface="微软雅黑" panose="020B0503020204020204" pitchFamily="34" charset="-122"/>
-                <a:ea typeface="微软雅黑" panose="020B0503020204020204" pitchFamily="34" charset="-122"/>
-              </a:rPr>
-              <a:t>更新域模型</a:t>
-            </a:r>
-            <a:endParaRPr lang="zh-CN" altLang="en-US" sz="2800" b="1" dirty="0">
-              <a:solidFill>
-                <a:srgbClr val="141316"/>
-              </a:solidFill>
-              <a:latin typeface="微软雅黑" panose="020B0503020204020204" pitchFamily="34" charset="-122"/>
-              <a:ea typeface="微软雅黑" panose="020B0503020204020204" pitchFamily="34" charset="-122"/>
-            </a:endParaRPr>
-          </a:p>
-        </p:txBody>
-      </p:sp>
-      <p:cxnSp>
-        <p:nvCxnSpPr>
-          <p:cNvPr id="15" name="直接连接符 14"/>
-          <p:cNvCxnSpPr/>
-          <p:nvPr/>
-        </p:nvCxnSpPr>
-        <p:spPr>
-          <a:xfrm>
-            <a:off x="0" y="1019125"/>
-            <a:ext cx="12192000" cy="0"/>
-          </a:xfrm>
-          <a:prstGeom prst="line">
-            <a:avLst/>
-          </a:prstGeom>
-          <a:ln>
-            <a:solidFill>
-              <a:srgbClr val="B82E24"/>
-            </a:solidFill>
-            <a:prstDash val="solid"/>
-          </a:ln>
-        </p:spPr>
-        <p:style>
-          <a:lnRef idx="1">
-            <a:schemeClr val="accent1"/>
-          </a:lnRef>
-          <a:fillRef idx="0">
-            <a:schemeClr val="accent1"/>
-          </a:fillRef>
-          <a:effectRef idx="0">
-            <a:schemeClr val="accent1"/>
-          </a:effectRef>
-          <a:fontRef idx="minor">
-            <a:schemeClr val="tx1"/>
-          </a:fontRef>
-        </p:style>
-      </p:cxnSp>
-      <p:grpSp>
-        <p:nvGrpSpPr>
-          <p:cNvPr id="17" name="组合 16"/>
-          <p:cNvGrpSpPr/>
-          <p:nvPr/>
-        </p:nvGrpSpPr>
-        <p:grpSpPr>
-          <a:xfrm>
-            <a:off x="3793232" y="588916"/>
-            <a:ext cx="491490" cy="318085"/>
-            <a:chOff x="3017520" y="601990"/>
-            <a:chExt cx="491490" cy="414010"/>
-          </a:xfrm>
-        </p:grpSpPr>
-        <p:sp>
-          <p:nvSpPr>
-            <p:cNvPr id="18" name="燕尾形 17"/>
-            <p:cNvSpPr/>
-            <p:nvPr/>
-          </p:nvSpPr>
-          <p:spPr>
-            <a:xfrm>
-              <a:off x="3017520" y="601990"/>
-              <a:ext cx="198120" cy="414010"/>
-            </a:xfrm>
-            <a:prstGeom prst="chevron">
-              <a:avLst/>
-            </a:prstGeom>
-            <a:solidFill>
-              <a:srgbClr val="F5715B"/>
-            </a:solidFill>
-            <a:ln>
-              <a:noFill/>
-            </a:ln>
-          </p:spPr>
-          <p:style>
-            <a:lnRef idx="2">
-              <a:schemeClr val="accent1">
-                <a:shade val="50000"/>
-              </a:schemeClr>
-            </a:lnRef>
-            <a:fillRef idx="1">
-              <a:schemeClr val="accent1"/>
-            </a:fillRef>
-            <a:effectRef idx="0">
-              <a:schemeClr val="accent1"/>
-            </a:effectRef>
-            <a:fontRef idx="minor">
-              <a:schemeClr val="lt1"/>
-            </a:fontRef>
-          </p:style>
-          <p:txBody>
-            <a:bodyPr rtlCol="0" anchor="ctr"/>
-            <a:lstStyle/>
-            <a:p>
-              <a:pPr algn="ctr"/>
-              <a:endParaRPr lang="zh-CN" altLang="en-US">
-                <a:solidFill>
-                  <a:schemeClr val="tx1"/>
-                </a:solidFill>
-              </a:endParaRPr>
-            </a:p>
-          </p:txBody>
-        </p:sp>
-        <p:sp>
-          <p:nvSpPr>
-            <p:cNvPr id="19" name="燕尾形 18"/>
-            <p:cNvSpPr/>
-            <p:nvPr/>
-          </p:nvSpPr>
-          <p:spPr>
-            <a:xfrm>
-              <a:off x="3164205" y="601990"/>
-              <a:ext cx="198120" cy="414010"/>
-            </a:xfrm>
-            <a:prstGeom prst="chevron">
-              <a:avLst/>
-            </a:prstGeom>
-            <a:solidFill>
-              <a:srgbClr val="F93D32"/>
-            </a:solidFill>
-            <a:ln>
-              <a:noFill/>
-            </a:ln>
-          </p:spPr>
-          <p:style>
-            <a:lnRef idx="2">
-              <a:schemeClr val="accent1">
-                <a:shade val="50000"/>
-              </a:schemeClr>
-            </a:lnRef>
-            <a:fillRef idx="1">
-              <a:schemeClr val="accent1"/>
-            </a:fillRef>
-            <a:effectRef idx="0">
-              <a:schemeClr val="accent1"/>
-            </a:effectRef>
-            <a:fontRef idx="minor">
-              <a:schemeClr val="lt1"/>
-            </a:fontRef>
-          </p:style>
-          <p:txBody>
-            <a:bodyPr rtlCol="0" anchor="ctr"/>
-            <a:lstStyle/>
-            <a:p>
-              <a:pPr algn="ctr"/>
-              <a:endParaRPr lang="zh-CN" altLang="en-US">
-                <a:solidFill>
-                  <a:schemeClr val="tx1"/>
-                </a:solidFill>
-              </a:endParaRPr>
-            </a:p>
-          </p:txBody>
-        </p:sp>
-        <p:sp>
-          <p:nvSpPr>
-            <p:cNvPr id="20" name="燕尾形 19"/>
-            <p:cNvSpPr/>
-            <p:nvPr/>
-          </p:nvSpPr>
-          <p:spPr>
-            <a:xfrm>
-              <a:off x="3310890" y="601990"/>
-              <a:ext cx="198120" cy="414010"/>
-            </a:xfrm>
-            <a:prstGeom prst="chevron">
-              <a:avLst/>
-            </a:prstGeom>
-            <a:solidFill>
-              <a:srgbClr val="B82E24"/>
-            </a:solidFill>
-            <a:ln>
-              <a:noFill/>
-            </a:ln>
-          </p:spPr>
-          <p:style>
-            <a:lnRef idx="2">
-              <a:schemeClr val="accent1">
-                <a:shade val="50000"/>
-              </a:schemeClr>
-            </a:lnRef>
-            <a:fillRef idx="1">
-              <a:schemeClr val="accent1"/>
-            </a:fillRef>
-            <a:effectRef idx="0">
-              <a:schemeClr val="accent1"/>
-            </a:effectRef>
-            <a:fontRef idx="minor">
-              <a:schemeClr val="lt1"/>
-            </a:fontRef>
-          </p:style>
-          <p:txBody>
-            <a:bodyPr rtlCol="0" anchor="ctr"/>
-            <a:lstStyle/>
-            <a:p>
-              <a:pPr algn="ctr"/>
-              <a:endParaRPr lang="zh-CN" altLang="en-US">
-                <a:solidFill>
-                  <a:schemeClr val="tx1"/>
-                </a:solidFill>
-              </a:endParaRPr>
-            </a:p>
-          </p:txBody>
-        </p:sp>
-      </p:grpSp>
-      <p:sp>
-        <p:nvSpPr>
-          <p:cNvPr id="21" name="矩形 20"/>
-          <p:cNvSpPr/>
-          <p:nvPr/>
-        </p:nvSpPr>
-        <p:spPr>
-          <a:xfrm>
-            <a:off x="7818120" y="912444"/>
-            <a:ext cx="944880" cy="103556"/>
-          </a:xfrm>
-          <a:prstGeom prst="rect">
-            <a:avLst/>
-          </a:prstGeom>
-          <a:solidFill>
-            <a:schemeClr val="tx1">
-              <a:lumMod val="65000"/>
-              <a:lumOff val="35000"/>
-            </a:schemeClr>
-          </a:solidFill>
-          <a:ln>
-            <a:noFill/>
-          </a:ln>
-        </p:spPr>
-        <p:style>
-          <a:lnRef idx="2">
-            <a:schemeClr val="accent1">
-              <a:shade val="50000"/>
-            </a:schemeClr>
-          </a:lnRef>
-          <a:fillRef idx="1">
-            <a:schemeClr val="accent1"/>
-          </a:fillRef>
-          <a:effectRef idx="0">
-            <a:schemeClr val="accent1"/>
-          </a:effectRef>
-          <a:fontRef idx="minor">
-            <a:schemeClr val="lt1"/>
-          </a:fontRef>
-        </p:style>
-        <p:txBody>
-          <a:bodyPr rtlCol="0" anchor="ctr"/>
-          <a:lstStyle/>
-          <a:p>
-            <a:pPr algn="ctr"/>
-            <a:endParaRPr lang="zh-CN" altLang="en-US"/>
-          </a:p>
-        </p:txBody>
-      </p:sp>
-      <p:sp>
-        <p:nvSpPr>
-          <p:cNvPr id="22" name="矩形 21"/>
-          <p:cNvSpPr/>
-          <p:nvPr/>
-        </p:nvSpPr>
-        <p:spPr>
-          <a:xfrm>
-            <a:off x="8885357" y="912444"/>
-            <a:ext cx="944880" cy="103556"/>
-          </a:xfrm>
-          <a:prstGeom prst="rect">
-            <a:avLst/>
-          </a:prstGeom>
-          <a:solidFill>
-            <a:schemeClr val="tx1">
-              <a:lumMod val="65000"/>
-              <a:lumOff val="35000"/>
-            </a:schemeClr>
-          </a:solidFill>
-          <a:ln>
-            <a:noFill/>
-          </a:ln>
-        </p:spPr>
-        <p:style>
-          <a:lnRef idx="2">
-            <a:schemeClr val="accent1">
-              <a:shade val="50000"/>
-            </a:schemeClr>
-          </a:lnRef>
-          <a:fillRef idx="1">
-            <a:schemeClr val="accent1"/>
-          </a:fillRef>
-          <a:effectRef idx="0">
-            <a:schemeClr val="accent1"/>
-          </a:effectRef>
-          <a:fontRef idx="minor">
-            <a:schemeClr val="lt1"/>
-          </a:fontRef>
-        </p:style>
-        <p:txBody>
-          <a:bodyPr rtlCol="0" anchor="ctr"/>
-          <a:lstStyle/>
-          <a:p>
-            <a:pPr algn="ctr"/>
-            <a:endParaRPr lang="zh-CN" altLang="en-US"/>
-          </a:p>
-        </p:txBody>
-      </p:sp>
-      <p:sp>
-        <p:nvSpPr>
-          <p:cNvPr id="23" name="矩形 22"/>
-          <p:cNvSpPr/>
-          <p:nvPr/>
-        </p:nvSpPr>
-        <p:spPr>
-          <a:xfrm>
-            <a:off x="9952594" y="912444"/>
-            <a:ext cx="944880" cy="103556"/>
-          </a:xfrm>
-          <a:prstGeom prst="rect">
-            <a:avLst/>
-          </a:prstGeom>
-          <a:solidFill>
-            <a:schemeClr val="tx1">
-              <a:lumMod val="65000"/>
-              <a:lumOff val="35000"/>
-            </a:schemeClr>
-          </a:solidFill>
-          <a:ln>
-            <a:noFill/>
-          </a:ln>
-        </p:spPr>
-        <p:style>
-          <a:lnRef idx="2">
-            <a:schemeClr val="accent1">
-              <a:shade val="50000"/>
-            </a:schemeClr>
-          </a:lnRef>
-          <a:fillRef idx="1">
-            <a:schemeClr val="accent1"/>
-          </a:fillRef>
-          <a:effectRef idx="0">
-            <a:schemeClr val="accent1"/>
-          </a:effectRef>
-          <a:fontRef idx="minor">
-            <a:schemeClr val="lt1"/>
-          </a:fontRef>
-        </p:style>
-        <p:txBody>
-          <a:bodyPr rtlCol="0" anchor="ctr"/>
-          <a:lstStyle/>
-          <a:p>
-            <a:pPr algn="ctr"/>
-            <a:endParaRPr lang="zh-CN" altLang="en-US"/>
-          </a:p>
-        </p:txBody>
-      </p:sp>
-      <p:sp>
-        <p:nvSpPr>
-          <p:cNvPr id="24" name="矩形 23"/>
-          <p:cNvSpPr/>
-          <p:nvPr/>
-        </p:nvSpPr>
-        <p:spPr>
-          <a:xfrm>
-            <a:off x="11019831" y="912444"/>
-            <a:ext cx="944880" cy="103556"/>
-          </a:xfrm>
-          <a:prstGeom prst="rect">
-            <a:avLst/>
-          </a:prstGeom>
-          <a:solidFill>
-            <a:schemeClr val="tx1">
-              <a:lumMod val="65000"/>
-              <a:lumOff val="35000"/>
-            </a:schemeClr>
-          </a:solidFill>
-          <a:ln>
-            <a:noFill/>
-          </a:ln>
-        </p:spPr>
-        <p:style>
-          <a:lnRef idx="2">
-            <a:schemeClr val="accent1">
-              <a:shade val="50000"/>
-            </a:schemeClr>
-          </a:lnRef>
-          <a:fillRef idx="1">
-            <a:schemeClr val="accent1"/>
-          </a:fillRef>
-          <a:effectRef idx="0">
-            <a:schemeClr val="accent1"/>
-          </a:effectRef>
-          <a:fontRef idx="minor">
-            <a:schemeClr val="lt1"/>
-          </a:fontRef>
-        </p:style>
-        <p:txBody>
-          <a:bodyPr rtlCol="0" anchor="ctr"/>
-          <a:lstStyle/>
-          <a:p>
-            <a:pPr algn="ctr"/>
-            <a:endParaRPr lang="zh-CN" altLang="en-US"/>
-          </a:p>
-        </p:txBody>
-      </p:sp>
-      <p:sp>
-        <p:nvSpPr>
-          <p:cNvPr id="25" name="矩形 24"/>
           <p:cNvSpPr/>
           <p:nvPr/>
         </p:nvSpPr>
@@ -52258,6 +52009,872 @@
       </p:grpSpPr>
       <p:pic>
         <p:nvPicPr>
+          <p:cNvPr id="11" name="Picture 2"/>
+          <p:cNvPicPr>
+            <a:picLocks noChangeAspect="1" noChangeArrowheads="1"/>
+          </p:cNvPicPr>
+          <p:nvPr/>
+        </p:nvPicPr>
+        <p:blipFill>
+          <a:blip r:embed="rId1"/>
+          <a:srcRect l="3515" t="9375" r="19726" b="40000"/>
+          <a:stretch>
+            <a:fillRect/>
+          </a:stretch>
+        </p:blipFill>
+        <p:spPr bwMode="auto">
+          <a:xfrm>
+            <a:off x="1524000" y="2714620"/>
+            <a:ext cx="4143372" cy="1707954"/>
+          </a:xfrm>
+          <a:prstGeom prst="rect">
+            <a:avLst/>
+          </a:prstGeom>
+          <a:noFill/>
+          <a:ln w="9525">
+            <a:noFill/>
+            <a:miter lim="800000"/>
+            <a:headEnd/>
+            <a:tailEnd/>
+          </a:ln>
+          <a:effectLst/>
+        </p:spPr>
+      </p:pic>
+      <p:pic>
+        <p:nvPicPr>
+          <p:cNvPr id="9" name="Picture 2"/>
+          <p:cNvPicPr>
+            <a:picLocks noChangeAspect="1" noChangeArrowheads="1"/>
+          </p:cNvPicPr>
+          <p:nvPr/>
+        </p:nvPicPr>
+        <p:blipFill>
+          <a:blip r:embed="rId2"/>
+          <a:srcRect l="24609" t="23256" r="33789" b="36046"/>
+          <a:stretch>
+            <a:fillRect/>
+          </a:stretch>
+        </p:blipFill>
+        <p:spPr bwMode="auto">
+          <a:xfrm>
+            <a:off x="6167439" y="2500306"/>
+            <a:ext cx="4226749" cy="2500330"/>
+          </a:xfrm>
+          <a:prstGeom prst="rect">
+            <a:avLst/>
+          </a:prstGeom>
+          <a:noFill/>
+          <a:ln w="9525">
+            <a:noFill/>
+            <a:miter lim="800000"/>
+            <a:headEnd/>
+            <a:tailEnd/>
+          </a:ln>
+          <a:effectLst/>
+        </p:spPr>
+      </p:pic>
+      <p:sp>
+        <p:nvSpPr>
+          <p:cNvPr id="7" name="椭圆 6"/>
+          <p:cNvSpPr/>
+          <p:nvPr/>
+        </p:nvSpPr>
+        <p:spPr>
+          <a:xfrm>
+            <a:off x="1452530" y="2500306"/>
+            <a:ext cx="2285984" cy="1428760"/>
+          </a:xfrm>
+          <a:prstGeom prst="ellipse">
+            <a:avLst/>
+          </a:prstGeom>
+          <a:noFill/>
+          <a:ln>
+            <a:solidFill>
+              <a:srgbClr val="FF0000"/>
+            </a:solidFill>
+          </a:ln>
+        </p:spPr>
+        <p:style>
+          <a:lnRef idx="2">
+            <a:schemeClr val="accent2"/>
+          </a:lnRef>
+          <a:fillRef idx="1">
+            <a:schemeClr val="lt1"/>
+          </a:fillRef>
+          <a:effectRef idx="0">
+            <a:schemeClr val="accent2"/>
+          </a:effectRef>
+          <a:fontRef idx="minor">
+            <a:schemeClr val="dk1"/>
+          </a:fontRef>
+        </p:style>
+        <p:txBody>
+          <a:bodyPr rtlCol="0" anchor="ctr"/>
+          <a:lstStyle/>
+          <a:p>
+            <a:pPr algn="ctr"/>
+            <a:endParaRPr lang="zh-CN" altLang="en-US"/>
+          </a:p>
+        </p:txBody>
+      </p:sp>
+      <p:sp>
+        <p:nvSpPr>
+          <p:cNvPr id="8" name="椭圆 7"/>
+          <p:cNvSpPr/>
+          <p:nvPr/>
+        </p:nvSpPr>
+        <p:spPr>
+          <a:xfrm>
+            <a:off x="6381752" y="2500306"/>
+            <a:ext cx="1928794" cy="1214446"/>
+          </a:xfrm>
+          <a:prstGeom prst="ellipse">
+            <a:avLst/>
+          </a:prstGeom>
+          <a:noFill/>
+          <a:ln>
+            <a:solidFill>
+              <a:srgbClr val="FF0000"/>
+            </a:solidFill>
+          </a:ln>
+        </p:spPr>
+        <p:style>
+          <a:lnRef idx="2">
+            <a:schemeClr val="accent2"/>
+          </a:lnRef>
+          <a:fillRef idx="1">
+            <a:schemeClr val="lt1"/>
+          </a:fillRef>
+          <a:effectRef idx="0">
+            <a:schemeClr val="accent2"/>
+          </a:effectRef>
+          <a:fontRef idx="minor">
+            <a:schemeClr val="dk1"/>
+          </a:fontRef>
+        </p:style>
+        <p:txBody>
+          <a:bodyPr rtlCol="0" anchor="ctr"/>
+          <a:lstStyle/>
+          <a:p>
+            <a:pPr algn="ctr"/>
+            <a:endParaRPr lang="zh-CN" altLang="en-US"/>
+          </a:p>
+        </p:txBody>
+      </p:sp>
+      <p:sp>
+        <p:nvSpPr>
+          <p:cNvPr id="10" name="燕尾形箭头 9"/>
+          <p:cNvSpPr/>
+          <p:nvPr/>
+        </p:nvSpPr>
+        <p:spPr>
+          <a:xfrm>
+            <a:off x="3881423" y="2786058"/>
+            <a:ext cx="2367839" cy="714380"/>
+          </a:xfrm>
+          <a:prstGeom prst="notchedRightArrow">
+            <a:avLst/>
+          </a:prstGeom>
+          <a:scene3d>
+            <a:camera prst="orthographicFront"/>
+            <a:lightRig rig="threePt" dir="t"/>
+          </a:scene3d>
+          <a:sp3d>
+            <a:bevelT prst="relaxedInset"/>
+          </a:sp3d>
+        </p:spPr>
+        <p:style>
+          <a:lnRef idx="2">
+            <a:schemeClr val="accent1">
+              <a:shade val="50000"/>
+            </a:schemeClr>
+          </a:lnRef>
+          <a:fillRef idx="1">
+            <a:schemeClr val="accent1"/>
+          </a:fillRef>
+          <a:effectRef idx="0">
+            <a:schemeClr val="accent1"/>
+          </a:effectRef>
+          <a:fontRef idx="minor">
+            <a:schemeClr val="lt1"/>
+          </a:fontRef>
+        </p:style>
+        <p:txBody>
+          <a:bodyPr rtlCol="0" anchor="ctr"/>
+          <a:lstStyle/>
+          <a:p>
+            <a:pPr algn="ctr"/>
+            <a:endParaRPr lang="zh-CN" altLang="en-US"/>
+          </a:p>
+        </p:txBody>
+      </p:sp>
+      <p:sp>
+        <p:nvSpPr>
+          <p:cNvPr id="12" name="椭圆 11"/>
+          <p:cNvSpPr/>
+          <p:nvPr/>
+        </p:nvSpPr>
+        <p:spPr>
+          <a:xfrm>
+            <a:off x="3238480" y="3357562"/>
+            <a:ext cx="1714512" cy="1285884"/>
+          </a:xfrm>
+          <a:prstGeom prst="ellipse">
+            <a:avLst/>
+          </a:prstGeom>
+          <a:noFill/>
+          <a:ln>
+            <a:solidFill>
+              <a:srgbClr val="FF0000"/>
+            </a:solidFill>
+          </a:ln>
+        </p:spPr>
+        <p:style>
+          <a:lnRef idx="2">
+            <a:schemeClr val="accent2"/>
+          </a:lnRef>
+          <a:fillRef idx="1">
+            <a:schemeClr val="lt1"/>
+          </a:fillRef>
+          <a:effectRef idx="0">
+            <a:schemeClr val="accent2"/>
+          </a:effectRef>
+          <a:fontRef idx="minor">
+            <a:schemeClr val="dk1"/>
+          </a:fontRef>
+        </p:style>
+        <p:txBody>
+          <a:bodyPr rtlCol="0" anchor="ctr"/>
+          <a:lstStyle/>
+          <a:p>
+            <a:pPr algn="ctr"/>
+            <a:endParaRPr lang="zh-CN" altLang="en-US"/>
+          </a:p>
+        </p:txBody>
+      </p:sp>
+      <p:sp>
+        <p:nvSpPr>
+          <p:cNvPr id="13" name="椭圆 12"/>
+          <p:cNvSpPr/>
+          <p:nvPr/>
+        </p:nvSpPr>
+        <p:spPr>
+          <a:xfrm>
+            <a:off x="8810644" y="2428868"/>
+            <a:ext cx="1643074" cy="1428760"/>
+          </a:xfrm>
+          <a:prstGeom prst="ellipse">
+            <a:avLst/>
+          </a:prstGeom>
+          <a:noFill/>
+          <a:ln>
+            <a:solidFill>
+              <a:srgbClr val="FF0000"/>
+            </a:solidFill>
+          </a:ln>
+        </p:spPr>
+        <p:style>
+          <a:lnRef idx="2">
+            <a:schemeClr val="accent2"/>
+          </a:lnRef>
+          <a:fillRef idx="1">
+            <a:schemeClr val="lt1"/>
+          </a:fillRef>
+          <a:effectRef idx="0">
+            <a:schemeClr val="accent2"/>
+          </a:effectRef>
+          <a:fontRef idx="minor">
+            <a:schemeClr val="dk1"/>
+          </a:fontRef>
+        </p:style>
+        <p:txBody>
+          <a:bodyPr rtlCol="0" anchor="ctr"/>
+          <a:lstStyle/>
+          <a:p>
+            <a:pPr algn="ctr"/>
+            <a:endParaRPr lang="zh-CN" altLang="en-US"/>
+          </a:p>
+        </p:txBody>
+      </p:sp>
+      <p:sp>
+        <p:nvSpPr>
+          <p:cNvPr id="16" name="直角上箭头 15"/>
+          <p:cNvSpPr/>
+          <p:nvPr/>
+        </p:nvSpPr>
+        <p:spPr>
+          <a:xfrm>
+            <a:off x="4952992" y="3786190"/>
+            <a:ext cx="4929222" cy="571504"/>
+          </a:xfrm>
+          <a:prstGeom prst="bentUpArrow">
+            <a:avLst/>
+          </a:prstGeom>
+          <a:scene3d>
+            <a:camera prst="orthographicFront"/>
+            <a:lightRig rig="threePt" dir="t"/>
+          </a:scene3d>
+          <a:sp3d>
+            <a:bevelT prst="relaxedInset"/>
+          </a:sp3d>
+        </p:spPr>
+        <p:style>
+          <a:lnRef idx="2">
+            <a:schemeClr val="accent1">
+              <a:shade val="50000"/>
+            </a:schemeClr>
+          </a:lnRef>
+          <a:fillRef idx="1">
+            <a:schemeClr val="accent1"/>
+          </a:fillRef>
+          <a:effectRef idx="0">
+            <a:schemeClr val="accent1"/>
+          </a:effectRef>
+          <a:fontRef idx="minor">
+            <a:schemeClr val="lt1"/>
+          </a:fontRef>
+        </p:style>
+        <p:txBody>
+          <a:bodyPr rtlCol="0" anchor="ctr"/>
+          <a:lstStyle/>
+          <a:p>
+            <a:pPr algn="ctr"/>
+            <a:endParaRPr lang="zh-CN" altLang="en-US"/>
+          </a:p>
+        </p:txBody>
+      </p:sp>
+      <p:sp>
+        <p:nvSpPr>
+          <p:cNvPr id="14" name="文本框 13"/>
+          <p:cNvSpPr txBox="1"/>
+          <p:nvPr/>
+        </p:nvSpPr>
+        <p:spPr>
+          <a:xfrm>
+            <a:off x="274320" y="449590"/>
+            <a:ext cx="3518912" cy="523220"/>
+          </a:xfrm>
+          <a:prstGeom prst="rect">
+            <a:avLst/>
+          </a:prstGeom>
+          <a:noFill/>
+        </p:spPr>
+        <p:txBody>
+          <a:bodyPr wrap="none" rtlCol="0">
+            <a:spAutoFit/>
+          </a:bodyPr>
+          <a:lstStyle/>
+          <a:p>
+            <a:r>
+              <a:rPr lang="zh-CN" altLang="en-US" sz="2800" b="1" dirty="0">
+                <a:solidFill>
+                  <a:srgbClr val="141316"/>
+                </a:solidFill>
+                <a:latin typeface="微软雅黑" panose="020B0503020204020204" pitchFamily="34" charset="-122"/>
+                <a:ea typeface="微软雅黑" panose="020B0503020204020204" pitchFamily="34" charset="-122"/>
+              </a:rPr>
+              <a:t>高级话题</a:t>
+            </a:r>
+            <a:r>
+              <a:rPr lang="en-US" altLang="zh-CN" sz="2800" b="1" dirty="0">
+                <a:solidFill>
+                  <a:srgbClr val="141316"/>
+                </a:solidFill>
+                <a:latin typeface="微软雅黑" panose="020B0503020204020204" pitchFamily="34" charset="-122"/>
+                <a:ea typeface="微软雅黑" panose="020B0503020204020204" pitchFamily="34" charset="-122"/>
+              </a:rPr>
+              <a:t>:</a:t>
+            </a:r>
+            <a:r>
+              <a:rPr lang="zh-CN" altLang="en-US" sz="2800" b="1" dirty="0">
+                <a:solidFill>
+                  <a:srgbClr val="141316"/>
+                </a:solidFill>
+                <a:latin typeface="微软雅黑" panose="020B0503020204020204" pitchFamily="34" charset="-122"/>
+                <a:ea typeface="微软雅黑" panose="020B0503020204020204" pitchFamily="34" charset="-122"/>
+              </a:rPr>
+              <a:t>更新域模型</a:t>
+            </a:r>
+            <a:endParaRPr lang="zh-CN" altLang="en-US" sz="2800" b="1" dirty="0">
+              <a:solidFill>
+                <a:srgbClr val="141316"/>
+              </a:solidFill>
+              <a:latin typeface="微软雅黑" panose="020B0503020204020204" pitchFamily="34" charset="-122"/>
+              <a:ea typeface="微软雅黑" panose="020B0503020204020204" pitchFamily="34" charset="-122"/>
+            </a:endParaRPr>
+          </a:p>
+        </p:txBody>
+      </p:sp>
+      <p:cxnSp>
+        <p:nvCxnSpPr>
+          <p:cNvPr id="15" name="直接连接符 14"/>
+          <p:cNvCxnSpPr/>
+          <p:nvPr/>
+        </p:nvCxnSpPr>
+        <p:spPr>
+          <a:xfrm>
+            <a:off x="0" y="1019125"/>
+            <a:ext cx="12192000" cy="0"/>
+          </a:xfrm>
+          <a:prstGeom prst="line">
+            <a:avLst/>
+          </a:prstGeom>
+          <a:ln>
+            <a:solidFill>
+              <a:srgbClr val="B82E24"/>
+            </a:solidFill>
+            <a:prstDash val="solid"/>
+          </a:ln>
+        </p:spPr>
+        <p:style>
+          <a:lnRef idx="1">
+            <a:schemeClr val="accent1"/>
+          </a:lnRef>
+          <a:fillRef idx="0">
+            <a:schemeClr val="accent1"/>
+          </a:fillRef>
+          <a:effectRef idx="0">
+            <a:schemeClr val="accent1"/>
+          </a:effectRef>
+          <a:fontRef idx="minor">
+            <a:schemeClr val="tx1"/>
+          </a:fontRef>
+        </p:style>
+      </p:cxnSp>
+      <p:grpSp>
+        <p:nvGrpSpPr>
+          <p:cNvPr id="17" name="组合 16"/>
+          <p:cNvGrpSpPr/>
+          <p:nvPr/>
+        </p:nvGrpSpPr>
+        <p:grpSpPr>
+          <a:xfrm>
+            <a:off x="3793232" y="588916"/>
+            <a:ext cx="491490" cy="318085"/>
+            <a:chOff x="3017520" y="601990"/>
+            <a:chExt cx="491490" cy="414010"/>
+          </a:xfrm>
+        </p:grpSpPr>
+        <p:sp>
+          <p:nvSpPr>
+            <p:cNvPr id="18" name="燕尾形 17"/>
+            <p:cNvSpPr/>
+            <p:nvPr/>
+          </p:nvSpPr>
+          <p:spPr>
+            <a:xfrm>
+              <a:off x="3017520" y="601990"/>
+              <a:ext cx="198120" cy="414010"/>
+            </a:xfrm>
+            <a:prstGeom prst="chevron">
+              <a:avLst/>
+            </a:prstGeom>
+            <a:solidFill>
+              <a:srgbClr val="F5715B"/>
+            </a:solidFill>
+            <a:ln>
+              <a:noFill/>
+            </a:ln>
+          </p:spPr>
+          <p:style>
+            <a:lnRef idx="2">
+              <a:schemeClr val="accent1">
+                <a:shade val="50000"/>
+              </a:schemeClr>
+            </a:lnRef>
+            <a:fillRef idx="1">
+              <a:schemeClr val="accent1"/>
+            </a:fillRef>
+            <a:effectRef idx="0">
+              <a:schemeClr val="accent1"/>
+            </a:effectRef>
+            <a:fontRef idx="minor">
+              <a:schemeClr val="lt1"/>
+            </a:fontRef>
+          </p:style>
+          <p:txBody>
+            <a:bodyPr rtlCol="0" anchor="ctr"/>
+            <a:lstStyle/>
+            <a:p>
+              <a:pPr algn="ctr"/>
+              <a:endParaRPr lang="zh-CN" altLang="en-US">
+                <a:solidFill>
+                  <a:schemeClr val="tx1"/>
+                </a:solidFill>
+              </a:endParaRPr>
+            </a:p>
+          </p:txBody>
+        </p:sp>
+        <p:sp>
+          <p:nvSpPr>
+            <p:cNvPr id="19" name="燕尾形 18"/>
+            <p:cNvSpPr/>
+            <p:nvPr/>
+          </p:nvSpPr>
+          <p:spPr>
+            <a:xfrm>
+              <a:off x="3164205" y="601990"/>
+              <a:ext cx="198120" cy="414010"/>
+            </a:xfrm>
+            <a:prstGeom prst="chevron">
+              <a:avLst/>
+            </a:prstGeom>
+            <a:solidFill>
+              <a:srgbClr val="F93D32"/>
+            </a:solidFill>
+            <a:ln>
+              <a:noFill/>
+            </a:ln>
+          </p:spPr>
+          <p:style>
+            <a:lnRef idx="2">
+              <a:schemeClr val="accent1">
+                <a:shade val="50000"/>
+              </a:schemeClr>
+            </a:lnRef>
+            <a:fillRef idx="1">
+              <a:schemeClr val="accent1"/>
+            </a:fillRef>
+            <a:effectRef idx="0">
+              <a:schemeClr val="accent1"/>
+            </a:effectRef>
+            <a:fontRef idx="minor">
+              <a:schemeClr val="lt1"/>
+            </a:fontRef>
+          </p:style>
+          <p:txBody>
+            <a:bodyPr rtlCol="0" anchor="ctr"/>
+            <a:lstStyle/>
+            <a:p>
+              <a:pPr algn="ctr"/>
+              <a:endParaRPr lang="zh-CN" altLang="en-US">
+                <a:solidFill>
+                  <a:schemeClr val="tx1"/>
+                </a:solidFill>
+              </a:endParaRPr>
+            </a:p>
+          </p:txBody>
+        </p:sp>
+        <p:sp>
+          <p:nvSpPr>
+            <p:cNvPr id="20" name="燕尾形 19"/>
+            <p:cNvSpPr/>
+            <p:nvPr/>
+          </p:nvSpPr>
+          <p:spPr>
+            <a:xfrm>
+              <a:off x="3310890" y="601990"/>
+              <a:ext cx="198120" cy="414010"/>
+            </a:xfrm>
+            <a:prstGeom prst="chevron">
+              <a:avLst/>
+            </a:prstGeom>
+            <a:solidFill>
+              <a:srgbClr val="B82E24"/>
+            </a:solidFill>
+            <a:ln>
+              <a:noFill/>
+            </a:ln>
+          </p:spPr>
+          <p:style>
+            <a:lnRef idx="2">
+              <a:schemeClr val="accent1">
+                <a:shade val="50000"/>
+              </a:schemeClr>
+            </a:lnRef>
+            <a:fillRef idx="1">
+              <a:schemeClr val="accent1"/>
+            </a:fillRef>
+            <a:effectRef idx="0">
+              <a:schemeClr val="accent1"/>
+            </a:effectRef>
+            <a:fontRef idx="minor">
+              <a:schemeClr val="lt1"/>
+            </a:fontRef>
+          </p:style>
+          <p:txBody>
+            <a:bodyPr rtlCol="0" anchor="ctr"/>
+            <a:lstStyle/>
+            <a:p>
+              <a:pPr algn="ctr"/>
+              <a:endParaRPr lang="zh-CN" altLang="en-US">
+                <a:solidFill>
+                  <a:schemeClr val="tx1"/>
+                </a:solidFill>
+              </a:endParaRPr>
+            </a:p>
+          </p:txBody>
+        </p:sp>
+      </p:grpSp>
+      <p:sp>
+        <p:nvSpPr>
+          <p:cNvPr id="21" name="矩形 20"/>
+          <p:cNvSpPr/>
+          <p:nvPr/>
+        </p:nvSpPr>
+        <p:spPr>
+          <a:xfrm>
+            <a:off x="7818120" y="912444"/>
+            <a:ext cx="944880" cy="103556"/>
+          </a:xfrm>
+          <a:prstGeom prst="rect">
+            <a:avLst/>
+          </a:prstGeom>
+          <a:solidFill>
+            <a:schemeClr val="tx1">
+              <a:lumMod val="65000"/>
+              <a:lumOff val="35000"/>
+            </a:schemeClr>
+          </a:solidFill>
+          <a:ln>
+            <a:noFill/>
+          </a:ln>
+        </p:spPr>
+        <p:style>
+          <a:lnRef idx="2">
+            <a:schemeClr val="accent1">
+              <a:shade val="50000"/>
+            </a:schemeClr>
+          </a:lnRef>
+          <a:fillRef idx="1">
+            <a:schemeClr val="accent1"/>
+          </a:fillRef>
+          <a:effectRef idx="0">
+            <a:schemeClr val="accent1"/>
+          </a:effectRef>
+          <a:fontRef idx="minor">
+            <a:schemeClr val="lt1"/>
+          </a:fontRef>
+        </p:style>
+        <p:txBody>
+          <a:bodyPr rtlCol="0" anchor="ctr"/>
+          <a:lstStyle/>
+          <a:p>
+            <a:pPr algn="ctr"/>
+            <a:endParaRPr lang="zh-CN" altLang="en-US"/>
+          </a:p>
+        </p:txBody>
+      </p:sp>
+      <p:sp>
+        <p:nvSpPr>
+          <p:cNvPr id="22" name="矩形 21"/>
+          <p:cNvSpPr/>
+          <p:nvPr/>
+        </p:nvSpPr>
+        <p:spPr>
+          <a:xfrm>
+            <a:off x="8885357" y="912444"/>
+            <a:ext cx="944880" cy="103556"/>
+          </a:xfrm>
+          <a:prstGeom prst="rect">
+            <a:avLst/>
+          </a:prstGeom>
+          <a:solidFill>
+            <a:schemeClr val="tx1">
+              <a:lumMod val="65000"/>
+              <a:lumOff val="35000"/>
+            </a:schemeClr>
+          </a:solidFill>
+          <a:ln>
+            <a:noFill/>
+          </a:ln>
+        </p:spPr>
+        <p:style>
+          <a:lnRef idx="2">
+            <a:schemeClr val="accent1">
+              <a:shade val="50000"/>
+            </a:schemeClr>
+          </a:lnRef>
+          <a:fillRef idx="1">
+            <a:schemeClr val="accent1"/>
+          </a:fillRef>
+          <a:effectRef idx="0">
+            <a:schemeClr val="accent1"/>
+          </a:effectRef>
+          <a:fontRef idx="minor">
+            <a:schemeClr val="lt1"/>
+          </a:fontRef>
+        </p:style>
+        <p:txBody>
+          <a:bodyPr rtlCol="0" anchor="ctr"/>
+          <a:lstStyle/>
+          <a:p>
+            <a:pPr algn="ctr"/>
+            <a:endParaRPr lang="zh-CN" altLang="en-US"/>
+          </a:p>
+        </p:txBody>
+      </p:sp>
+      <p:sp>
+        <p:nvSpPr>
+          <p:cNvPr id="23" name="矩形 22"/>
+          <p:cNvSpPr/>
+          <p:nvPr/>
+        </p:nvSpPr>
+        <p:spPr>
+          <a:xfrm>
+            <a:off x="9952594" y="912444"/>
+            <a:ext cx="944880" cy="103556"/>
+          </a:xfrm>
+          <a:prstGeom prst="rect">
+            <a:avLst/>
+          </a:prstGeom>
+          <a:solidFill>
+            <a:schemeClr val="tx1">
+              <a:lumMod val="65000"/>
+              <a:lumOff val="35000"/>
+            </a:schemeClr>
+          </a:solidFill>
+          <a:ln>
+            <a:noFill/>
+          </a:ln>
+        </p:spPr>
+        <p:style>
+          <a:lnRef idx="2">
+            <a:schemeClr val="accent1">
+              <a:shade val="50000"/>
+            </a:schemeClr>
+          </a:lnRef>
+          <a:fillRef idx="1">
+            <a:schemeClr val="accent1"/>
+          </a:fillRef>
+          <a:effectRef idx="0">
+            <a:schemeClr val="accent1"/>
+          </a:effectRef>
+          <a:fontRef idx="minor">
+            <a:schemeClr val="lt1"/>
+          </a:fontRef>
+        </p:style>
+        <p:txBody>
+          <a:bodyPr rtlCol="0" anchor="ctr"/>
+          <a:lstStyle/>
+          <a:p>
+            <a:pPr algn="ctr"/>
+            <a:endParaRPr lang="zh-CN" altLang="en-US"/>
+          </a:p>
+        </p:txBody>
+      </p:sp>
+      <p:sp>
+        <p:nvSpPr>
+          <p:cNvPr id="24" name="矩形 23"/>
+          <p:cNvSpPr/>
+          <p:nvPr/>
+        </p:nvSpPr>
+        <p:spPr>
+          <a:xfrm>
+            <a:off x="11019831" y="912444"/>
+            <a:ext cx="944880" cy="103556"/>
+          </a:xfrm>
+          <a:prstGeom prst="rect">
+            <a:avLst/>
+          </a:prstGeom>
+          <a:solidFill>
+            <a:schemeClr val="tx1">
+              <a:lumMod val="65000"/>
+              <a:lumOff val="35000"/>
+            </a:schemeClr>
+          </a:solidFill>
+          <a:ln>
+            <a:noFill/>
+          </a:ln>
+        </p:spPr>
+        <p:style>
+          <a:lnRef idx="2">
+            <a:schemeClr val="accent1">
+              <a:shade val="50000"/>
+            </a:schemeClr>
+          </a:lnRef>
+          <a:fillRef idx="1">
+            <a:schemeClr val="accent1"/>
+          </a:fillRef>
+          <a:effectRef idx="0">
+            <a:schemeClr val="accent1"/>
+          </a:effectRef>
+          <a:fontRef idx="minor">
+            <a:schemeClr val="lt1"/>
+          </a:fontRef>
+        </p:style>
+        <p:txBody>
+          <a:bodyPr rtlCol="0" anchor="ctr"/>
+          <a:lstStyle/>
+          <a:p>
+            <a:pPr algn="ctr"/>
+            <a:endParaRPr lang="zh-CN" altLang="en-US"/>
+          </a:p>
+        </p:txBody>
+      </p:sp>
+      <p:sp>
+        <p:nvSpPr>
+          <p:cNvPr id="25" name="矩形 24"/>
+          <p:cNvSpPr/>
+          <p:nvPr/>
+        </p:nvSpPr>
+        <p:spPr>
+          <a:xfrm>
+            <a:off x="11018478" y="796875"/>
+            <a:ext cx="944880" cy="220253"/>
+          </a:xfrm>
+          <a:prstGeom prst="rect">
+            <a:avLst/>
+          </a:prstGeom>
+          <a:solidFill>
+            <a:srgbClr val="BE1007"/>
+          </a:solidFill>
+          <a:ln>
+            <a:noFill/>
+          </a:ln>
+        </p:spPr>
+        <p:style>
+          <a:lnRef idx="2">
+            <a:schemeClr val="accent1">
+              <a:shade val="50000"/>
+            </a:schemeClr>
+          </a:lnRef>
+          <a:fillRef idx="1">
+            <a:schemeClr val="accent1"/>
+          </a:fillRef>
+          <a:effectRef idx="0">
+            <a:schemeClr val="accent1"/>
+          </a:effectRef>
+          <a:fontRef idx="minor">
+            <a:schemeClr val="lt1"/>
+          </a:fontRef>
+        </p:style>
+        <p:txBody>
+          <a:bodyPr rtlCol="0" anchor="ctr"/>
+          <a:lstStyle/>
+          <a:p>
+            <a:pPr algn="ctr"/>
+            <a:endParaRPr lang="zh-CN" altLang="en-US"/>
+          </a:p>
+        </p:txBody>
+      </p:sp>
+    </p:spTree>
+  </p:cSld>
+  <p:clrMapOvr>
+    <a:masterClrMapping/>
+  </p:clrMapOvr>
+</p:sld>
+</file>
+
+<file path=ppt/slides/slide41.xml><?xml version="1.0" encoding="utf-8"?>
+<p:sld xmlns:a="http://schemas.openxmlformats.org/drawingml/2006/main" xmlns:r="http://schemas.openxmlformats.org/officeDocument/2006/relationships" xmlns:p="http://schemas.openxmlformats.org/presentationml/2006/main">
+  <p:cSld>
+    <p:spTree>
+      <p:nvGrpSpPr>
+        <p:cNvPr id="1" name=""/>
+        <p:cNvGrpSpPr/>
+        <p:nvPr/>
+      </p:nvGrpSpPr>
+      <p:grpSpPr>
+        <a:xfrm>
+          <a:off x="0" y="0"/>
+          <a:ext cx="0" cy="0"/>
+          <a:chOff x="0" y="0"/>
+          <a:chExt cx="0" cy="0"/>
+        </a:xfrm>
+      </p:grpSpPr>
+      <p:pic>
+        <p:nvPicPr>
           <p:cNvPr id="1026" name="Picture 2"/>
           <p:cNvPicPr>
             <a:picLocks noChangeAspect="1" noChangeArrowheads="1"/>
@@ -52782,7 +53399,7 @@
 </p:sld>
 </file>
 
-<file path=ppt/slides/slide41.xml><?xml version="1.0" encoding="utf-8"?>
+<file path=ppt/slides/slide42.xml><?xml version="1.0" encoding="utf-8"?>
 <p:sld xmlns:a="http://schemas.openxmlformats.org/drawingml/2006/main" xmlns:r="http://schemas.openxmlformats.org/officeDocument/2006/relationships" xmlns:p="http://schemas.openxmlformats.org/presentationml/2006/main">
   <p:cSld>
     <p:spTree>
@@ -53526,7 +54143,7 @@
 </p:sld>
 </file>
 
-<file path=ppt/slides/slide42.xml><?xml version="1.0" encoding="utf-8"?>
+<file path=ppt/slides/slide43.xml><?xml version="1.0" encoding="utf-8"?>
 <p:sld xmlns:a="http://schemas.openxmlformats.org/drawingml/2006/main" xmlns:r="http://schemas.openxmlformats.org/officeDocument/2006/relationships" xmlns:p="http://schemas.openxmlformats.org/presentationml/2006/main">
   <p:cSld>
     <p:spTree>
@@ -54093,7 +54710,7 @@
 </p:sld>
 </file>
 
-<file path=ppt/slides/slide43.xml><?xml version="1.0" encoding="utf-8"?>
+<file path=ppt/slides/slide44.xml><?xml version="1.0" encoding="utf-8"?>
 <p:sld xmlns:a="http://schemas.openxmlformats.org/drawingml/2006/main" xmlns:r="http://schemas.openxmlformats.org/officeDocument/2006/relationships" xmlns:p="http://schemas.openxmlformats.org/presentationml/2006/main">
   <p:cSld>
     <p:spTree>

--- a/materials/slides/ch05.pptx
+++ b/materials/slides/ch05.pptx
@@ -10424,7 +10424,7 @@
       </p:grpSpPr>
       <p:pic>
         <p:nvPicPr>
-          <p:cNvPr id="1026" name="Picture 2" descr="http://images.cnblogs.com/cnblogs_com/acis_/petshop_1.gif"/>
+          <p:cNvPr id="1026" name="Picture 2" descr="C:\Users\qile\Desktop\course-software-process\其他内容\修改的图片3.png修改的图片3"/>
           <p:cNvPicPr>
             <a:picLocks noChangeAspect="1" noChangeArrowheads="1"/>
           </p:cNvPicPr>
